--- a/development/AdvancedDNASeq/slides/Part4_SVs.pptx
+++ b/development/AdvancedDNASeq/slides/Part4_SVs.pptx
@@ -213,7 +213,7 @@
           <a:p>
             <a:fld id="{07AFF704-C85E-D24C-A7E3-0F9EBEED715E}" type="datetimeFigureOut">
               <a:rPr lang="en-US" smtClean="0"/>
-              <a:t>5/20/17</a:t>
+              <a:t>5/22/17</a:t>
             </a:fld>
             <a:endParaRPr lang="en-US"/>
           </a:p>
@@ -587,7 +587,7 @@
           <a:p>
             <a:fld id="{C8A432C8-69A7-458B-9684-2BFA64B31948}" type="datetime2">
               <a:rPr lang="en-US" smtClean="0"/>
-              <a:t>Saturday, May 20, 17</a:t>
+              <a:t>Monday, May 22, 17</a:t>
             </a:fld>
             <a:endParaRPr lang="en-US"/>
           </a:p>
@@ -780,7 +780,7 @@
           <a:p>
             <a:fld id="{8CC057FC-95B6-4D89-AFDA-ABA33EE921E5}" type="datetime2">
               <a:rPr lang="en-US" smtClean="0"/>
-              <a:t>Saturday, May 20, 17</a:t>
+              <a:t>Monday, May 22, 17</a:t>
             </a:fld>
             <a:endParaRPr lang="en-US"/>
           </a:p>
@@ -967,7 +967,7 @@
           <a:p>
             <a:fld id="{EC4549AC-EB31-477F-92A9-B1988E232878}" type="datetime2">
               <a:rPr lang="en-US" smtClean="0"/>
-              <a:t>Saturday, May 20, 17</a:t>
+              <a:t>Monday, May 22, 17</a:t>
             </a:fld>
             <a:endParaRPr lang="en-US"/>
           </a:p>
@@ -1232,7 +1232,7 @@
           <a:p>
             <a:fld id="{6396A3A3-94A6-4E5B-AF39-173ACA3E61CC}" type="datetime2">
               <a:rPr lang="en-US" smtClean="0"/>
-              <a:t>Saturday, May 20, 17</a:t>
+              <a:t>Monday, May 22, 17</a:t>
             </a:fld>
             <a:endParaRPr lang="en-US"/>
           </a:p>
@@ -1650,7 +1650,7 @@
           <a:p>
             <a:fld id="{9933D019-A32C-4EAD-B8E6-DBDA699692FD}" type="datetime2">
               <a:rPr lang="en-US" smtClean="0"/>
-              <a:t>Saturday, May 20, 17</a:t>
+              <a:t>Monday, May 22, 17</a:t>
             </a:fld>
             <a:endParaRPr lang="en-US"/>
           </a:p>
@@ -1894,7 +1894,7 @@
           <a:p>
             <a:fld id="{CCEBA98F-560C-4997-81C4-81D4D9187EAB}" type="datetime2">
               <a:rPr lang="en-US" smtClean="0"/>
-              <a:t>Saturday, May 20, 17</a:t>
+              <a:t>Monday, May 22, 17</a:t>
             </a:fld>
             <a:endParaRPr lang="en-US"/>
           </a:p>
@@ -2132,7 +2132,7 @@
           <a:p>
             <a:fld id="{150972B2-CA5C-437D-87D0-8081271A9E4B}" type="datetime2">
               <a:rPr lang="en-US" smtClean="0"/>
-              <a:t>Saturday, May 20, 17</a:t>
+              <a:t>Monday, May 22, 17</a:t>
             </a:fld>
             <a:endParaRPr lang="en-US"/>
           </a:p>
@@ -2329,7 +2329,7 @@
           <a:p>
             <a:fld id="{79CD4847-11EF-4466-A8AD-85CDB7B49118}" type="datetime2">
               <a:rPr lang="en-US" smtClean="0"/>
-              <a:t>Saturday, May 20, 17</a:t>
+              <a:t>Monday, May 22, 17</a:t>
             </a:fld>
             <a:endParaRPr lang="en-US"/>
           </a:p>
@@ -2429,7 +2429,7 @@
           <a:p>
             <a:fld id="{F168457A-3AB9-4880-8A0C-9F8524491207}" type="datetime2">
               <a:rPr lang="en-US" smtClean="0"/>
-              <a:t>Saturday, May 20, 17</a:t>
+              <a:t>Monday, May 22, 17</a:t>
             </a:fld>
             <a:endParaRPr lang="en-US"/>
           </a:p>
@@ -2567,7 +2567,7 @@
           <a:p>
             <a:fld id="{3FE976D3-5B7F-4300-ABED-C91F1B2AE209}" type="datetime2">
               <a:rPr lang="en-US" smtClean="0"/>
-              <a:t>Saturday, May 20, 17</a:t>
+              <a:t>Monday, May 22, 17</a:t>
             </a:fld>
             <a:endParaRPr lang="en-US"/>
           </a:p>
@@ -3087,7 +3087,7 @@
           <a:p>
             <a:fld id="{EBDC1E59-17DD-41CE-97CA-624A472382D4}" type="datetime2">
               <a:rPr lang="en-US" smtClean="0"/>
-              <a:t>Saturday, May 20, 17</a:t>
+              <a:t>Monday, May 22, 17</a:t>
             </a:fld>
             <a:endParaRPr lang="en-US"/>
           </a:p>
@@ -3350,7 +3350,7 @@
           <a:p>
             <a:fld id="{A80CB818-7379-467D-8E76-EF9D9074A26C}" type="datetime2">
               <a:rPr lang="en-US" smtClean="0"/>
-              <a:t>Saturday, May 20, 17</a:t>
+              <a:t>Monday, May 22, 17</a:t>
             </a:fld>
             <a:endParaRPr lang="en-US" dirty="0"/>
           </a:p>
@@ -4754,13 +4754,16 @@
               <a:rPr lang="en-US" dirty="0" smtClean="0">
                 <a:cs typeface="Courier"/>
               </a:rPr>
-              <a:t>Delly</a:t>
-            </a:r>
+              <a:t>Delly2 can call 5 types of events</a:t>
+            </a:r>
+          </a:p>
+          <a:p>
+            <a:pPr lvl="1"/>
             <a:r>
               <a:rPr lang="en-US" dirty="0" smtClean="0">
                 <a:cs typeface="Courier"/>
               </a:rPr>
-              <a:t>2 can call 5 types of events</a:t>
+              <a:t>DEL (deletion)</a:t>
             </a:r>
           </a:p>
           <a:p>
@@ -4769,7 +4772,7 @@
               <a:rPr lang="en-US" dirty="0" smtClean="0">
                 <a:cs typeface="Courier"/>
               </a:rPr>
-              <a:t>DEL (deletion)</a:t>
+              <a:t>DUP (duplication)</a:t>
             </a:r>
           </a:p>
           <a:p>
@@ -4778,7 +4781,7 @@
               <a:rPr lang="en-US" dirty="0" smtClean="0">
                 <a:cs typeface="Courier"/>
               </a:rPr>
-              <a:t>DUP (duplication)</a:t>
+              <a:t>INV (inversion)</a:t>
             </a:r>
           </a:p>
           <a:p>
@@ -4787,7 +4790,7 @@
               <a:rPr lang="en-US" dirty="0" smtClean="0">
                 <a:cs typeface="Courier"/>
               </a:rPr>
-              <a:t>INV (inversion)</a:t>
+              <a:t>BND (translocation)</a:t>
             </a:r>
           </a:p>
           <a:p>
@@ -4796,48 +4799,36 @@
               <a:rPr lang="en-US" dirty="0" smtClean="0">
                 <a:cs typeface="Courier"/>
               </a:rPr>
-              <a:t>BND (translocation)</a:t>
-            </a:r>
-          </a:p>
-          <a:p>
-            <a:pPr lvl="1"/>
+              <a:t>INS (small insertions)</a:t>
+            </a:r>
+          </a:p>
+          <a:p>
             <a:r>
               <a:rPr lang="en-US" dirty="0" smtClean="0">
                 <a:cs typeface="Courier"/>
               </a:rPr>
-              <a:t>INS (small insertions)</a:t>
-            </a:r>
-          </a:p>
-          <a:p>
+              <a:t>Each event must be called separately, </a:t>
+            </a:r>
+            <a:r>
+              <a:rPr lang="en-US" i="1" dirty="0" smtClean="0">
+                <a:cs typeface="Courier"/>
+              </a:rPr>
+              <a:t>i.e. </a:t>
+            </a:r>
             <a:r>
               <a:rPr lang="en-US" dirty="0" smtClean="0">
                 <a:cs typeface="Courier"/>
               </a:rPr>
-              <a:t>Each event must be called separately, </a:t>
-            </a:r>
-            <a:r>
-              <a:rPr lang="en-US" i="1" dirty="0" smtClean="0">
-                <a:cs typeface="Courier"/>
-              </a:rPr>
-              <a:t>i.e. </a:t>
-            </a:r>
+              <a:t>run Delly2 up to 5 times per BAM</a:t>
+            </a:r>
+          </a:p>
+          <a:p>
             <a:r>
               <a:rPr lang="en-US" dirty="0" smtClean="0">
                 <a:cs typeface="Courier"/>
               </a:rPr>
-              <a:t>run Delly2 up to 5 times per BAM</a:t>
-            </a:r>
-          </a:p>
-          <a:p>
-            <a:r>
-              <a:rPr lang="en-US" dirty="0" smtClean="0">
-                <a:cs typeface="Courier"/>
-              </a:rPr>
               <a:t>Rather than discover SVs, Delly2 can also genotype a set of known SVs (-v option).</a:t>
             </a:r>
-            <a:endParaRPr lang="en-US" dirty="0" smtClean="0">
-              <a:cs typeface="Courier"/>
-            </a:endParaRPr>
           </a:p>
         </p:txBody>
       </p:sp>
@@ -4933,19 +4924,7 @@
               <a:rPr lang="en-US" u="sng" dirty="0" smtClean="0">
                 <a:cs typeface="Courier"/>
               </a:rPr>
-              <a:t>Exercise: </a:t>
-            </a:r>
-            <a:r>
-              <a:rPr lang="en-US" u="sng" dirty="0" smtClean="0">
-                <a:cs typeface="Courier"/>
-              </a:rPr>
-              <a:t>Germline SV </a:t>
-            </a:r>
-            <a:r>
-              <a:rPr lang="en-US" u="sng" dirty="0" smtClean="0">
-                <a:cs typeface="Courier"/>
-              </a:rPr>
-              <a:t>Calling with Delly2</a:t>
+              <a:t>Exercise: Germline SV Calling with Delly2</a:t>
             </a:r>
           </a:p>
           <a:p>
@@ -4976,7 +4955,14 @@
                 <a:latin typeface="Courier"/>
                 <a:cs typeface="Courier"/>
               </a:rPr>
-              <a:t>$TYPE in </a:t>
+              <a:t>TYPE </a:t>
+            </a:r>
+            <a:r>
+              <a:rPr lang="en-US" sz="2400" dirty="0" smtClean="0">
+                <a:latin typeface="Courier"/>
+                <a:cs typeface="Courier"/>
+              </a:rPr>
+              <a:t>in </a:t>
             </a:r>
             <a:r>
               <a:rPr lang="en-US" sz="2400" dirty="0">
@@ -4990,7 +4976,14 @@
                 <a:latin typeface="Courier"/>
                 <a:cs typeface="Courier"/>
               </a:rPr>
-              <a:t>BND ; do</a:t>
+              <a:t>BND ; </a:t>
+            </a:r>
+            <a:r>
+              <a:rPr lang="en-US" sz="2400" dirty="0" smtClean="0">
+                <a:latin typeface="Courier"/>
+                <a:cs typeface="Courier"/>
+              </a:rPr>
+              <a:t>do \</a:t>
             </a:r>
             <a:endParaRPr lang="en-US" sz="2400" dirty="0">
               <a:latin typeface="Courier"/>
@@ -5180,13 +5173,6 @@
                 <a:cs typeface="Courier"/>
               </a:rPr>
               <a:t>lumpy_input.bam</a:t>
-            </a:r>
-            <a:r>
-              <a:rPr lang="en-US" sz="2400" dirty="0" smtClean="0">
-                <a:latin typeface="Courier"/>
-                <a:cs typeface="Courier"/>
-              </a:rPr>
-              <a:t> \</a:t>
             </a:r>
             <a:endParaRPr lang="en-US" sz="2400" dirty="0">
               <a:latin typeface="Courier"/>
@@ -5383,19 +5369,7 @@
               <a:rPr lang="en-US" u="sng" dirty="0" smtClean="0">
                 <a:cs typeface="Courier"/>
               </a:rPr>
-              <a:t>Exercise: </a:t>
-            </a:r>
-            <a:r>
-              <a:rPr lang="en-US" u="sng" dirty="0" smtClean="0">
-                <a:cs typeface="Courier"/>
-              </a:rPr>
-              <a:t>Somatic SV </a:t>
-            </a:r>
-            <a:r>
-              <a:rPr lang="en-US" u="sng" dirty="0" smtClean="0">
-                <a:cs typeface="Courier"/>
-              </a:rPr>
-              <a:t>Calling with Delly2</a:t>
+              <a:t>Exercise: Somatic SV Calling with Delly2</a:t>
             </a:r>
           </a:p>
           <a:p>
@@ -5413,9 +5387,6 @@
               </a:rPr>
               <a:t>After SV calling, it's a good idea to genotype controls at discovered sites to eliminate false-positives (if you find a tumor SV in a control sample, then it's not tumor-specific)</a:t>
             </a:r>
-            <a:endParaRPr lang="en-US" dirty="0" smtClean="0">
-              <a:cs typeface="Courier"/>
-            </a:endParaRPr>
           </a:p>
         </p:txBody>
       </p:sp>
@@ -5511,19 +5482,7 @@
               <a:rPr lang="en-US" u="sng" dirty="0" smtClean="0">
                 <a:cs typeface="Courier"/>
               </a:rPr>
-              <a:t>Exercise: </a:t>
-            </a:r>
-            <a:r>
-              <a:rPr lang="en-US" u="sng" dirty="0" smtClean="0">
-                <a:cs typeface="Courier"/>
-              </a:rPr>
-              <a:t>Somatic SV </a:t>
-            </a:r>
-            <a:r>
-              <a:rPr lang="en-US" u="sng" dirty="0" smtClean="0">
-                <a:cs typeface="Courier"/>
-              </a:rPr>
-              <a:t>Calling with Delly2</a:t>
+              <a:t>Exercise: Somatic SV Calling with Delly2</a:t>
             </a:r>
           </a:p>
           <a:p>
@@ -5549,7 +5508,14 @@
                 <a:latin typeface="Courier"/>
                 <a:cs typeface="Courier"/>
               </a:rPr>
-              <a:t>$TYPE in </a:t>
+              <a:t>TYPE </a:t>
+            </a:r>
+            <a:r>
+              <a:rPr lang="en-US" sz="2400" dirty="0" smtClean="0">
+                <a:latin typeface="Courier"/>
+                <a:cs typeface="Courier"/>
+              </a:rPr>
+              <a:t>in </a:t>
             </a:r>
             <a:r>
               <a:rPr lang="en-US" sz="2400" dirty="0">
@@ -5563,7 +5529,14 @@
                 <a:latin typeface="Courier"/>
                 <a:cs typeface="Courier"/>
               </a:rPr>
-              <a:t>BND ; do</a:t>
+              <a:t>BND ; </a:t>
+            </a:r>
+            <a:r>
+              <a:rPr lang="en-US" sz="2400" dirty="0" smtClean="0">
+                <a:latin typeface="Courier"/>
+                <a:cs typeface="Courier"/>
+              </a:rPr>
+              <a:t>do</a:t>
             </a:r>
             <a:endParaRPr lang="en-US" sz="2400" dirty="0">
               <a:latin typeface="Courier"/>
@@ -5647,21 +5620,35 @@
                 <a:latin typeface="Courier"/>
                 <a:cs typeface="Courier"/>
               </a:rPr>
-              <a:t>_$</a:t>
+              <a:t>_</a:t>
+            </a:r>
+            <a:r>
+              <a:rPr lang="en-US" sz="2400" dirty="0" smtClean="0">
+                <a:latin typeface="Courier"/>
+                <a:cs typeface="Courier"/>
+              </a:rPr>
+              <a:t>${TYPE}_</a:t>
             </a:r>
             <a:r>
               <a:rPr lang="en-US" sz="2400" dirty="0" err="1" smtClean="0">
                 <a:latin typeface="Courier"/>
                 <a:cs typeface="Courier"/>
               </a:rPr>
-              <a:t>TYPE_somatic.bcf</a:t>
+              <a:t>somatic.bcf</a:t>
             </a:r>
             <a:r>
               <a:rPr lang="en-US" sz="2400" dirty="0" smtClean="0">
                 <a:latin typeface="Courier"/>
                 <a:cs typeface="Courier"/>
               </a:rPr>
-              <a:t> \</a:t>
+              <a:t> </a:t>
+            </a:r>
+            <a:r>
+              <a:rPr lang="en-US" sz="2400" dirty="0" smtClean="0">
+                <a:latin typeface="Courier"/>
+                <a:cs typeface="Courier"/>
+              </a:rPr>
+              <a:t>\</a:t>
             </a:r>
           </a:p>
           <a:p>
@@ -5784,13 +5771,6 @@
                 <a:cs typeface="Courier"/>
               </a:rPr>
               <a:t>normal.bam</a:t>
-            </a:r>
-            <a:r>
-              <a:rPr lang="en-US" sz="2400" dirty="0" smtClean="0">
-                <a:latin typeface="Courier"/>
-                <a:cs typeface="Courier"/>
-              </a:rPr>
-              <a:t> \</a:t>
             </a:r>
             <a:endParaRPr lang="en-US" sz="2400" dirty="0">
               <a:latin typeface="Courier"/>
@@ -5919,19 +5899,7 @@
               <a:rPr lang="en-US" u="sng" dirty="0" smtClean="0">
                 <a:cs typeface="Courier"/>
               </a:rPr>
-              <a:t>Exercise: </a:t>
-            </a:r>
-            <a:r>
-              <a:rPr lang="en-US" u="sng" dirty="0" smtClean="0">
-                <a:cs typeface="Courier"/>
-              </a:rPr>
-              <a:t>Somatic SV </a:t>
-            </a:r>
-            <a:r>
-              <a:rPr lang="en-US" u="sng" dirty="0" smtClean="0">
-                <a:cs typeface="Courier"/>
-              </a:rPr>
-              <a:t>Calling with Delly2</a:t>
+              <a:t>Exercise: Somatic SV Calling with Delly2</a:t>
             </a:r>
           </a:p>
           <a:p>
@@ -6121,8 +6089,19 @@
                 <a:latin typeface="Courier"/>
                 <a:cs typeface="Courier"/>
               </a:rPr>
-              <a:t>   </a:t>
-            </a:r>
+              <a:t> </a:t>
+            </a:r>
+            <a:r>
+              <a:rPr lang="en-US" sz="2400" dirty="0" smtClean="0">
+                <a:latin typeface="Courier"/>
+                <a:cs typeface="Courier"/>
+              </a:rPr>
+              <a:t>\</a:t>
+            </a:r>
+            <a:endParaRPr lang="en-US" sz="2400" dirty="0" smtClean="0">
+              <a:latin typeface="Courier"/>
+              <a:cs typeface="Courier"/>
+            </a:endParaRPr>
           </a:p>
           <a:p>
             <a:pPr marL="0" indent="0">
@@ -6295,25 +6274,7 @@
               <a:rPr lang="en-US" dirty="0" smtClean="0">
                 <a:cs typeface="Courier"/>
               </a:rPr>
-              <a:t>owever, in cancer, very large (even whole-chromosome) </a:t>
-            </a:r>
-            <a:r>
-              <a:rPr lang="en-US" dirty="0" smtClean="0">
-                <a:cs typeface="Courier"/>
-              </a:rPr>
-              <a:t>gains and losses </a:t>
-            </a:r>
-            <a:r>
-              <a:rPr lang="en-US" dirty="0" smtClean="0">
-                <a:cs typeface="Courier"/>
-              </a:rPr>
-              <a:t>can occur</a:t>
-            </a:r>
-            <a:r>
-              <a:rPr lang="en-US" dirty="0" smtClean="0">
-                <a:cs typeface="Courier"/>
-              </a:rPr>
-              <a:t>; SV callers may not detect these</a:t>
+              <a:t>owever, in cancer, very large (even whole-chromosome) gains and losses can occur; SV callers may not detect these</a:t>
             </a:r>
           </a:p>
         </p:txBody>
@@ -6845,17 +6806,8 @@
               <a:rPr lang="en-US" u="sng" dirty="0" smtClean="0">
                 <a:cs typeface="Courier"/>
               </a:rPr>
-              <a:t>Exercise: </a:t>
-            </a:r>
-            <a:r>
-              <a:rPr lang="en-US" u="sng" dirty="0" smtClean="0">
-                <a:cs typeface="Courier"/>
-              </a:rPr>
-              <a:t>Merge SV Calls</a:t>
-            </a:r>
-            <a:endParaRPr lang="en-US" u="sng" dirty="0" smtClean="0">
-              <a:cs typeface="Courier"/>
-            </a:endParaRPr>
+              <a:t>Exercise: Merge SV Calls</a:t>
+            </a:r>
           </a:p>
           <a:p>
             <a:pPr marL="0" indent="0">
@@ -7028,14 +6980,21 @@
                 <a:latin typeface="Courier"/>
                 <a:cs typeface="Courier"/>
               </a:rPr>
-              <a:t>sample_files</a:t>
+              <a:t>sample_input</a:t>
             </a:r>
             <a:r>
               <a:rPr lang="en-US" sz="2400" dirty="0" smtClean="0">
                 <a:latin typeface="Courier"/>
                 <a:cs typeface="Courier"/>
               </a:rPr>
-              <a:t> \</a:t>
+              <a:t> </a:t>
+            </a:r>
+            <a:r>
+              <a:rPr lang="en-US" sz="2400" dirty="0" smtClean="0">
+                <a:latin typeface="Courier"/>
+                <a:cs typeface="Courier"/>
+              </a:rPr>
+              <a:t>\</a:t>
             </a:r>
           </a:p>
           <a:p>

--- a/development/AdvancedDNASeq/slides/Part4_SVs.pptx
+++ b/development/AdvancedDNASeq/slides/Part4_SVs.pptx
@@ -128,6 +128,22 @@
       </a:defRPr>
     </a:lvl9pPr>
   </p:defaultTextStyle>
+  <p:extLst>
+    <p:ext uri="{EFAFB233-063F-42B5-8137-9DF3F51BA10A}">
+      <p15:sldGuideLst xmlns:p15="http://schemas.microsoft.com/office/powerpoint/2012/main">
+        <p15:guide id="1" orient="horz" pos="2160">
+          <p15:clr>
+            <a:srgbClr val="A4A3A4"/>
+          </p15:clr>
+        </p15:guide>
+        <p15:guide id="2" pos="2880">
+          <p15:clr>
+            <a:srgbClr val="A4A3A4"/>
+          </p15:clr>
+        </p15:guide>
+      </p15:sldGuideLst>
+    </p:ext>
+  </p:extLst>
 </p:presentation>
 </file>
 
@@ -213,7 +229,7 @@
           <a:p>
             <a:fld id="{07AFF704-C85E-D24C-A7E3-0F9EBEED715E}" type="datetimeFigureOut">
               <a:rPr lang="en-US" smtClean="0"/>
-              <a:t>5/22/17</a:t>
+              <a:t>5/25/17</a:t>
             </a:fld>
             <a:endParaRPr lang="en-US"/>
           </a:p>
@@ -587,7 +603,7 @@
           <a:p>
             <a:fld id="{C8A432C8-69A7-458B-9684-2BFA64B31948}" type="datetime2">
               <a:rPr lang="en-US" smtClean="0"/>
-              <a:t>Monday, May 22, 17</a:t>
+              <a:t>Thursday, May 25, 2017</a:t>
             </a:fld>
             <a:endParaRPr lang="en-US"/>
           </a:p>
@@ -780,7 +796,7 @@
           <a:p>
             <a:fld id="{8CC057FC-95B6-4D89-AFDA-ABA33EE921E5}" type="datetime2">
               <a:rPr lang="en-US" smtClean="0"/>
-              <a:t>Monday, May 22, 17</a:t>
+              <a:t>Thursday, May 25, 2017</a:t>
             </a:fld>
             <a:endParaRPr lang="en-US"/>
           </a:p>
@@ -967,7 +983,7 @@
           <a:p>
             <a:fld id="{EC4549AC-EB31-477F-92A9-B1988E232878}" type="datetime2">
               <a:rPr lang="en-US" smtClean="0"/>
-              <a:t>Monday, May 22, 17</a:t>
+              <a:t>Thursday, May 25, 2017</a:t>
             </a:fld>
             <a:endParaRPr lang="en-US"/>
           </a:p>
@@ -1232,7 +1248,7 @@
           <a:p>
             <a:fld id="{6396A3A3-94A6-4E5B-AF39-173ACA3E61CC}" type="datetime2">
               <a:rPr lang="en-US" smtClean="0"/>
-              <a:t>Monday, May 22, 17</a:t>
+              <a:t>Thursday, May 25, 2017</a:t>
             </a:fld>
             <a:endParaRPr lang="en-US"/>
           </a:p>
@@ -1650,7 +1666,7 @@
           <a:p>
             <a:fld id="{9933D019-A32C-4EAD-B8E6-DBDA699692FD}" type="datetime2">
               <a:rPr lang="en-US" smtClean="0"/>
-              <a:t>Monday, May 22, 17</a:t>
+              <a:t>Thursday, May 25, 2017</a:t>
             </a:fld>
             <a:endParaRPr lang="en-US"/>
           </a:p>
@@ -1894,7 +1910,7 @@
           <a:p>
             <a:fld id="{CCEBA98F-560C-4997-81C4-81D4D9187EAB}" type="datetime2">
               <a:rPr lang="en-US" smtClean="0"/>
-              <a:t>Monday, May 22, 17</a:t>
+              <a:t>Thursday, May 25, 2017</a:t>
             </a:fld>
             <a:endParaRPr lang="en-US"/>
           </a:p>
@@ -2132,7 +2148,7 @@
           <a:p>
             <a:fld id="{150972B2-CA5C-437D-87D0-8081271A9E4B}" type="datetime2">
               <a:rPr lang="en-US" smtClean="0"/>
-              <a:t>Monday, May 22, 17</a:t>
+              <a:t>Thursday, May 25, 2017</a:t>
             </a:fld>
             <a:endParaRPr lang="en-US"/>
           </a:p>
@@ -2329,7 +2345,7 @@
           <a:p>
             <a:fld id="{79CD4847-11EF-4466-A8AD-85CDB7B49118}" type="datetime2">
               <a:rPr lang="en-US" smtClean="0"/>
-              <a:t>Monday, May 22, 17</a:t>
+              <a:t>Thursday, May 25, 2017</a:t>
             </a:fld>
             <a:endParaRPr lang="en-US"/>
           </a:p>
@@ -2429,7 +2445,7 @@
           <a:p>
             <a:fld id="{F168457A-3AB9-4880-8A0C-9F8524491207}" type="datetime2">
               <a:rPr lang="en-US" smtClean="0"/>
-              <a:t>Monday, May 22, 17</a:t>
+              <a:t>Thursday, May 25, 2017</a:t>
             </a:fld>
             <a:endParaRPr lang="en-US"/>
           </a:p>
@@ -2567,7 +2583,7 @@
           <a:p>
             <a:fld id="{3FE976D3-5B7F-4300-ABED-C91F1B2AE209}" type="datetime2">
               <a:rPr lang="en-US" smtClean="0"/>
-              <a:t>Monday, May 22, 17</a:t>
+              <a:t>Thursday, May 25, 2017</a:t>
             </a:fld>
             <a:endParaRPr lang="en-US"/>
           </a:p>
@@ -3087,7 +3103,7 @@
           <a:p>
             <a:fld id="{EBDC1E59-17DD-41CE-97CA-624A472382D4}" type="datetime2">
               <a:rPr lang="en-US" smtClean="0"/>
-              <a:t>Monday, May 22, 17</a:t>
+              <a:t>Thursday, May 25, 2017</a:t>
             </a:fld>
             <a:endParaRPr lang="en-US"/>
           </a:p>
@@ -3350,7 +3366,7 @@
           <a:p>
             <a:fld id="{A80CB818-7379-467D-8E76-EF9D9074A26C}" type="datetime2">
               <a:rPr lang="en-US" smtClean="0"/>
-              <a:t>Monday, May 22, 17</a:t>
+              <a:t>Thursday, May 25, 2017</a:t>
             </a:fld>
             <a:endParaRPr lang="en-US" dirty="0"/>
           </a:p>
@@ -3962,6 +3978,13 @@
   <p:clrMapOvr>
     <a:masterClrMapping/>
   </p:clrMapOvr>
+  <p:timing>
+    <p:tnLst>
+      <p:par>
+        <p:cTn id="1" dur="indefinite" restart="never" nodeType="tmRoot"/>
+      </p:par>
+    </p:tnLst>
+  </p:timing>
 </p:sld>
 </file>
 
@@ -4103,6 +4126,13 @@
       <p:transition xmlns:p14="http://schemas.microsoft.com/office/powerpoint/2010/main" spd="slow"/>
     </mc:Fallback>
   </mc:AlternateContent>
+  <p:timing>
+    <p:tnLst>
+      <p:par>
+        <p:cTn id="1" dur="indefinite" restart="never" nodeType="tmRoot"/>
+      </p:par>
+    </p:tnLst>
+  </p:timing>
 </p:sld>
 </file>
 
@@ -4394,6 +4424,13 @@
       <p:transition xmlns:p14="http://schemas.microsoft.com/office/powerpoint/2010/main" spd="slow"/>
     </mc:Fallback>
   </mc:AlternateContent>
+  <p:timing>
+    <p:tnLst>
+      <p:par>
+        <p:cTn id="1" dur="indefinite" restart="never" nodeType="tmRoot"/>
+      </p:par>
+    </p:tnLst>
+  </p:timing>
 </p:sld>
 </file>
 
@@ -4532,6 +4569,13 @@
       <p:transition xmlns:p14="http://schemas.microsoft.com/office/powerpoint/2010/main" spd="slow"/>
     </mc:Fallback>
   </mc:AlternateContent>
+  <p:timing>
+    <p:tnLst>
+      <p:par>
+        <p:cTn id="1" dur="indefinite" restart="never" nodeType="tmRoot"/>
+      </p:par>
+    </p:tnLst>
+  </p:timing>
 </p:sld>
 </file>
 
@@ -4672,6 +4716,13 @@
       <p:transition xmlns:p14="http://schemas.microsoft.com/office/powerpoint/2010/main" spd="slow"/>
     </mc:Fallback>
   </mc:AlternateContent>
+  <p:timing>
+    <p:tnLst>
+      <p:par>
+        <p:cTn id="1" dur="indefinite" restart="never" nodeType="tmRoot"/>
+      </p:par>
+    </p:tnLst>
+  </p:timing>
 </p:sld>
 </file>
 
@@ -4850,6 +4901,13 @@
       <p:transition xmlns:p14="http://schemas.microsoft.com/office/powerpoint/2010/main" spd="slow"/>
     </mc:Fallback>
   </mc:AlternateContent>
+  <p:timing>
+    <p:tnLst>
+      <p:par>
+        <p:cTn id="1" dur="indefinite" restart="never" nodeType="tmRoot"/>
+      </p:par>
+    </p:tnLst>
+  </p:timing>
 </p:sld>
 </file>
 
@@ -4955,35 +5013,21 @@
                 <a:latin typeface="Courier"/>
                 <a:cs typeface="Courier"/>
               </a:rPr>
-              <a:t>TYPE </a:t>
+              <a:t>TYPE in </a:t>
+            </a:r>
+            <a:r>
+              <a:rPr lang="en-US" sz="2400" dirty="0">
+                <a:latin typeface="Courier"/>
+                <a:cs typeface="Courier"/>
+              </a:rPr>
+              <a:t>DEL DUP INV </a:t>
             </a:r>
             <a:r>
               <a:rPr lang="en-US" sz="2400" dirty="0" smtClean="0">
                 <a:latin typeface="Courier"/>
                 <a:cs typeface="Courier"/>
               </a:rPr>
-              <a:t>in </a:t>
-            </a:r>
-            <a:r>
-              <a:rPr lang="en-US" sz="2400" dirty="0">
-                <a:latin typeface="Courier"/>
-                <a:cs typeface="Courier"/>
-              </a:rPr>
-              <a:t>DEL DUP INV </a:t>
-            </a:r>
-            <a:r>
-              <a:rPr lang="en-US" sz="2400" dirty="0" smtClean="0">
-                <a:latin typeface="Courier"/>
-                <a:cs typeface="Courier"/>
-              </a:rPr>
-              <a:t>BND ; </a:t>
-            </a:r>
-            <a:r>
-              <a:rPr lang="en-US" sz="2400" dirty="0" smtClean="0">
-                <a:latin typeface="Courier"/>
-                <a:cs typeface="Courier"/>
-              </a:rPr>
-              <a:t>do \</a:t>
+              <a:t>BND ; do \</a:t>
             </a:r>
             <a:endParaRPr lang="en-US" sz="2400" dirty="0">
               <a:latin typeface="Courier"/>
@@ -5295,6 +5339,13 @@
       <p:transition xmlns:p14="http://schemas.microsoft.com/office/powerpoint/2010/main" spd="slow"/>
     </mc:Fallback>
   </mc:AlternateContent>
+  <p:timing>
+    <p:tnLst>
+      <p:par>
+        <p:cTn id="1" dur="indefinite" restart="never" nodeType="tmRoot"/>
+      </p:par>
+    </p:tnLst>
+  </p:timing>
 </p:sld>
 </file>
 
@@ -5408,6 +5459,13 @@
       <p:transition xmlns:p14="http://schemas.microsoft.com/office/powerpoint/2010/main" spd="slow"/>
     </mc:Fallback>
   </mc:AlternateContent>
+  <p:timing>
+    <p:tnLst>
+      <p:par>
+        <p:cTn id="1" dur="indefinite" restart="never" nodeType="tmRoot"/>
+      </p:par>
+    </p:tnLst>
+  </p:timing>
 </p:sld>
 </file>
 
@@ -5508,35 +5566,21 @@
                 <a:latin typeface="Courier"/>
                 <a:cs typeface="Courier"/>
               </a:rPr>
-              <a:t>TYPE </a:t>
+              <a:t>TYPE in </a:t>
+            </a:r>
+            <a:r>
+              <a:rPr lang="en-US" sz="2400" dirty="0">
+                <a:latin typeface="Courier"/>
+                <a:cs typeface="Courier"/>
+              </a:rPr>
+              <a:t>DEL DUP INV </a:t>
             </a:r>
             <a:r>
               <a:rPr lang="en-US" sz="2400" dirty="0" smtClean="0">
                 <a:latin typeface="Courier"/>
                 <a:cs typeface="Courier"/>
               </a:rPr>
-              <a:t>in </a:t>
-            </a:r>
-            <a:r>
-              <a:rPr lang="en-US" sz="2400" dirty="0">
-                <a:latin typeface="Courier"/>
-                <a:cs typeface="Courier"/>
-              </a:rPr>
-              <a:t>DEL DUP INV </a:t>
-            </a:r>
-            <a:r>
-              <a:rPr lang="en-US" sz="2400" dirty="0" smtClean="0">
-                <a:latin typeface="Courier"/>
-                <a:cs typeface="Courier"/>
-              </a:rPr>
-              <a:t>BND ; </a:t>
-            </a:r>
-            <a:r>
-              <a:rPr lang="en-US" sz="2400" dirty="0" smtClean="0">
-                <a:latin typeface="Courier"/>
-                <a:cs typeface="Courier"/>
-              </a:rPr>
-              <a:t>do</a:t>
+              <a:t>BND ; do</a:t>
             </a:r>
             <a:endParaRPr lang="en-US" sz="2400" dirty="0">
               <a:latin typeface="Courier"/>
@@ -5620,35 +5664,21 @@
                 <a:latin typeface="Courier"/>
                 <a:cs typeface="Courier"/>
               </a:rPr>
-              <a:t>_</a:t>
+              <a:t>_${TYPE}_</a:t>
+            </a:r>
+            <a:r>
+              <a:rPr lang="en-US" sz="2400" dirty="0" err="1" smtClean="0">
+                <a:latin typeface="Courier"/>
+                <a:cs typeface="Courier"/>
+              </a:rPr>
+              <a:t>somatic.bcf</a:t>
             </a:r>
             <a:r>
               <a:rPr lang="en-US" sz="2400" dirty="0" smtClean="0">
                 <a:latin typeface="Courier"/>
                 <a:cs typeface="Courier"/>
               </a:rPr>
-              <a:t>${TYPE}_</a:t>
-            </a:r>
-            <a:r>
-              <a:rPr lang="en-US" sz="2400" dirty="0" err="1" smtClean="0">
-                <a:latin typeface="Courier"/>
-                <a:cs typeface="Courier"/>
-              </a:rPr>
-              <a:t>somatic.bcf</a:t>
-            </a:r>
-            <a:r>
-              <a:rPr lang="en-US" sz="2400" dirty="0" smtClean="0">
-                <a:latin typeface="Courier"/>
-                <a:cs typeface="Courier"/>
-              </a:rPr>
-              <a:t> </a:t>
-            </a:r>
-            <a:r>
-              <a:rPr lang="en-US" sz="2400" dirty="0" smtClean="0">
-                <a:latin typeface="Courier"/>
-                <a:cs typeface="Courier"/>
-              </a:rPr>
-              <a:t>\</a:t>
+              <a:t> \</a:t>
             </a:r>
           </a:p>
           <a:p>
@@ -5825,6 +5855,13 @@
       <p:transition xmlns:p14="http://schemas.microsoft.com/office/powerpoint/2010/main" spd="slow"/>
     </mc:Fallback>
   </mc:AlternateContent>
+  <p:timing>
+    <p:tnLst>
+      <p:par>
+        <p:cTn id="1" dur="indefinite" restart="never" nodeType="tmRoot"/>
+      </p:par>
+    </p:tnLst>
+  </p:timing>
 </p:sld>
 </file>
 
@@ -6089,19 +6126,8 @@
                 <a:latin typeface="Courier"/>
                 <a:cs typeface="Courier"/>
               </a:rPr>
-              <a:t> </a:t>
-            </a:r>
-            <a:r>
-              <a:rPr lang="en-US" sz="2400" dirty="0" smtClean="0">
-                <a:latin typeface="Courier"/>
-                <a:cs typeface="Courier"/>
-              </a:rPr>
-              <a:t>\</a:t>
-            </a:r>
-            <a:endParaRPr lang="en-US" sz="2400" dirty="0" smtClean="0">
-              <a:latin typeface="Courier"/>
-              <a:cs typeface="Courier"/>
-            </a:endParaRPr>
+              <a:t> \</a:t>
+            </a:r>
           </a:p>
           <a:p>
             <a:pPr marL="0" indent="0">
@@ -6178,6 +6204,13 @@
       <p:transition xmlns:p14="http://schemas.microsoft.com/office/powerpoint/2010/main" spd="slow"/>
     </mc:Fallback>
   </mc:AlternateContent>
+  <p:timing>
+    <p:tnLst>
+      <p:par>
+        <p:cTn id="1" dur="indefinite" restart="never" nodeType="tmRoot"/>
+      </p:par>
+    </p:tnLst>
+  </p:timing>
 </p:sld>
 </file>
 
@@ -6321,6 +6354,13 @@
       <p:transition xmlns:p14="http://schemas.microsoft.com/office/powerpoint/2010/main" spd="slow"/>
     </mc:Fallback>
   </mc:AlternateContent>
+  <p:timing>
+    <p:tnLst>
+      <p:par>
+        <p:cTn id="1" dur="indefinite" restart="never" nodeType="tmRoot"/>
+      </p:par>
+    </p:tnLst>
+  </p:timing>
 </p:sld>
 </file>
 
@@ -6473,6 +6513,13 @@
       <p:transition xmlns:p14="http://schemas.microsoft.com/office/powerpoint/2010/main" spd="slow"/>
     </mc:Fallback>
   </mc:AlternateContent>
+  <p:timing>
+    <p:tnLst>
+      <p:par>
+        <p:cTn id="1" dur="indefinite" restart="never" nodeType="tmRoot"/>
+      </p:par>
+    </p:tnLst>
+  </p:timing>
 </p:sld>
 </file>
 
@@ -6606,6 +6653,13 @@
       <p:transition xmlns:p14="http://schemas.microsoft.com/office/powerpoint/2010/main" spd="slow"/>
     </mc:Fallback>
   </mc:AlternateContent>
+  <p:timing>
+    <p:tnLst>
+      <p:par>
+        <p:cTn id="1" dur="indefinite" restart="never" nodeType="tmRoot"/>
+      </p:par>
+    </p:tnLst>
+  </p:timing>
 </p:sld>
 </file>
 
@@ -6732,6 +6786,13 @@
       <p:transition xmlns:p14="http://schemas.microsoft.com/office/powerpoint/2010/main" spd="slow"/>
     </mc:Fallback>
   </mc:AlternateContent>
+  <p:timing>
+    <p:tnLst>
+      <p:par>
+        <p:cTn id="1" dur="indefinite" restart="never" nodeType="tmRoot"/>
+      </p:par>
+    </p:tnLst>
+  </p:timing>
 </p:sld>
 </file>
 
@@ -6987,14 +7048,7 @@
                 <a:latin typeface="Courier"/>
                 <a:cs typeface="Courier"/>
               </a:rPr>
-              <a:t> </a:t>
-            </a:r>
-            <a:r>
-              <a:rPr lang="en-US" sz="2400" dirty="0" smtClean="0">
-                <a:latin typeface="Courier"/>
-                <a:cs typeface="Courier"/>
-              </a:rPr>
-              <a:t>\</a:t>
+              <a:t> \</a:t>
             </a:r>
           </a:p>
           <a:p>
@@ -7070,6 +7124,13 @@
       <p:transition xmlns:p14="http://schemas.microsoft.com/office/powerpoint/2010/main" spd="slow"/>
     </mc:Fallback>
   </mc:AlternateContent>
+  <p:timing>
+    <p:tnLst>
+      <p:par>
+        <p:cTn id="1" dur="indefinite" restart="never" nodeType="tmRoot"/>
+      </p:par>
+    </p:tnLst>
+  </p:timing>
 </p:sld>
 </file>
 
@@ -7158,6 +7219,13 @@
       <p:transition xmlns:p14="http://schemas.microsoft.com/office/powerpoint/2010/main" spd="slow"/>
     </mc:Fallback>
   </mc:AlternateContent>
+  <p:timing>
+    <p:tnLst>
+      <p:par>
+        <p:cTn id="1" dur="indefinite" restart="never" nodeType="tmRoot"/>
+      </p:par>
+    </p:tnLst>
+  </p:timing>
 </p:sld>
 </file>
 
@@ -7292,6 +7360,13 @@
       <p:transition xmlns:p14="http://schemas.microsoft.com/office/powerpoint/2010/main" spd="slow"/>
     </mc:Fallback>
   </mc:AlternateContent>
+  <p:timing>
+    <p:tnLst>
+      <p:par>
+        <p:cTn id="1" dur="indefinite" restart="never" nodeType="tmRoot"/>
+      </p:par>
+    </p:tnLst>
+  </p:timing>
 </p:sld>
 </file>
 
@@ -7470,6 +7545,13 @@
       <p:transition xmlns:p14="http://schemas.microsoft.com/office/powerpoint/2010/main" spd="slow"/>
     </mc:Fallback>
   </mc:AlternateContent>
+  <p:timing>
+    <p:tnLst>
+      <p:par>
+        <p:cTn id="1" dur="indefinite" restart="never" nodeType="tmRoot"/>
+      </p:par>
+    </p:tnLst>
+  </p:timing>
 </p:sld>
 </file>
 
@@ -7668,6 +7750,13 @@
       <p:transition xmlns:p14="http://schemas.microsoft.com/office/powerpoint/2010/main" spd="slow"/>
     </mc:Fallback>
   </mc:AlternateContent>
+  <p:timing>
+    <p:tnLst>
+      <p:par>
+        <p:cTn id="1" dur="indefinite" restart="never" nodeType="tmRoot"/>
+      </p:par>
+    </p:tnLst>
+  </p:timing>
 </p:sld>
 </file>
 
@@ -7794,6 +7883,13 @@
       <p:transition xmlns:p14="http://schemas.microsoft.com/office/powerpoint/2010/main" spd="slow"/>
     </mc:Fallback>
   </mc:AlternateContent>
+  <p:timing>
+    <p:tnLst>
+      <p:par>
+        <p:cTn id="1" dur="indefinite" restart="never" nodeType="tmRoot"/>
+      </p:par>
+    </p:tnLst>
+  </p:timing>
 </p:sld>
 </file>
 
@@ -7995,6 +8091,13 @@
       <p:transition xmlns:p14="http://schemas.microsoft.com/office/powerpoint/2010/main" spd="slow"/>
     </mc:Fallback>
   </mc:AlternateContent>
+  <p:timing>
+    <p:tnLst>
+      <p:par>
+        <p:cTn id="1" dur="indefinite" restart="never" nodeType="tmRoot"/>
+      </p:par>
+    </p:tnLst>
+  </p:timing>
 </p:sld>
 </file>
 
@@ -8125,6 +8228,13 @@
       <p:transition xmlns:p14="http://schemas.microsoft.com/office/powerpoint/2010/main" spd="slow"/>
     </mc:Fallback>
   </mc:AlternateContent>
+  <p:timing>
+    <p:tnLst>
+      <p:par>
+        <p:cTn id="1" dur="indefinite" restart="never" nodeType="tmRoot"/>
+      </p:par>
+    </p:tnLst>
+  </p:timing>
 </p:sld>
 </file>
 

--- a/development/AdvancedDNASeq/slides/Part4_SVs.pptx
+++ b/development/AdvancedDNASeq/slides/Part4_SVs.pptx
@@ -4,8 +4,11 @@
   <p:sldMasterIdLst>
     <p:sldMasterId id="2147484112" r:id="rId1"/>
   </p:sldMasterIdLst>
+  <p:notesMasterIdLst>
+    <p:notesMasterId r:id="rId19"/>
+  </p:notesMasterIdLst>
   <p:handoutMasterIdLst>
-    <p:handoutMasterId r:id="rId24"/>
+    <p:handoutMasterId r:id="rId20"/>
   </p:handoutMasterIdLst>
   <p:sldIdLst>
     <p:sldId id="390" r:id="rId2"/>
@@ -23,13 +26,8 @@
     <p:sldId id="423" r:id="rId14"/>
     <p:sldId id="424" r:id="rId15"/>
     <p:sldId id="425" r:id="rId16"/>
-    <p:sldId id="426" r:id="rId17"/>
-    <p:sldId id="427" r:id="rId18"/>
-    <p:sldId id="428" r:id="rId19"/>
-    <p:sldId id="429" r:id="rId20"/>
-    <p:sldId id="430" r:id="rId21"/>
-    <p:sldId id="431" r:id="rId22"/>
-    <p:sldId id="432" r:id="rId23"/>
+    <p:sldId id="431" r:id="rId17"/>
+    <p:sldId id="432" r:id="rId18"/>
   </p:sldIdLst>
   <p:sldSz cx="9144000" cy="6858000" type="screen4x3"/>
   <p:notesSz cx="6858000" cy="9144000"/>
@@ -229,7 +227,7 @@
           <a:p>
             <a:fld id="{07AFF704-C85E-D24C-A7E3-0F9EBEED715E}" type="datetimeFigureOut">
               <a:rPr lang="en-US" smtClean="0"/>
-              <a:t>5/25/17</a:t>
+              <a:t>2/25/18</a:t>
             </a:fld>
             <a:endParaRPr lang="en-US"/>
           </a:p>
@@ -310,6 +308,355 @@
   </p:cSld>
   <p:clrMap bg1="lt1" tx1="dk1" bg2="lt2" tx2="dk2" accent1="accent1" accent2="accent2" accent3="accent3" accent4="accent4" accent5="accent5" accent6="accent6" hlink="hlink" folHlink="folHlink"/>
 </p:handoutMaster>
+</file>
+
+<file path=ppt/notesMasters/notesMaster1.xml><?xml version="1.0" encoding="utf-8"?>
+<p:notesMaster xmlns:a="http://schemas.openxmlformats.org/drawingml/2006/main" xmlns:r="http://schemas.openxmlformats.org/officeDocument/2006/relationships" xmlns:p="http://schemas.openxmlformats.org/presentationml/2006/main">
+  <p:cSld>
+    <p:bg>
+      <p:bgRef idx="1001">
+        <a:schemeClr val="bg1"/>
+      </p:bgRef>
+    </p:bg>
+    <p:spTree>
+      <p:nvGrpSpPr>
+        <p:cNvPr id="1" name=""/>
+        <p:cNvGrpSpPr/>
+        <p:nvPr/>
+      </p:nvGrpSpPr>
+      <p:grpSpPr>
+        <a:xfrm>
+          <a:off x="0" y="0"/>
+          <a:ext cx="0" cy="0"/>
+          <a:chOff x="0" y="0"/>
+          <a:chExt cx="0" cy="0"/>
+        </a:xfrm>
+      </p:grpSpPr>
+      <p:sp>
+        <p:nvSpPr>
+          <p:cNvPr id="2" name="Header Placeholder 1"/>
+          <p:cNvSpPr>
+            <a:spLocks noGrp="1"/>
+          </p:cNvSpPr>
+          <p:nvPr>
+            <p:ph type="hdr" sz="quarter"/>
+          </p:nvPr>
+        </p:nvSpPr>
+        <p:spPr>
+          <a:xfrm>
+            <a:off x="0" y="0"/>
+            <a:ext cx="2971800" cy="458788"/>
+          </a:xfrm>
+          <a:prstGeom prst="rect">
+            <a:avLst/>
+          </a:prstGeom>
+        </p:spPr>
+        <p:txBody>
+          <a:bodyPr vert="horz" lIns="91440" tIns="45720" rIns="91440" bIns="45720" rtlCol="0"/>
+          <a:lstStyle>
+            <a:lvl1pPr algn="l">
+              <a:defRPr sz="1200"/>
+            </a:lvl1pPr>
+          </a:lstStyle>
+          <a:p>
+            <a:endParaRPr lang="en-US"/>
+          </a:p>
+        </p:txBody>
+      </p:sp>
+      <p:sp>
+        <p:nvSpPr>
+          <p:cNvPr id="3" name="Date Placeholder 2"/>
+          <p:cNvSpPr>
+            <a:spLocks noGrp="1"/>
+          </p:cNvSpPr>
+          <p:nvPr>
+            <p:ph type="dt" idx="1"/>
+          </p:nvPr>
+        </p:nvSpPr>
+        <p:spPr>
+          <a:xfrm>
+            <a:off x="3884613" y="0"/>
+            <a:ext cx="2971800" cy="458788"/>
+          </a:xfrm>
+          <a:prstGeom prst="rect">
+            <a:avLst/>
+          </a:prstGeom>
+        </p:spPr>
+        <p:txBody>
+          <a:bodyPr vert="horz" lIns="91440" tIns="45720" rIns="91440" bIns="45720" rtlCol="0"/>
+          <a:lstStyle>
+            <a:lvl1pPr algn="r">
+              <a:defRPr sz="1200"/>
+            </a:lvl1pPr>
+          </a:lstStyle>
+          <a:p>
+            <a:fld id="{97B48F09-FB8D-7A49-8950-C87CE2C8D3AD}" type="datetimeFigureOut">
+              <a:rPr lang="en-US" smtClean="0"/>
+              <a:t>2/26/18</a:t>
+            </a:fld>
+            <a:endParaRPr lang="en-US"/>
+          </a:p>
+        </p:txBody>
+      </p:sp>
+      <p:sp>
+        <p:nvSpPr>
+          <p:cNvPr id="4" name="Slide Image Placeholder 3"/>
+          <p:cNvSpPr>
+            <a:spLocks noGrp="1" noRot="1" noChangeAspect="1"/>
+          </p:cNvSpPr>
+          <p:nvPr>
+            <p:ph type="sldImg" idx="2"/>
+          </p:nvPr>
+        </p:nvSpPr>
+        <p:spPr>
+          <a:xfrm>
+            <a:off x="1371600" y="1143000"/>
+            <a:ext cx="4114800" cy="3086100"/>
+          </a:xfrm>
+          <a:prstGeom prst="rect">
+            <a:avLst/>
+          </a:prstGeom>
+          <a:noFill/>
+          <a:ln w="12700">
+            <a:solidFill>
+              <a:prstClr val="black"/>
+            </a:solidFill>
+          </a:ln>
+        </p:spPr>
+        <p:txBody>
+          <a:bodyPr vert="horz" lIns="91440" tIns="45720" rIns="91440" bIns="45720" rtlCol="0" anchor="ctr"/>
+          <a:lstStyle/>
+          <a:p>
+            <a:endParaRPr lang="en-US"/>
+          </a:p>
+        </p:txBody>
+      </p:sp>
+      <p:sp>
+        <p:nvSpPr>
+          <p:cNvPr id="5" name="Notes Placeholder 4"/>
+          <p:cNvSpPr>
+            <a:spLocks noGrp="1"/>
+          </p:cNvSpPr>
+          <p:nvPr>
+            <p:ph type="body" sz="quarter" idx="3"/>
+          </p:nvPr>
+        </p:nvSpPr>
+        <p:spPr>
+          <a:xfrm>
+            <a:off x="685800" y="4400550"/>
+            <a:ext cx="5486400" cy="3600450"/>
+          </a:xfrm>
+          <a:prstGeom prst="rect">
+            <a:avLst/>
+          </a:prstGeom>
+        </p:spPr>
+        <p:txBody>
+          <a:bodyPr vert="horz" lIns="91440" tIns="45720" rIns="91440" bIns="45720" rtlCol="0"/>
+          <a:lstStyle/>
+          <a:p>
+            <a:pPr lvl="0"/>
+            <a:r>
+              <a:rPr lang="en-US"/>
+              <a:t>Edit Master text styles</a:t>
+            </a:r>
+          </a:p>
+          <a:p>
+            <a:pPr lvl="1"/>
+            <a:r>
+              <a:rPr lang="en-US"/>
+              <a:t>Second level</a:t>
+            </a:r>
+          </a:p>
+          <a:p>
+            <a:pPr lvl="2"/>
+            <a:r>
+              <a:rPr lang="en-US"/>
+              <a:t>Third level</a:t>
+            </a:r>
+          </a:p>
+          <a:p>
+            <a:pPr lvl="3"/>
+            <a:r>
+              <a:rPr lang="en-US"/>
+              <a:t>Fourth level</a:t>
+            </a:r>
+          </a:p>
+          <a:p>
+            <a:pPr lvl="4"/>
+            <a:r>
+              <a:rPr lang="en-US"/>
+              <a:t>Fifth level</a:t>
+            </a:r>
+          </a:p>
+        </p:txBody>
+      </p:sp>
+      <p:sp>
+        <p:nvSpPr>
+          <p:cNvPr id="6" name="Footer Placeholder 5"/>
+          <p:cNvSpPr>
+            <a:spLocks noGrp="1"/>
+          </p:cNvSpPr>
+          <p:nvPr>
+            <p:ph type="ftr" sz="quarter" idx="4"/>
+          </p:nvPr>
+        </p:nvSpPr>
+        <p:spPr>
+          <a:xfrm>
+            <a:off x="0" y="8685213"/>
+            <a:ext cx="2971800" cy="458787"/>
+          </a:xfrm>
+          <a:prstGeom prst="rect">
+            <a:avLst/>
+          </a:prstGeom>
+        </p:spPr>
+        <p:txBody>
+          <a:bodyPr vert="horz" lIns="91440" tIns="45720" rIns="91440" bIns="45720" rtlCol="0" anchor="b"/>
+          <a:lstStyle>
+            <a:lvl1pPr algn="l">
+              <a:defRPr sz="1200"/>
+            </a:lvl1pPr>
+          </a:lstStyle>
+          <a:p>
+            <a:endParaRPr lang="en-US"/>
+          </a:p>
+        </p:txBody>
+      </p:sp>
+      <p:sp>
+        <p:nvSpPr>
+          <p:cNvPr id="7" name="Slide Number Placeholder 6"/>
+          <p:cNvSpPr>
+            <a:spLocks noGrp="1"/>
+          </p:cNvSpPr>
+          <p:nvPr>
+            <p:ph type="sldNum" sz="quarter" idx="5"/>
+          </p:nvPr>
+        </p:nvSpPr>
+        <p:spPr>
+          <a:xfrm>
+            <a:off x="3884613" y="8685213"/>
+            <a:ext cx="2971800" cy="458787"/>
+          </a:xfrm>
+          <a:prstGeom prst="rect">
+            <a:avLst/>
+          </a:prstGeom>
+        </p:spPr>
+        <p:txBody>
+          <a:bodyPr vert="horz" lIns="91440" tIns="45720" rIns="91440" bIns="45720" rtlCol="0" anchor="b"/>
+          <a:lstStyle>
+            <a:lvl1pPr algn="r">
+              <a:defRPr sz="1200"/>
+            </a:lvl1pPr>
+          </a:lstStyle>
+          <a:p>
+            <a:fld id="{2756E0CD-8A9F-EC44-9555-81083CD6723F}" type="slidenum">
+              <a:rPr lang="en-US" smtClean="0"/>
+              <a:t>‹#›</a:t>
+            </a:fld>
+            <a:endParaRPr lang="en-US"/>
+          </a:p>
+        </p:txBody>
+      </p:sp>
+    </p:spTree>
+    <p:extLst>
+      <p:ext uri="{BB962C8B-B14F-4D97-AF65-F5344CB8AC3E}">
+        <p14:creationId xmlns:p14="http://schemas.microsoft.com/office/powerpoint/2010/main" val="2490989612"/>
+      </p:ext>
+    </p:extLst>
+  </p:cSld>
+  <p:clrMap bg1="lt1" tx1="dk1" bg2="lt2" tx2="dk2" accent1="accent1" accent2="accent2" accent3="accent3" accent4="accent4" accent5="accent5" accent6="accent6" hlink="hlink" folHlink="folHlink"/>
+  <p:notesStyle>
+    <a:lvl1pPr marL="0" algn="l" defTabSz="914400" rtl="0" eaLnBrk="1" latinLnBrk="0" hangingPunct="1">
+      <a:defRPr sz="1200" kern="1200">
+        <a:solidFill>
+          <a:schemeClr val="tx1"/>
+        </a:solidFill>
+        <a:latin typeface="+mn-lt"/>
+        <a:ea typeface="+mn-ea"/>
+        <a:cs typeface="+mn-cs"/>
+      </a:defRPr>
+    </a:lvl1pPr>
+    <a:lvl2pPr marL="457200" algn="l" defTabSz="914400" rtl="0" eaLnBrk="1" latinLnBrk="0" hangingPunct="1">
+      <a:defRPr sz="1200" kern="1200">
+        <a:solidFill>
+          <a:schemeClr val="tx1"/>
+        </a:solidFill>
+        <a:latin typeface="+mn-lt"/>
+        <a:ea typeface="+mn-ea"/>
+        <a:cs typeface="+mn-cs"/>
+      </a:defRPr>
+    </a:lvl2pPr>
+    <a:lvl3pPr marL="914400" algn="l" defTabSz="914400" rtl="0" eaLnBrk="1" latinLnBrk="0" hangingPunct="1">
+      <a:defRPr sz="1200" kern="1200">
+        <a:solidFill>
+          <a:schemeClr val="tx1"/>
+        </a:solidFill>
+        <a:latin typeface="+mn-lt"/>
+        <a:ea typeface="+mn-ea"/>
+        <a:cs typeface="+mn-cs"/>
+      </a:defRPr>
+    </a:lvl3pPr>
+    <a:lvl4pPr marL="1371600" algn="l" defTabSz="914400" rtl="0" eaLnBrk="1" latinLnBrk="0" hangingPunct="1">
+      <a:defRPr sz="1200" kern="1200">
+        <a:solidFill>
+          <a:schemeClr val="tx1"/>
+        </a:solidFill>
+        <a:latin typeface="+mn-lt"/>
+        <a:ea typeface="+mn-ea"/>
+        <a:cs typeface="+mn-cs"/>
+      </a:defRPr>
+    </a:lvl4pPr>
+    <a:lvl5pPr marL="1828800" algn="l" defTabSz="914400" rtl="0" eaLnBrk="1" latinLnBrk="0" hangingPunct="1">
+      <a:defRPr sz="1200" kern="1200">
+        <a:solidFill>
+          <a:schemeClr val="tx1"/>
+        </a:solidFill>
+        <a:latin typeface="+mn-lt"/>
+        <a:ea typeface="+mn-ea"/>
+        <a:cs typeface="+mn-cs"/>
+      </a:defRPr>
+    </a:lvl5pPr>
+    <a:lvl6pPr marL="2286000" algn="l" defTabSz="914400" rtl="0" eaLnBrk="1" latinLnBrk="0" hangingPunct="1">
+      <a:defRPr sz="1200" kern="1200">
+        <a:solidFill>
+          <a:schemeClr val="tx1"/>
+        </a:solidFill>
+        <a:latin typeface="+mn-lt"/>
+        <a:ea typeface="+mn-ea"/>
+        <a:cs typeface="+mn-cs"/>
+      </a:defRPr>
+    </a:lvl6pPr>
+    <a:lvl7pPr marL="2743200" algn="l" defTabSz="914400" rtl="0" eaLnBrk="1" latinLnBrk="0" hangingPunct="1">
+      <a:defRPr sz="1200" kern="1200">
+        <a:solidFill>
+          <a:schemeClr val="tx1"/>
+        </a:solidFill>
+        <a:latin typeface="+mn-lt"/>
+        <a:ea typeface="+mn-ea"/>
+        <a:cs typeface="+mn-cs"/>
+      </a:defRPr>
+    </a:lvl7pPr>
+    <a:lvl8pPr marL="3200400" algn="l" defTabSz="914400" rtl="0" eaLnBrk="1" latinLnBrk="0" hangingPunct="1">
+      <a:defRPr sz="1200" kern="1200">
+        <a:solidFill>
+          <a:schemeClr val="tx1"/>
+        </a:solidFill>
+        <a:latin typeface="+mn-lt"/>
+        <a:ea typeface="+mn-ea"/>
+        <a:cs typeface="+mn-cs"/>
+      </a:defRPr>
+    </a:lvl8pPr>
+    <a:lvl9pPr marL="3657600" algn="l" defTabSz="914400" rtl="0" eaLnBrk="1" latinLnBrk="0" hangingPunct="1">
+      <a:defRPr sz="1200" kern="1200">
+        <a:solidFill>
+          <a:schemeClr val="tx1"/>
+        </a:solidFill>
+        <a:latin typeface="+mn-lt"/>
+        <a:ea typeface="+mn-ea"/>
+        <a:cs typeface="+mn-cs"/>
+      </a:defRPr>
+    </a:lvl9pPr>
+  </p:notesStyle>
+</p:notesMaster>
 </file>
 
 <file path=ppt/slideLayouts/slideLayout1.xml><?xml version="1.0" encoding="utf-8"?>
@@ -501,10 +848,9 @@
           </a:lstStyle>
           <a:p>
             <a:r>
-              <a:rPr kumimoji="0" lang="en-US" smtClean="0"/>
+              <a:rPr kumimoji="0" lang="en-US"/>
               <a:t>Click to edit Master title style</a:t>
             </a:r>
-            <a:endParaRPr kumimoji="0" lang="en-US"/>
           </a:p>
         </p:txBody>
       </p:sp>
@@ -564,10 +910,9 @@
           </a:lstStyle>
           <a:p>
             <a:r>
-              <a:rPr kumimoji="0" lang="en-US" smtClean="0"/>
+              <a:rPr kumimoji="0" lang="en-US"/>
               <a:t>Click to edit Master subtitle style</a:t>
             </a:r>
-            <a:endParaRPr kumimoji="0" lang="en-US"/>
           </a:p>
         </p:txBody>
       </p:sp>
@@ -603,7 +948,7 @@
           <a:p>
             <a:fld id="{C8A432C8-69A7-458B-9684-2BFA64B31948}" type="datetime2">
               <a:rPr lang="en-US" smtClean="0"/>
-              <a:t>Thursday, May 25, 2017</a:t>
+              <a:t>Sunday, February 25, 2018</a:t>
             </a:fld>
             <a:endParaRPr lang="en-US"/>
           </a:p>
@@ -720,10 +1065,9 @@
           <a:lstStyle/>
           <a:p>
             <a:r>
-              <a:rPr kumimoji="0" lang="en-US" smtClean="0"/>
+              <a:rPr kumimoji="0" lang="en-US"/>
               <a:t>Click to edit Master title style</a:t>
             </a:r>
-            <a:endParaRPr kumimoji="0" lang="en-US"/>
           </a:p>
         </p:txBody>
       </p:sp>
@@ -744,35 +1088,35 @@
           <a:p>
             <a:pPr lvl="0" eaLnBrk="1" latinLnBrk="0" hangingPunct="1"/>
             <a:r>
-              <a:rPr lang="en-US" smtClean="0"/>
+              <a:rPr lang="en-US"/>
               <a:t>Click to edit Master text styles</a:t>
             </a:r>
           </a:p>
           <a:p>
             <a:pPr lvl="1" eaLnBrk="1" latinLnBrk="0" hangingPunct="1"/>
             <a:r>
-              <a:rPr lang="en-US" smtClean="0"/>
+              <a:rPr lang="en-US"/>
               <a:t>Second level</a:t>
             </a:r>
           </a:p>
           <a:p>
             <a:pPr lvl="2" eaLnBrk="1" latinLnBrk="0" hangingPunct="1"/>
             <a:r>
-              <a:rPr lang="en-US" smtClean="0"/>
+              <a:rPr lang="en-US"/>
               <a:t>Third level</a:t>
             </a:r>
           </a:p>
           <a:p>
             <a:pPr lvl="3" eaLnBrk="1" latinLnBrk="0" hangingPunct="1"/>
             <a:r>
-              <a:rPr lang="en-US" smtClean="0"/>
+              <a:rPr lang="en-US"/>
               <a:t>Fourth level</a:t>
             </a:r>
           </a:p>
           <a:p>
             <a:pPr lvl="4" eaLnBrk="1" latinLnBrk="0" hangingPunct="1"/>
             <a:r>
-              <a:rPr lang="en-US" smtClean="0"/>
+              <a:rPr lang="en-US"/>
               <a:t>Fifth level</a:t>
             </a:r>
             <a:endParaRPr kumimoji="0" lang="en-US"/>
@@ -796,7 +1140,7 @@
           <a:p>
             <a:fld id="{8CC057FC-95B6-4D89-AFDA-ABA33EE921E5}" type="datetime2">
               <a:rPr lang="en-US" smtClean="0"/>
-              <a:t>Thursday, May 25, 2017</a:t>
+              <a:t>Sunday, February 25, 2018</a:t>
             </a:fld>
             <a:endParaRPr lang="en-US"/>
           </a:p>
@@ -897,10 +1241,9 @@
           <a:lstStyle/>
           <a:p>
             <a:r>
-              <a:rPr kumimoji="0" lang="en-US" smtClean="0"/>
+              <a:rPr kumimoji="0" lang="en-US"/>
               <a:t>Click to edit Master title style</a:t>
             </a:r>
-            <a:endParaRPr kumimoji="0" lang="en-US"/>
           </a:p>
         </p:txBody>
       </p:sp>
@@ -926,35 +1269,35 @@
           <a:p>
             <a:pPr lvl="0" eaLnBrk="1" latinLnBrk="0" hangingPunct="1"/>
             <a:r>
-              <a:rPr lang="en-US" smtClean="0"/>
+              <a:rPr lang="en-US"/>
               <a:t>Click to edit Master text styles</a:t>
             </a:r>
           </a:p>
           <a:p>
             <a:pPr lvl="1" eaLnBrk="1" latinLnBrk="0" hangingPunct="1"/>
             <a:r>
-              <a:rPr lang="en-US" smtClean="0"/>
+              <a:rPr lang="en-US"/>
               <a:t>Second level</a:t>
             </a:r>
           </a:p>
           <a:p>
             <a:pPr lvl="2" eaLnBrk="1" latinLnBrk="0" hangingPunct="1"/>
             <a:r>
-              <a:rPr lang="en-US" smtClean="0"/>
+              <a:rPr lang="en-US"/>
               <a:t>Third level</a:t>
             </a:r>
           </a:p>
           <a:p>
             <a:pPr lvl="3" eaLnBrk="1" latinLnBrk="0" hangingPunct="1"/>
             <a:r>
-              <a:rPr lang="en-US" smtClean="0"/>
+              <a:rPr lang="en-US"/>
               <a:t>Fourth level</a:t>
             </a:r>
           </a:p>
           <a:p>
             <a:pPr lvl="4" eaLnBrk="1" latinLnBrk="0" hangingPunct="1"/>
             <a:r>
-              <a:rPr lang="en-US" smtClean="0"/>
+              <a:rPr lang="en-US"/>
               <a:t>Fifth level</a:t>
             </a:r>
             <a:endParaRPr kumimoji="0" lang="en-US"/>
@@ -983,7 +1326,7 @@
           <a:p>
             <a:fld id="{EC4549AC-EB31-477F-92A9-B1988E232878}" type="datetime2">
               <a:rPr lang="en-US" smtClean="0"/>
-              <a:t>Thursday, May 25, 2017</a:t>
+              <a:t>Sunday, February 25, 2018</a:t>
             </a:fld>
             <a:endParaRPr lang="en-US"/>
           </a:p>
@@ -1224,10 +1567,9 @@
           <a:lstStyle/>
           <a:p>
             <a:r>
-              <a:rPr kumimoji="0" lang="en-US" smtClean="0"/>
+              <a:rPr kumimoji="0" lang="en-US"/>
               <a:t>Click to edit Master title style</a:t>
             </a:r>
-            <a:endParaRPr kumimoji="0" lang="en-US"/>
           </a:p>
         </p:txBody>
       </p:sp>
@@ -1248,7 +1590,7 @@
           <a:p>
             <a:fld id="{6396A3A3-94A6-4E5B-AF39-173ACA3E61CC}" type="datetime2">
               <a:rPr lang="en-US" smtClean="0"/>
-              <a:t>Thursday, May 25, 2017</a:t>
+              <a:t>Sunday, February 25, 2018</a:t>
             </a:fld>
             <a:endParaRPr lang="en-US"/>
           </a:p>
@@ -1328,35 +1670,35 @@
           <a:p>
             <a:pPr lvl="0" eaLnBrk="1" latinLnBrk="0" hangingPunct="1"/>
             <a:r>
-              <a:rPr lang="en-US" smtClean="0"/>
+              <a:rPr lang="en-US"/>
               <a:t>Click to edit Master text styles</a:t>
             </a:r>
           </a:p>
           <a:p>
             <a:pPr lvl="1" eaLnBrk="1" latinLnBrk="0" hangingPunct="1"/>
             <a:r>
-              <a:rPr lang="en-US" smtClean="0"/>
+              <a:rPr lang="en-US"/>
               <a:t>Second level</a:t>
             </a:r>
           </a:p>
           <a:p>
             <a:pPr lvl="2" eaLnBrk="1" latinLnBrk="0" hangingPunct="1"/>
             <a:r>
-              <a:rPr lang="en-US" smtClean="0"/>
+              <a:rPr lang="en-US"/>
               <a:t>Third level</a:t>
             </a:r>
           </a:p>
           <a:p>
             <a:pPr lvl="3" eaLnBrk="1" latinLnBrk="0" hangingPunct="1"/>
             <a:r>
-              <a:rPr lang="en-US" smtClean="0"/>
+              <a:rPr lang="en-US"/>
               <a:t>Fourth level</a:t>
             </a:r>
           </a:p>
           <a:p>
             <a:pPr lvl="4" eaLnBrk="1" latinLnBrk="0" hangingPunct="1"/>
             <a:r>
-              <a:rPr lang="en-US" smtClean="0"/>
+              <a:rPr lang="en-US"/>
               <a:t>Fifth level</a:t>
             </a:r>
             <a:endParaRPr kumimoji="0" lang="en-US"/>
@@ -1464,7 +1806,7 @@
           <a:p>
             <a:pPr lvl="0" eaLnBrk="1" latinLnBrk="0" hangingPunct="1"/>
             <a:r>
-              <a:rPr kumimoji="0" lang="en-US" smtClean="0"/>
+              <a:rPr kumimoji="0" lang="en-US"/>
               <a:t>Click to edit Master text styles</a:t>
             </a:r>
           </a:p>
@@ -1642,10 +1984,9 @@
           </a:lstStyle>
           <a:p>
             <a:r>
-              <a:rPr kumimoji="0" lang="en-US" smtClean="0"/>
+              <a:rPr kumimoji="0" lang="en-US"/>
               <a:t>Click to edit Master title style</a:t>
             </a:r>
-            <a:endParaRPr kumimoji="0" lang="en-US"/>
           </a:p>
         </p:txBody>
       </p:sp>
@@ -1666,7 +2007,7 @@
           <a:p>
             <a:fld id="{9933D019-A32C-4EAD-B8E6-DBDA699692FD}" type="datetime2">
               <a:rPr lang="en-US" smtClean="0"/>
-              <a:t>Thursday, May 25, 2017</a:t>
+              <a:t>Sunday, February 25, 2018</a:t>
             </a:fld>
             <a:endParaRPr lang="en-US"/>
           </a:p>
@@ -1772,10 +2113,9 @@
           <a:lstStyle/>
           <a:p>
             <a:r>
-              <a:rPr kumimoji="0" lang="en-US" smtClean="0"/>
+              <a:rPr kumimoji="0" lang="en-US"/>
               <a:t>Click to edit Master title style</a:t>
             </a:r>
-            <a:endParaRPr kumimoji="0" lang="en-US"/>
           </a:p>
         </p:txBody>
       </p:sp>
@@ -1801,35 +2141,35 @@
           <a:p>
             <a:pPr lvl="0" eaLnBrk="1" latinLnBrk="0" hangingPunct="1"/>
             <a:r>
-              <a:rPr lang="en-US" smtClean="0"/>
+              <a:rPr lang="en-US"/>
               <a:t>Click to edit Master text styles</a:t>
             </a:r>
           </a:p>
           <a:p>
             <a:pPr lvl="1" eaLnBrk="1" latinLnBrk="0" hangingPunct="1"/>
             <a:r>
-              <a:rPr lang="en-US" smtClean="0"/>
+              <a:rPr lang="en-US"/>
               <a:t>Second level</a:t>
             </a:r>
           </a:p>
           <a:p>
             <a:pPr lvl="2" eaLnBrk="1" latinLnBrk="0" hangingPunct="1"/>
             <a:r>
-              <a:rPr lang="en-US" smtClean="0"/>
+              <a:rPr lang="en-US"/>
               <a:t>Third level</a:t>
             </a:r>
           </a:p>
           <a:p>
             <a:pPr lvl="3" eaLnBrk="1" latinLnBrk="0" hangingPunct="1"/>
             <a:r>
-              <a:rPr lang="en-US" smtClean="0"/>
+              <a:rPr lang="en-US"/>
               <a:t>Fourth level</a:t>
             </a:r>
           </a:p>
           <a:p>
             <a:pPr lvl="4" eaLnBrk="1" latinLnBrk="0" hangingPunct="1"/>
             <a:r>
-              <a:rPr lang="en-US" smtClean="0"/>
+              <a:rPr lang="en-US"/>
               <a:t>Fifth level</a:t>
             </a:r>
             <a:endParaRPr kumimoji="0" lang="en-US"/>
@@ -1858,35 +2198,35 @@
           <a:p>
             <a:pPr lvl="0" eaLnBrk="1" latinLnBrk="0" hangingPunct="1"/>
             <a:r>
-              <a:rPr lang="en-US" smtClean="0"/>
+              <a:rPr lang="en-US"/>
               <a:t>Click to edit Master text styles</a:t>
             </a:r>
           </a:p>
           <a:p>
             <a:pPr lvl="1" eaLnBrk="1" latinLnBrk="0" hangingPunct="1"/>
             <a:r>
-              <a:rPr lang="en-US" smtClean="0"/>
+              <a:rPr lang="en-US"/>
               <a:t>Second level</a:t>
             </a:r>
           </a:p>
           <a:p>
             <a:pPr lvl="2" eaLnBrk="1" latinLnBrk="0" hangingPunct="1"/>
             <a:r>
-              <a:rPr lang="en-US" smtClean="0"/>
+              <a:rPr lang="en-US"/>
               <a:t>Third level</a:t>
             </a:r>
           </a:p>
           <a:p>
             <a:pPr lvl="3" eaLnBrk="1" latinLnBrk="0" hangingPunct="1"/>
             <a:r>
-              <a:rPr lang="en-US" smtClean="0"/>
+              <a:rPr lang="en-US"/>
               <a:t>Fourth level</a:t>
             </a:r>
           </a:p>
           <a:p>
             <a:pPr lvl="4" eaLnBrk="1" latinLnBrk="0" hangingPunct="1"/>
             <a:r>
-              <a:rPr lang="en-US" smtClean="0"/>
+              <a:rPr lang="en-US"/>
               <a:t>Fifth level</a:t>
             </a:r>
             <a:endParaRPr kumimoji="0" lang="en-US"/>
@@ -1910,7 +2250,7 @@
           <a:p>
             <a:fld id="{CCEBA98F-560C-4997-81C4-81D4D9187EAB}" type="datetime2">
               <a:rPr lang="en-US" smtClean="0"/>
-              <a:t>Thursday, May 25, 2017</a:t>
+              <a:t>Sunday, February 25, 2018</a:t>
             </a:fld>
             <a:endParaRPr lang="en-US"/>
           </a:p>
@@ -2010,10 +2350,9 @@
           </a:lstStyle>
           <a:p>
             <a:r>
-              <a:rPr kumimoji="0" lang="en-US" smtClean="0"/>
+              <a:rPr kumimoji="0" lang="en-US"/>
               <a:t>Click to edit Master title style</a:t>
             </a:r>
-            <a:endParaRPr kumimoji="0" lang="en-US"/>
           </a:p>
         </p:txBody>
       </p:sp>
@@ -2039,35 +2378,35 @@
           <a:p>
             <a:pPr lvl="0" eaLnBrk="1" latinLnBrk="0" hangingPunct="1"/>
             <a:r>
-              <a:rPr lang="en-US" smtClean="0"/>
+              <a:rPr lang="en-US"/>
               <a:t>Click to edit Master text styles</a:t>
             </a:r>
           </a:p>
           <a:p>
             <a:pPr lvl="1" eaLnBrk="1" latinLnBrk="0" hangingPunct="1"/>
             <a:r>
-              <a:rPr lang="en-US" smtClean="0"/>
+              <a:rPr lang="en-US"/>
               <a:t>Second level</a:t>
             </a:r>
           </a:p>
           <a:p>
             <a:pPr lvl="2" eaLnBrk="1" latinLnBrk="0" hangingPunct="1"/>
             <a:r>
-              <a:rPr lang="en-US" smtClean="0"/>
+              <a:rPr lang="en-US"/>
               <a:t>Third level</a:t>
             </a:r>
           </a:p>
           <a:p>
             <a:pPr lvl="3" eaLnBrk="1" latinLnBrk="0" hangingPunct="1"/>
             <a:r>
-              <a:rPr lang="en-US" smtClean="0"/>
+              <a:rPr lang="en-US"/>
               <a:t>Fourth level</a:t>
             </a:r>
           </a:p>
           <a:p>
             <a:pPr lvl="4" eaLnBrk="1" latinLnBrk="0" hangingPunct="1"/>
             <a:r>
-              <a:rPr lang="en-US" smtClean="0"/>
+              <a:rPr lang="en-US"/>
               <a:t>Fifth level</a:t>
             </a:r>
             <a:endParaRPr kumimoji="0" lang="en-US"/>
@@ -2096,35 +2435,35 @@
           <a:p>
             <a:pPr lvl="0" eaLnBrk="1" latinLnBrk="0" hangingPunct="1"/>
             <a:r>
-              <a:rPr lang="en-US" smtClean="0"/>
+              <a:rPr lang="en-US"/>
               <a:t>Click to edit Master text styles</a:t>
             </a:r>
           </a:p>
           <a:p>
             <a:pPr lvl="1" eaLnBrk="1" latinLnBrk="0" hangingPunct="1"/>
             <a:r>
-              <a:rPr lang="en-US" smtClean="0"/>
+              <a:rPr lang="en-US"/>
               <a:t>Second level</a:t>
             </a:r>
           </a:p>
           <a:p>
             <a:pPr lvl="2" eaLnBrk="1" latinLnBrk="0" hangingPunct="1"/>
             <a:r>
-              <a:rPr lang="en-US" smtClean="0"/>
+              <a:rPr lang="en-US"/>
               <a:t>Third level</a:t>
             </a:r>
           </a:p>
           <a:p>
             <a:pPr lvl="3" eaLnBrk="1" latinLnBrk="0" hangingPunct="1"/>
             <a:r>
-              <a:rPr lang="en-US" smtClean="0"/>
+              <a:rPr lang="en-US"/>
               <a:t>Fourth level</a:t>
             </a:r>
           </a:p>
           <a:p>
             <a:pPr lvl="4" eaLnBrk="1" latinLnBrk="0" hangingPunct="1"/>
             <a:r>
-              <a:rPr lang="en-US" smtClean="0"/>
+              <a:rPr lang="en-US"/>
               <a:t>Fifth level</a:t>
             </a:r>
             <a:endParaRPr kumimoji="0" lang="en-US"/>
@@ -2148,7 +2487,7 @@
           <a:p>
             <a:fld id="{150972B2-CA5C-437D-87D0-8081271A9E4B}" type="datetime2">
               <a:rPr lang="en-US" smtClean="0"/>
-              <a:t>Thursday, May 25, 2017</a:t>
+              <a:t>Sunday, February 25, 2018</a:t>
             </a:fld>
             <a:endParaRPr lang="en-US"/>
           </a:p>
@@ -2233,7 +2572,7 @@
           <a:p>
             <a:pPr lvl="0" eaLnBrk="1" latinLnBrk="0" hangingPunct="1"/>
             <a:r>
-              <a:rPr kumimoji="0" lang="en-US" smtClean="0"/>
+              <a:rPr kumimoji="0" lang="en-US"/>
               <a:t>Click to edit Master text styles</a:t>
             </a:r>
           </a:p>
@@ -2274,7 +2613,7 @@
           <a:p>
             <a:pPr lvl="0" eaLnBrk="1" latinLnBrk="0" hangingPunct="1"/>
             <a:r>
-              <a:rPr kumimoji="0" lang="en-US" smtClean="0"/>
+              <a:rPr kumimoji="0" lang="en-US"/>
               <a:t>Click to edit Master text styles</a:t>
             </a:r>
           </a:p>
@@ -2321,10 +2660,9 @@
           <a:lstStyle/>
           <a:p>
             <a:r>
-              <a:rPr kumimoji="0" lang="en-US" smtClean="0"/>
+              <a:rPr kumimoji="0" lang="en-US"/>
               <a:t>Click to edit Master title style</a:t>
             </a:r>
-            <a:endParaRPr kumimoji="0" lang="en-US"/>
           </a:p>
         </p:txBody>
       </p:sp>
@@ -2345,7 +2683,7 @@
           <a:p>
             <a:fld id="{79CD4847-11EF-4466-A8AD-85CDB7B49118}" type="datetime2">
               <a:rPr lang="en-US" smtClean="0"/>
-              <a:t>Thursday, May 25, 2017</a:t>
+              <a:t>Sunday, February 25, 2018</a:t>
             </a:fld>
             <a:endParaRPr lang="en-US"/>
           </a:p>
@@ -2445,7 +2783,7 @@
           <a:p>
             <a:fld id="{F168457A-3AB9-4880-8A0C-9F8524491207}" type="datetime2">
               <a:rPr lang="en-US" smtClean="0"/>
-              <a:t>Thursday, May 25, 2017</a:t>
+              <a:t>Sunday, February 25, 2018</a:t>
             </a:fld>
             <a:endParaRPr lang="en-US"/>
           </a:p>
@@ -2559,10 +2897,9 @@
           </a:lstStyle>
           <a:p>
             <a:r>
-              <a:rPr kumimoji="0" lang="en-US" smtClean="0"/>
+              <a:rPr kumimoji="0" lang="en-US"/>
               <a:t>Click to edit Master title style</a:t>
             </a:r>
-            <a:endParaRPr kumimoji="0" lang="en-US"/>
           </a:p>
         </p:txBody>
       </p:sp>
@@ -2583,7 +2920,7 @@
           <a:p>
             <a:fld id="{3FE976D3-5B7F-4300-ABED-C91F1B2AE209}" type="datetime2">
               <a:rPr lang="en-US" smtClean="0"/>
-              <a:t>Thursday, May 25, 2017</a:t>
+              <a:t>Sunday, February 25, 2018</a:t>
             </a:fld>
             <a:endParaRPr lang="en-US"/>
           </a:p>
@@ -2709,7 +3046,7 @@
           <a:p>
             <a:pPr lvl="0" eaLnBrk="1" latinLnBrk="0" hangingPunct="1"/>
             <a:r>
-              <a:rPr kumimoji="0" lang="en-US" smtClean="0"/>
+              <a:rPr kumimoji="0" lang="en-US"/>
               <a:t>Click to edit Master text styles</a:t>
             </a:r>
           </a:p>
@@ -2737,35 +3074,35 @@
           <a:p>
             <a:pPr lvl="0" eaLnBrk="1" latinLnBrk="0" hangingPunct="1"/>
             <a:r>
-              <a:rPr lang="en-US" smtClean="0"/>
+              <a:rPr lang="en-US"/>
               <a:t>Click to edit Master text styles</a:t>
             </a:r>
           </a:p>
           <a:p>
             <a:pPr lvl="1" eaLnBrk="1" latinLnBrk="0" hangingPunct="1"/>
             <a:r>
-              <a:rPr lang="en-US" smtClean="0"/>
+              <a:rPr lang="en-US"/>
               <a:t>Second level</a:t>
             </a:r>
           </a:p>
           <a:p>
             <a:pPr lvl="2" eaLnBrk="1" latinLnBrk="0" hangingPunct="1"/>
             <a:r>
-              <a:rPr lang="en-US" smtClean="0"/>
+              <a:rPr lang="en-US"/>
               <a:t>Third level</a:t>
             </a:r>
           </a:p>
           <a:p>
             <a:pPr lvl="3" eaLnBrk="1" latinLnBrk="0" hangingPunct="1"/>
             <a:r>
-              <a:rPr lang="en-US" smtClean="0"/>
+              <a:rPr lang="en-US"/>
               <a:t>Fourth level</a:t>
             </a:r>
           </a:p>
           <a:p>
             <a:pPr lvl="4" eaLnBrk="1" latinLnBrk="0" hangingPunct="1"/>
             <a:r>
-              <a:rPr lang="en-US" smtClean="0"/>
+              <a:rPr lang="en-US"/>
               <a:t>Fifth level</a:t>
             </a:r>
             <a:endParaRPr kumimoji="0" lang="en-US"/>
@@ -2850,7 +3187,7 @@
           <a:p>
             <a:pPr lvl="0" eaLnBrk="1" latinLnBrk="0" hangingPunct="1"/>
             <a:r>
-              <a:rPr kumimoji="0" lang="en-US" smtClean="0"/>
+              <a:rPr kumimoji="0" lang="en-US"/>
               <a:t>Click to edit Master text styles</a:t>
             </a:r>
           </a:p>
@@ -3028,10 +3365,9 @@
           </a:lstStyle>
           <a:p>
             <a:r>
-              <a:rPr kumimoji="0" lang="en-US" smtClean="0"/>
+              <a:rPr kumimoji="0" lang="en-US"/>
               <a:t>Click to edit Master title style</a:t>
             </a:r>
-            <a:endParaRPr kumimoji="0" lang="en-US"/>
           </a:p>
         </p:txBody>
       </p:sp>
@@ -3103,7 +3439,7 @@
           <a:p>
             <a:fld id="{EBDC1E59-17DD-41CE-97CA-624A472382D4}" type="datetime2">
               <a:rPr lang="en-US" smtClean="0"/>
-              <a:t>Thursday, May 25, 2017</a:t>
+              <a:t>Sunday, February 25, 2018</a:t>
             </a:fld>
             <a:endParaRPr lang="en-US"/>
           </a:p>
@@ -3201,7 +3537,7 @@
           </a:lstStyle>
           <a:p>
             <a:r>
-              <a:rPr kumimoji="0" lang="en-US" smtClean="0"/>
+              <a:rPr kumimoji="0" lang="en-US"/>
               <a:t>Drag picture to placeholder or click icon to add</a:t>
             </a:r>
             <a:endParaRPr kumimoji="0" lang="en-US" dirty="0"/>
@@ -3264,10 +3600,9 @@
           <a:lstStyle/>
           <a:p>
             <a:r>
-              <a:rPr kumimoji="0" lang="en-US" dirty="0" smtClean="0"/>
+              <a:rPr kumimoji="0" lang="en-US" dirty="0"/>
               <a:t>Click to edit Master title style</a:t>
             </a:r>
-            <a:endParaRPr kumimoji="0" lang="en-US" dirty="0"/>
           </a:p>
         </p:txBody>
       </p:sp>
@@ -3298,38 +3633,37 @@
           <a:p>
             <a:pPr lvl="0" eaLnBrk="1" latinLnBrk="0" hangingPunct="1"/>
             <a:r>
-              <a:rPr kumimoji="0" lang="en-US" dirty="0" smtClean="0"/>
+              <a:rPr kumimoji="0" lang="en-US" dirty="0"/>
               <a:t>Click to edit Master text styles</a:t>
             </a:r>
           </a:p>
           <a:p>
             <a:pPr lvl="1" eaLnBrk="1" latinLnBrk="0" hangingPunct="1"/>
             <a:r>
-              <a:rPr kumimoji="0" lang="en-US" dirty="0" smtClean="0"/>
+              <a:rPr kumimoji="0" lang="en-US" dirty="0"/>
               <a:t>Second level</a:t>
             </a:r>
           </a:p>
           <a:p>
             <a:pPr lvl="2" eaLnBrk="1" latinLnBrk="0" hangingPunct="1"/>
             <a:r>
-              <a:rPr kumimoji="0" lang="en-US" dirty="0" smtClean="0"/>
+              <a:rPr kumimoji="0" lang="en-US" dirty="0"/>
               <a:t>Third level</a:t>
             </a:r>
           </a:p>
           <a:p>
             <a:pPr lvl="3" eaLnBrk="1" latinLnBrk="0" hangingPunct="1"/>
             <a:r>
-              <a:rPr kumimoji="0" lang="en-US" dirty="0" smtClean="0"/>
+              <a:rPr kumimoji="0" lang="en-US" dirty="0"/>
               <a:t>Fourth level</a:t>
             </a:r>
           </a:p>
           <a:p>
             <a:pPr lvl="4" eaLnBrk="1" latinLnBrk="0" hangingPunct="1"/>
             <a:r>
-              <a:rPr kumimoji="0" lang="en-US" dirty="0" smtClean="0"/>
+              <a:rPr kumimoji="0" lang="en-US" dirty="0"/>
               <a:t>Fifth level</a:t>
             </a:r>
-            <a:endParaRPr kumimoji="0" lang="en-US" dirty="0"/>
           </a:p>
         </p:txBody>
       </p:sp>
@@ -3366,7 +3700,7 @@
           <a:p>
             <a:fld id="{A80CB818-7379-467D-8E76-EF9D9074A26C}" type="datetime2">
               <a:rPr lang="en-US" smtClean="0"/>
-              <a:t>Thursday, May 25, 2017</a:t>
+              <a:t>Sunday, February 25, 2018</a:t>
             </a:fld>
             <a:endParaRPr lang="en-US" dirty="0"/>
           </a:p>
@@ -3927,21 +4261,8 @@
           <a:p>
             <a:r>
               <a:rPr lang="en-US" dirty="0"/>
-              <a:t>Beyond </a:t>
-            </a:r>
-            <a:r>
-              <a:rPr lang="en-US" dirty="0" smtClean="0"/>
-              <a:t>SNPs, Part 2: copy </a:t>
-            </a:r>
-            <a:r>
-              <a:rPr lang="en-US" dirty="0"/>
-              <a:t>number </a:t>
-            </a:r>
-            <a:r>
-              <a:rPr lang="en-US" dirty="0" smtClean="0"/>
-              <a:t>and other structural variation</a:t>
-            </a:r>
-            <a:endParaRPr lang="en-US" dirty="0"/>
+              <a:t>Beyond SNPs, Part 2: copy number and other structural variation</a:t>
+            </a:r>
           </a:p>
         </p:txBody>
       </p:sp>
@@ -3961,10 +4282,9 @@
           <a:lstStyle/>
           <a:p>
             <a:r>
-              <a:rPr lang="en-US" dirty="0" smtClean="0"/>
+              <a:rPr lang="en-US" dirty="0"/>
               <a:t>John Didion, PhD</a:t>
             </a:r>
-            <a:endParaRPr lang="en-US" dirty="0"/>
           </a:p>
         </p:txBody>
       </p:sp>
@@ -3978,13 +4298,6 @@
   <p:clrMapOvr>
     <a:masterClrMapping/>
   </p:clrMapOvr>
-  <p:timing>
-    <p:tnLst>
-      <p:par>
-        <p:cTn id="1" dur="indefinite" restart="never" nodeType="tmRoot"/>
-      </p:par>
-    </p:tnLst>
-  </p:timing>
 </p:sld>
 </file>
 
@@ -4056,7 +4369,7 @@
               <a:buNone/>
             </a:pPr>
             <a:r>
-              <a:rPr lang="en-US" u="sng" dirty="0" smtClean="0">
+              <a:rPr lang="en-US" u="sng" dirty="0">
                 <a:cs typeface="Courier"/>
               </a:rPr>
               <a:t>SV Calling Strategies</a:t>
@@ -4064,7 +4377,7 @@
           </a:p>
           <a:p>
             <a:r>
-              <a:rPr lang="en-US" dirty="0" smtClean="0">
+              <a:rPr lang="en-US" dirty="0">
                 <a:cs typeface="Courier"/>
               </a:rPr>
               <a:t>Four strategies</a:t>
@@ -4073,7 +4386,7 @@
           <a:p>
             <a:pPr lvl="1"/>
             <a:r>
-              <a:rPr lang="en-US" dirty="0" smtClean="0">
+              <a:rPr lang="en-US" dirty="0">
                 <a:cs typeface="Courier"/>
               </a:rPr>
               <a:t>Read pair (RP): evaluate paired-end read fragment size and orientation</a:t>
@@ -4082,7 +4395,7 @@
           <a:p>
             <a:pPr lvl="1"/>
             <a:r>
-              <a:rPr lang="en-US" dirty="0" smtClean="0">
+              <a:rPr lang="en-US" dirty="0">
                 <a:cs typeface="Courier"/>
               </a:rPr>
               <a:t>Read count (RC): detect CNVs as regions of significantly higher/lower coverage than a regional or genome-wide average</a:t>
@@ -4091,7 +4404,7 @@
           <a:p>
             <a:pPr lvl="1"/>
             <a:r>
-              <a:rPr lang="en-US" dirty="0" smtClean="0">
+              <a:rPr lang="en-US" dirty="0">
                 <a:cs typeface="Courier"/>
               </a:rPr>
               <a:t>Split-read (SR): breakpoint identification within read sequences; requires a split-read aligner such as BWA</a:t>
@@ -4100,7 +4413,7 @@
           <a:p>
             <a:pPr lvl="1"/>
             <a:r>
-              <a:rPr lang="en-US" dirty="0" smtClean="0">
+              <a:rPr lang="en-US" dirty="0">
                 <a:cs typeface="Courier"/>
               </a:rPr>
               <a:t>Assembly (AS): assemble genome from sequencing reads, compare to reference to identify SVs; requires long reads</a:t>
@@ -4118,21 +4431,6 @@
   <p:clrMapOvr>
     <a:masterClrMapping/>
   </p:clrMapOvr>
-  <mc:AlternateContent xmlns:mc="http://schemas.openxmlformats.org/markup-compatibility/2006" xmlns:p14="http://schemas.microsoft.com/office/powerpoint/2010/main">
-    <mc:Choice Requires="p14">
-      <p:transition spd="slow" p14:dur="2000"/>
-    </mc:Choice>
-    <mc:Fallback xmlns="">
-      <p:transition xmlns:p14="http://schemas.microsoft.com/office/powerpoint/2010/main" spd="slow"/>
-    </mc:Fallback>
-  </mc:AlternateContent>
-  <p:timing>
-    <p:tnLst>
-      <p:par>
-        <p:cTn id="1" dur="indefinite" restart="never" nodeType="tmRoot"/>
-      </p:par>
-    </p:tnLst>
-  </p:timing>
 </p:sld>
 </file>
 
@@ -4204,20 +4502,11 @@
               <a:buNone/>
             </a:pPr>
             <a:r>
-              <a:rPr lang="en-US" u="sng" dirty="0" smtClean="0">
-                <a:cs typeface="Courier"/>
-              </a:rPr>
-              <a:t>SV </a:t>
-            </a:r>
-            <a:r>
               <a:rPr lang="en-US" u="sng" dirty="0">
                 <a:cs typeface="Courier"/>
               </a:rPr>
-              <a:t>Calling Strategies</a:t>
-            </a:r>
-            <a:endParaRPr lang="en-US" u="sng" dirty="0" smtClean="0">
-              <a:cs typeface="Courier"/>
-            </a:endParaRPr>
+              <a:t>SV Calling Strategies</a:t>
+            </a:r>
           </a:p>
         </p:txBody>
       </p:sp>
@@ -4267,22 +4556,21 @@
           <a:lstStyle/>
           <a:p>
             <a:r>
-              <a:rPr lang="en-US" dirty="0" err="1" smtClean="0"/>
+              <a:rPr lang="en-US" dirty="0" err="1"/>
               <a:t>Tattini</a:t>
             </a:r>
             <a:r>
-              <a:rPr lang="en-US" dirty="0" smtClean="0"/>
+              <a:rPr lang="en-US" dirty="0"/>
               <a:t> et al., Front. </a:t>
             </a:r>
             <a:r>
-              <a:rPr lang="en-US" dirty="0" err="1" smtClean="0"/>
+              <a:rPr lang="en-US" dirty="0" err="1"/>
               <a:t>Bioeng</a:t>
             </a:r>
             <a:r>
-              <a:rPr lang="en-US" dirty="0" smtClean="0"/>
+              <a:rPr lang="en-US" dirty="0"/>
               <a:t>. Biotech., 2015</a:t>
             </a:r>
-            <a:endParaRPr lang="en-US" dirty="0"/>
           </a:p>
         </p:txBody>
       </p:sp>
@@ -4309,10 +4597,9 @@
           <a:lstStyle/>
           <a:p>
             <a:r>
-              <a:rPr lang="en-US" dirty="0" smtClean="0"/>
+              <a:rPr lang="en-US" dirty="0"/>
               <a:t>Deletion</a:t>
             </a:r>
-            <a:endParaRPr lang="en-US" dirty="0"/>
           </a:p>
         </p:txBody>
       </p:sp>
@@ -4339,10 +4626,9 @@
           <a:lstStyle/>
           <a:p>
             <a:r>
-              <a:rPr lang="en-US" dirty="0" smtClean="0"/>
+              <a:rPr lang="en-US" dirty="0"/>
               <a:t>Insertion</a:t>
             </a:r>
-            <a:endParaRPr lang="en-US" dirty="0"/>
           </a:p>
         </p:txBody>
       </p:sp>
@@ -4369,10 +4655,9 @@
           <a:lstStyle/>
           <a:p>
             <a:r>
-              <a:rPr lang="en-US" dirty="0" smtClean="0"/>
+              <a:rPr lang="en-US" dirty="0"/>
               <a:t>Inversion</a:t>
             </a:r>
-            <a:endParaRPr lang="en-US" dirty="0"/>
           </a:p>
         </p:txBody>
       </p:sp>
@@ -4399,10 +4684,9 @@
           <a:lstStyle/>
           <a:p>
             <a:r>
-              <a:rPr lang="en-US" dirty="0" smtClean="0"/>
+              <a:rPr lang="en-US" dirty="0"/>
               <a:t>Duplication</a:t>
             </a:r>
-            <a:endParaRPr lang="en-US" dirty="0"/>
           </a:p>
         </p:txBody>
       </p:sp>
@@ -4416,21 +4700,6 @@
   <p:clrMapOvr>
     <a:masterClrMapping/>
   </p:clrMapOvr>
-  <mc:AlternateContent xmlns:mc="http://schemas.openxmlformats.org/markup-compatibility/2006" xmlns:p14="http://schemas.microsoft.com/office/powerpoint/2010/main">
-    <mc:Choice Requires="p14">
-      <p:transition spd="slow" p14:dur="2000"/>
-    </mc:Choice>
-    <mc:Fallback xmlns="">
-      <p:transition xmlns:p14="http://schemas.microsoft.com/office/powerpoint/2010/main" spd="slow"/>
-    </mc:Fallback>
-  </mc:AlternateContent>
-  <p:timing>
-    <p:tnLst>
-      <p:par>
-        <p:cTn id="1" dur="indefinite" restart="never" nodeType="tmRoot"/>
-      </p:par>
-    </p:tnLst>
-  </p:timing>
 </p:sld>
 </file>
 
@@ -4502,7 +4771,7 @@
               <a:buNone/>
             </a:pPr>
             <a:r>
-              <a:rPr lang="en-US" u="sng" dirty="0" smtClean="0">
+              <a:rPr lang="en-US" u="sng" dirty="0">
                 <a:cs typeface="Courier"/>
               </a:rPr>
               <a:t>SV Calling Tools</a:t>
@@ -4510,24 +4779,24 @@
           </a:p>
           <a:p>
             <a:r>
-              <a:rPr lang="en-US" dirty="0" smtClean="0">
+              <a:rPr lang="en-US" dirty="0">
                 <a:cs typeface="Courier"/>
               </a:rPr>
               <a:t>Most require whole-genome sequence; only a few work with </a:t>
             </a:r>
             <a:r>
-              <a:rPr lang="en-US" dirty="0" err="1" smtClean="0">
+              <a:rPr lang="en-US" dirty="0" err="1">
                 <a:cs typeface="Courier"/>
               </a:rPr>
               <a:t>exomes</a:t>
             </a:r>
-            <a:endParaRPr lang="en-US" dirty="0" smtClean="0">
+            <a:endParaRPr lang="en-US" dirty="0">
               <a:cs typeface="Courier"/>
             </a:endParaRPr>
           </a:p>
           <a:p>
             <a:r>
-              <a:rPr lang="en-US" dirty="0" smtClean="0">
+              <a:rPr lang="en-US" dirty="0">
                 <a:cs typeface="Courier"/>
               </a:rPr>
               <a:t>SV calling is challenging – different tools don’t agree well; the best strategy is consensus of multiple tools</a:t>
@@ -4535,7 +4804,7 @@
           </a:p>
           <a:p>
             <a:r>
-              <a:rPr lang="en-US" dirty="0" smtClean="0">
+              <a:rPr lang="en-US" dirty="0">
                 <a:cs typeface="Courier"/>
               </a:rPr>
               <a:t>Some tools able to integrate short read (for CNV) and long read (for breakpoint discovery) data</a:t>
@@ -4543,7 +4812,7 @@
           </a:p>
           <a:p>
             <a:r>
-              <a:rPr lang="en-US" dirty="0" smtClean="0">
+              <a:rPr lang="en-US" dirty="0">
                 <a:cs typeface="Courier"/>
               </a:rPr>
               <a:t>Validate any important findings (Array CGH, targeted sequencing)</a:t>
@@ -4561,21 +4830,6 @@
   <p:clrMapOvr>
     <a:masterClrMapping/>
   </p:clrMapOvr>
-  <mc:AlternateContent xmlns:mc="http://schemas.openxmlformats.org/markup-compatibility/2006" xmlns:p14="http://schemas.microsoft.com/office/powerpoint/2010/main">
-    <mc:Choice Requires="p14">
-      <p:transition spd="slow" p14:dur="2000"/>
-    </mc:Choice>
-    <mc:Fallback xmlns="">
-      <p:transition xmlns:p14="http://schemas.microsoft.com/office/powerpoint/2010/main" spd="slow"/>
-    </mc:Fallback>
-  </mc:AlternateContent>
-  <p:timing>
-    <p:tnLst>
-      <p:par>
-        <p:cTn id="1" dur="indefinite" restart="never" nodeType="tmRoot"/>
-      </p:par>
-    </p:tnLst>
-  </p:timing>
 </p:sld>
 </file>
 
@@ -4647,7 +4901,7 @@
               <a:buNone/>
             </a:pPr>
             <a:r>
-              <a:rPr lang="en-US" u="sng" dirty="0" smtClean="0">
+              <a:rPr lang="en-US" u="sng" dirty="0">
                 <a:cs typeface="Courier"/>
               </a:rPr>
               <a:t>SV Calling Tools</a:t>
@@ -4655,7 +4909,7 @@
           </a:p>
           <a:p>
             <a:r>
-              <a:rPr lang="en-US" dirty="0" smtClean="0">
+              <a:rPr lang="en-US" dirty="0">
                 <a:cs typeface="Courier"/>
               </a:rPr>
               <a:t>Today we'll use two tools:</a:t>
@@ -4664,7 +4918,7 @@
           <a:p>
             <a:pPr lvl="1"/>
             <a:r>
-              <a:rPr lang="en-US" dirty="0" smtClean="0">
+              <a:rPr lang="en-US" dirty="0">
                 <a:cs typeface="Courier"/>
               </a:rPr>
               <a:t>Delly2: detects SVs using a combination of paired-end and split-read approaches; provides visualization tools</a:t>
@@ -4673,7 +4927,7 @@
           <a:p>
             <a:pPr lvl="1"/>
             <a:r>
-              <a:rPr lang="en-US" dirty="0" smtClean="0">
+              <a:rPr lang="en-US" dirty="0">
                 <a:cs typeface="Courier"/>
               </a:rPr>
               <a:t>Canvas: CNV caller used in Illumina pipeline; can work on exome data</a:t>
@@ -4682,7 +4936,7 @@
           <a:p>
             <a:pPr lvl="1"/>
             <a:r>
-              <a:rPr lang="en-US" dirty="0" smtClean="0">
+              <a:rPr lang="en-US" dirty="0">
                 <a:cs typeface="Courier"/>
               </a:rPr>
               <a:t>Both detect germline and somatic SVs</a:t>
@@ -4690,7 +4944,7 @@
           </a:p>
           <a:p>
             <a:r>
-              <a:rPr lang="en-US" dirty="0" smtClean="0">
+              <a:rPr lang="en-US" dirty="0">
                 <a:cs typeface="Courier"/>
               </a:rPr>
               <a:t>Well also use a tool (SURVIVOR) to merge results from Delly2 and Canvas and perform consensus calling</a:t>
@@ -4708,21 +4962,6 @@
   <p:clrMapOvr>
     <a:masterClrMapping/>
   </p:clrMapOvr>
-  <mc:AlternateContent xmlns:mc="http://schemas.openxmlformats.org/markup-compatibility/2006" xmlns:p14="http://schemas.microsoft.com/office/powerpoint/2010/main">
-    <mc:Choice Requires="p14">
-      <p:transition spd="slow" p14:dur="2000"/>
-    </mc:Choice>
-    <mc:Fallback xmlns="">
-      <p:transition xmlns:p14="http://schemas.microsoft.com/office/powerpoint/2010/main" spd="slow"/>
-    </mc:Fallback>
-  </mc:AlternateContent>
-  <p:timing>
-    <p:tnLst>
-      <p:par>
-        <p:cTn id="1" dur="indefinite" restart="never" nodeType="tmRoot"/>
-      </p:par>
-    </p:tnLst>
-  </p:timing>
 </p:sld>
 </file>
 
@@ -4786,7 +5025,7 @@
         </p:spPr>
         <p:txBody>
           <a:bodyPr>
-            <a:normAutofit fontScale="92500" lnSpcReduction="10000"/>
+            <a:normAutofit/>
           </a:bodyPr>
           <a:lstStyle/>
           <a:p>
@@ -4794,7 +5033,7 @@
               <a:buNone/>
             </a:pPr>
             <a:r>
-              <a:rPr lang="en-US" u="sng" dirty="0" smtClean="0">
+              <a:rPr lang="en-US" u="sng" dirty="0">
                 <a:cs typeface="Courier"/>
               </a:rPr>
               <a:t>Exercise: SV Calling with Delly2</a:t>
@@ -4802,7 +5041,7 @@
           </a:p>
           <a:p>
             <a:r>
-              <a:rPr lang="en-US" dirty="0" smtClean="0">
+              <a:rPr lang="en-US" dirty="0">
                 <a:cs typeface="Courier"/>
               </a:rPr>
               <a:t>Delly2 can call 5 types of events</a:t>
@@ -4811,7 +5050,7 @@
           <a:p>
             <a:pPr lvl="1"/>
             <a:r>
-              <a:rPr lang="en-US" dirty="0" smtClean="0">
+              <a:rPr lang="en-US" dirty="0">
                 <a:cs typeface="Courier"/>
               </a:rPr>
               <a:t>DEL (deletion)</a:t>
@@ -4820,7 +5059,7 @@
           <a:p>
             <a:pPr lvl="1"/>
             <a:r>
-              <a:rPr lang="en-US" dirty="0" smtClean="0">
+              <a:rPr lang="en-US" dirty="0">
                 <a:cs typeface="Courier"/>
               </a:rPr>
               <a:t>DUP (duplication)</a:t>
@@ -4829,7 +5068,7 @@
           <a:p>
             <a:pPr lvl="1"/>
             <a:r>
-              <a:rPr lang="en-US" dirty="0" smtClean="0">
+              <a:rPr lang="en-US" dirty="0">
                 <a:cs typeface="Courier"/>
               </a:rPr>
               <a:t>INV (inversion)</a:t>
@@ -4838,7 +5077,7 @@
           <a:p>
             <a:pPr lvl="1"/>
             <a:r>
-              <a:rPr lang="en-US" dirty="0" smtClean="0">
+              <a:rPr lang="en-US" dirty="0">
                 <a:cs typeface="Courier"/>
               </a:rPr>
               <a:t>BND (translocation)</a:t>
@@ -4847,7 +5086,7 @@
           <a:p>
             <a:pPr lvl="1"/>
             <a:r>
-              <a:rPr lang="en-US" dirty="0" smtClean="0">
+              <a:rPr lang="en-US" dirty="0">
                 <a:cs typeface="Courier"/>
               </a:rPr>
               <a:t>INS (small insertions)</a:t>
@@ -4855,27 +5094,7 @@
           </a:p>
           <a:p>
             <a:r>
-              <a:rPr lang="en-US" dirty="0" smtClean="0">
-                <a:cs typeface="Courier"/>
-              </a:rPr>
-              <a:t>Each event must be called separately, </a:t>
-            </a:r>
-            <a:r>
-              <a:rPr lang="en-US" i="1" dirty="0" smtClean="0">
-                <a:cs typeface="Courier"/>
-              </a:rPr>
-              <a:t>i.e. </a:t>
-            </a:r>
-            <a:r>
-              <a:rPr lang="en-US" dirty="0" smtClean="0">
-                <a:cs typeface="Courier"/>
-              </a:rPr>
-              <a:t>run Delly2 up to 5 times per BAM</a:t>
-            </a:r>
-          </a:p>
-          <a:p>
-            <a:r>
-              <a:rPr lang="en-US" dirty="0" smtClean="0">
+              <a:rPr lang="en-US" dirty="0">
                 <a:cs typeface="Courier"/>
               </a:rPr>
               <a:t>Rather than discover SVs, Delly2 can also genotype a set of known SVs (-v option).</a:t>
@@ -4893,21 +5112,6 @@
   <p:clrMapOvr>
     <a:masterClrMapping/>
   </p:clrMapOvr>
-  <mc:AlternateContent xmlns:mc="http://schemas.openxmlformats.org/markup-compatibility/2006" xmlns:p14="http://schemas.microsoft.com/office/powerpoint/2010/main">
-    <mc:Choice Requires="p14">
-      <p:transition spd="slow" p14:dur="2000"/>
-    </mc:Choice>
-    <mc:Fallback xmlns="">
-      <p:transition xmlns:p14="http://schemas.microsoft.com/office/powerpoint/2010/main" spd="slow"/>
-    </mc:Fallback>
-  </mc:AlternateContent>
-  <p:timing>
-    <p:tnLst>
-      <p:par>
-        <p:cTn id="1" dur="indefinite" restart="never" nodeType="tmRoot"/>
-      </p:par>
-    </p:tnLst>
-  </p:timing>
 </p:sld>
 </file>
 
@@ -4971,7 +5175,7 @@
         </p:spPr>
         <p:txBody>
           <a:bodyPr>
-            <a:normAutofit fontScale="92500" lnSpcReduction="10000"/>
+            <a:normAutofit/>
           </a:bodyPr>
           <a:lstStyle/>
           <a:p>
@@ -4979,22 +5183,10 @@
               <a:buNone/>
             </a:pPr>
             <a:r>
-              <a:rPr lang="en-US" u="sng" dirty="0" smtClean="0">
+              <a:rPr lang="en-US" u="sng" dirty="0">
                 <a:cs typeface="Courier"/>
               </a:rPr>
               <a:t>Exercise: Germline SV Calling with Delly2</a:t>
-            </a:r>
-          </a:p>
-          <a:p>
-            <a:pPr marL="0" indent="0">
-              <a:buNone/>
-            </a:pPr>
-            <a:r>
-              <a:rPr lang="en-US" sz="2400" dirty="0" smtClean="0">
-                <a:latin typeface="Courier"/>
-                <a:cs typeface="Courier"/>
-              </a:rPr>
-              <a:t># Call events in for loop; exclude problem regions.</a:t>
             </a:r>
           </a:p>
           <a:p>
@@ -5006,106 +5198,46 @@
                 <a:latin typeface="Courier"/>
                 <a:cs typeface="Courier"/>
               </a:rPr>
-              <a:t>$ for </a:t>
-            </a:r>
-            <a:r>
-              <a:rPr lang="en-US" sz="2400" dirty="0" smtClean="0">
-                <a:latin typeface="Courier"/>
-                <a:cs typeface="Courier"/>
-              </a:rPr>
-              <a:t>TYPE in </a:t>
-            </a:r>
+              <a:t># Call events; exclude problem regions.</a:t>
+            </a:r>
+          </a:p>
+          <a:p>
+            <a:pPr marL="0" indent="0">
+              <a:buNone/>
+            </a:pPr>
             <a:r>
               <a:rPr lang="en-US" sz="2400" dirty="0">
                 <a:latin typeface="Courier"/>
                 <a:cs typeface="Courier"/>
               </a:rPr>
-              <a:t>DEL DUP INV </a:t>
-            </a:r>
-            <a:r>
-              <a:rPr lang="en-US" sz="2400" dirty="0" smtClean="0">
-                <a:latin typeface="Courier"/>
-                <a:cs typeface="Courier"/>
-              </a:rPr>
-              <a:t>BND ; do \</a:t>
-            </a:r>
-            <a:endParaRPr lang="en-US" sz="2400" dirty="0">
-              <a:latin typeface="Courier"/>
-              <a:cs typeface="Courier"/>
-            </a:endParaRPr>
-          </a:p>
-          <a:p>
-            <a:pPr marL="0" indent="0">
-              <a:buNone/>
-            </a:pPr>
-            <a:r>
-              <a:rPr lang="en-US" sz="2400" dirty="0" smtClean="0">
-                <a:latin typeface="Courier"/>
-                <a:cs typeface="Courier"/>
-              </a:rPr>
-              <a:t>   </a:t>
-            </a:r>
-            <a:r>
-              <a:rPr lang="en-US" sz="2400" dirty="0" err="1" smtClean="0">
+              <a:t>$ </a:t>
+            </a:r>
+            <a:r>
+              <a:rPr lang="en-US" sz="2400" dirty="0" err="1">
                 <a:latin typeface="Courier"/>
                 <a:cs typeface="Courier"/>
               </a:rPr>
               <a:t>delly</a:t>
             </a:r>
             <a:r>
-              <a:rPr lang="en-US" sz="2400" dirty="0" smtClean="0">
-                <a:latin typeface="Courier"/>
-                <a:cs typeface="Courier"/>
-              </a:rPr>
-              <a:t> </a:t>
-            </a:r>
-            <a:r>
               <a:rPr lang="en-US" sz="2400" dirty="0">
                 <a:latin typeface="Courier"/>
                 <a:cs typeface="Courier"/>
               </a:rPr>
-              <a:t>call -t </a:t>
-            </a:r>
-            <a:r>
-              <a:rPr lang="en-US" sz="2400" dirty="0" smtClean="0">
+              <a:t> call -o $OUTPUT/</a:t>
+            </a:r>
+            <a:r>
+              <a:rPr lang="en-US" sz="2400" dirty="0" err="1">
                 <a:latin typeface="Courier"/>
                 <a:cs typeface="Courier"/>
               </a:rPr>
-              <a:t>$TYPE -</a:t>
+              <a:t>sv.bcf</a:t>
             </a:r>
             <a:r>
               <a:rPr lang="en-US" sz="2400" dirty="0">
                 <a:latin typeface="Courier"/>
                 <a:cs typeface="Courier"/>
               </a:rPr>
-              <a:t>o output/</a:t>
-            </a:r>
-            <a:r>
-              <a:rPr lang="en-US" sz="2400" dirty="0" err="1" smtClean="0">
-                <a:latin typeface="Courier"/>
-                <a:cs typeface="Courier"/>
-              </a:rPr>
-              <a:t>sv</a:t>
-            </a:r>
-            <a:r>
-              <a:rPr lang="en-US" sz="2400" dirty="0" smtClean="0">
-                <a:latin typeface="Courier"/>
-                <a:cs typeface="Courier"/>
-              </a:rPr>
-              <a:t>_$</a:t>
-            </a:r>
-            <a:r>
-              <a:rPr lang="en-US" sz="2400" dirty="0" err="1" smtClean="0">
-                <a:latin typeface="Courier"/>
-                <a:cs typeface="Courier"/>
-              </a:rPr>
-              <a:t>TYPE.bcf</a:t>
-            </a:r>
-            <a:r>
-              <a:rPr lang="en-US" sz="2400" dirty="0" smtClean="0">
-                <a:latin typeface="Courier"/>
-                <a:cs typeface="Courier"/>
-              </a:rPr>
               <a:t> \</a:t>
             </a:r>
           </a:p>
@@ -5113,45 +5245,24 @@
             <a:pPr marL="0" indent="0">
               <a:buNone/>
             </a:pPr>
-            <a:r>
-              <a:rPr lang="en-US" sz="2400" dirty="0" smtClean="0">
-                <a:latin typeface="Courier"/>
-                <a:cs typeface="Courier"/>
-              </a:rPr>
-              <a:t>   -</a:t>
-            </a:r>
             <a:r>
               <a:rPr lang="en-US" sz="2400" dirty="0">
                 <a:latin typeface="Courier"/>
                 <a:cs typeface="Courier"/>
               </a:rPr>
-              <a:t>g resources/Homo_sapiens_assembly38.</a:t>
-            </a:r>
-            <a:r>
-              <a:rPr lang="en-US" sz="2400" dirty="0" smtClean="0">
-                <a:latin typeface="Courier"/>
-                <a:cs typeface="Courier"/>
-              </a:rPr>
-              <a:t>fasta \</a:t>
+              <a:t>   -g resources/Homo_sapiens_assembly38.fasta \</a:t>
             </a:r>
           </a:p>
           <a:p>
             <a:pPr marL="0" indent="0">
               <a:buNone/>
             </a:pPr>
-            <a:r>
-              <a:rPr lang="en-US" sz="2400" dirty="0" smtClean="0">
-                <a:latin typeface="Courier"/>
-                <a:cs typeface="Courier"/>
-              </a:rPr>
-              <a:t>   -</a:t>
-            </a:r>
             <a:r>
               <a:rPr lang="en-US" sz="2400" dirty="0">
                 <a:latin typeface="Courier"/>
                 <a:cs typeface="Courier"/>
               </a:rPr>
-              <a:t>x resources/</a:t>
+              <a:t>   -x resources/</a:t>
             </a:r>
             <a:r>
               <a:rPr lang="en-US" sz="2400" dirty="0" err="1">
@@ -5165,30 +5276,26 @@
                 <a:latin typeface="Courier"/>
                 <a:cs typeface="Courier"/>
               </a:rPr>
-              <a:t> </a:t>
-            </a:r>
-            <a:r>
-              <a:rPr lang="en-US" sz="2400" dirty="0" smtClean="0">
+              <a:t> \</a:t>
+            </a:r>
+          </a:p>
+          <a:p>
+            <a:pPr marL="0" indent="0">
+              <a:buNone/>
+            </a:pPr>
+            <a:r>
+              <a:rPr lang="en-US" sz="2400" dirty="0">
                 <a:latin typeface="Courier"/>
                 <a:cs typeface="Courier"/>
               </a:rPr>
-              <a:t>\</a:t>
-            </a:r>
-            <a:endParaRPr lang="en-US" sz="2400" dirty="0">
-              <a:latin typeface="Courier"/>
-              <a:cs typeface="Courier"/>
-            </a:endParaRPr>
-          </a:p>
-          <a:p>
-            <a:pPr marL="0" indent="0">
-              <a:buNone/>
-            </a:pPr>
-            <a:r>
-              <a:rPr lang="en-US" sz="2400" dirty="0" smtClean="0">
+              <a:t>   input/</a:t>
+            </a:r>
+            <a:r>
+              <a:rPr lang="en-US" sz="2400" dirty="0" err="1">
                 <a:latin typeface="Courier"/>
                 <a:cs typeface="Courier"/>
               </a:rPr>
-              <a:t>   input</a:t>
+              <a:t>sv</a:t>
             </a:r>
             <a:r>
               <a:rPr lang="en-US" sz="2400" dirty="0">
@@ -5202,80 +5309,54 @@
                 <a:latin typeface="Courier"/>
                 <a:cs typeface="Courier"/>
               </a:rPr>
-              <a:t>sv</a:t>
-            </a:r>
+              <a:t>lumpy_input.bam</a:t>
+            </a:r>
+            <a:endParaRPr lang="en-US" sz="2400" dirty="0">
+              <a:latin typeface="Courier"/>
+              <a:cs typeface="Courier"/>
+            </a:endParaRPr>
+          </a:p>
+          <a:p>
+            <a:pPr marL="0" indent="0">
+              <a:buNone/>
+            </a:pPr>
+            <a:endParaRPr lang="en-US" sz="2400" dirty="0">
+              <a:latin typeface="Courier"/>
+              <a:cs typeface="Courier"/>
+            </a:endParaRPr>
+          </a:p>
+          <a:p>
+            <a:pPr marL="0" indent="0">
+              <a:buNone/>
+            </a:pPr>
             <a:r>
               <a:rPr lang="en-US" sz="2400" dirty="0">
                 <a:latin typeface="Courier"/>
                 <a:cs typeface="Courier"/>
               </a:rPr>
-              <a:t>/</a:t>
-            </a:r>
-            <a:r>
-              <a:rPr lang="en-US" sz="2400" dirty="0" err="1" smtClean="0">
-                <a:latin typeface="Courier"/>
-                <a:cs typeface="Courier"/>
-              </a:rPr>
-              <a:t>lumpy_input.bam</a:t>
-            </a:r>
-            <a:endParaRPr lang="en-US" sz="2400" dirty="0">
-              <a:latin typeface="Courier"/>
-              <a:cs typeface="Courier"/>
-            </a:endParaRPr>
+              <a:t># Output is in BCF (binary VCF) format. Use</a:t>
+            </a:r>
           </a:p>
           <a:p>
             <a:pPr marL="0" indent="0">
               <a:buNone/>
             </a:pPr>
             <a:r>
-              <a:rPr lang="en-US" sz="2400" dirty="0" smtClean="0">
-                <a:latin typeface="Courier"/>
-                <a:cs typeface="Courier"/>
-              </a:rPr>
-              <a:t>done</a:t>
-            </a:r>
-          </a:p>
-          <a:p>
-            <a:pPr marL="0" indent="0">
-              <a:buNone/>
-            </a:pPr>
-            <a:endParaRPr lang="en-US" sz="2400" dirty="0" smtClean="0">
-              <a:latin typeface="Courier"/>
-              <a:cs typeface="Courier"/>
-            </a:endParaRPr>
-          </a:p>
-          <a:p>
-            <a:pPr marL="0" indent="0">
-              <a:buNone/>
-            </a:pPr>
-            <a:r>
-              <a:rPr lang="en-US" sz="2400" dirty="0" smtClean="0">
-                <a:latin typeface="Courier"/>
-                <a:cs typeface="Courier"/>
-              </a:rPr>
-              <a:t># Output is in BCF (binary VCF) format. Use</a:t>
-            </a:r>
-          </a:p>
-          <a:p>
-            <a:pPr marL="0" indent="0">
-              <a:buNone/>
-            </a:pPr>
-            <a:r>
-              <a:rPr lang="en-US" sz="2400" dirty="0" smtClean="0">
+              <a:rPr lang="en-US" sz="2400" dirty="0">
                 <a:latin typeface="Courier"/>
                 <a:cs typeface="Courier"/>
               </a:rPr>
               <a:t># </a:t>
             </a:r>
             <a:r>
-              <a:rPr lang="en-US" sz="2400" dirty="0" err="1" smtClean="0">
+              <a:rPr lang="en-US" sz="2400" dirty="0" err="1">
                 <a:latin typeface="Courier"/>
                 <a:cs typeface="Courier"/>
               </a:rPr>
               <a:t>bcftools</a:t>
             </a:r>
             <a:r>
-              <a:rPr lang="en-US" sz="2400" dirty="0" smtClean="0">
+              <a:rPr lang="en-US" sz="2400" dirty="0">
                 <a:latin typeface="Courier"/>
                 <a:cs typeface="Courier"/>
               </a:rPr>
@@ -5287,34 +5368,34 @@
               <a:buNone/>
             </a:pPr>
             <a:r>
-              <a:rPr lang="en-US" sz="2400" dirty="0" smtClean="0">
+              <a:rPr lang="en-US" sz="2400" dirty="0">
                 <a:latin typeface="Courier"/>
                 <a:cs typeface="Courier"/>
               </a:rPr>
               <a:t>$ </a:t>
             </a:r>
             <a:r>
-              <a:rPr lang="en-US" sz="2400" dirty="0" err="1" smtClean="0">
+              <a:rPr lang="en-US" sz="2400" dirty="0" err="1">
                 <a:latin typeface="Courier"/>
                 <a:cs typeface="Courier"/>
               </a:rPr>
               <a:t>bcftools</a:t>
             </a:r>
             <a:r>
-              <a:rPr lang="en-US" sz="2400" dirty="0" smtClean="0">
+              <a:rPr lang="en-US" sz="2400" dirty="0">
                 <a:latin typeface="Courier"/>
                 <a:cs typeface="Courier"/>
               </a:rPr>
-              <a:t> view -H output/</a:t>
-            </a:r>
-            <a:r>
-              <a:rPr lang="en-US" sz="2400" dirty="0" err="1" smtClean="0">
+              <a:t> view -H $OUTPUT/</a:t>
+            </a:r>
+            <a:r>
+              <a:rPr lang="en-US" sz="2400" dirty="0" err="1">
                 <a:latin typeface="Courier"/>
                 <a:cs typeface="Courier"/>
               </a:rPr>
-              <a:t>sv_DEL.bcf</a:t>
-            </a:r>
-            <a:endParaRPr lang="en-US" sz="2400" dirty="0" smtClean="0">
+              <a:t>sv.bcf</a:t>
+            </a:r>
+            <a:endParaRPr lang="en-US" sz="2400" dirty="0">
               <a:latin typeface="Courier"/>
               <a:cs typeface="Courier"/>
             </a:endParaRPr>
@@ -5331,21 +5412,6 @@
   <p:clrMapOvr>
     <a:masterClrMapping/>
   </p:clrMapOvr>
-  <mc:AlternateContent xmlns:mc="http://schemas.openxmlformats.org/markup-compatibility/2006" xmlns:p14="http://schemas.microsoft.com/office/powerpoint/2010/main">
-    <mc:Choice Requires="p14">
-      <p:transition spd="slow" p14:dur="2000"/>
-    </mc:Choice>
-    <mc:Fallback xmlns="">
-      <p:transition xmlns:p14="http://schemas.microsoft.com/office/powerpoint/2010/main" spd="slow"/>
-    </mc:Fallback>
-  </mc:AlternateContent>
-  <p:timing>
-    <p:tnLst>
-      <p:par>
-        <p:cTn id="1" dur="indefinite" restart="never" nodeType="tmRoot"/>
-      </p:par>
-    </p:tnLst>
-  </p:timing>
 </p:sld>
 </file>
 
@@ -5417,26 +5483,34 @@
               <a:buNone/>
             </a:pPr>
             <a:r>
-              <a:rPr lang="en-US" u="sng" dirty="0" smtClean="0">
+              <a:rPr lang="en-US" u="sng" dirty="0">
                 <a:cs typeface="Courier"/>
               </a:rPr>
-              <a:t>Exercise: Somatic SV Calling with Delly2</a:t>
-            </a:r>
-          </a:p>
-          <a:p>
-            <a:r>
-              <a:rPr lang="en-US" dirty="0" smtClean="0">
+              <a:t>Merging SV Calls</a:t>
+            </a:r>
+          </a:p>
+          <a:p>
+            <a:r>
+              <a:rPr lang="en-US" dirty="0">
                 <a:cs typeface="Courier"/>
               </a:rPr>
-              <a:t>Somatic SV calling is similar - just provide two BAM files instead of one (tumor first, then normal)</a:t>
-            </a:r>
-          </a:p>
-          <a:p>
-            <a:r>
-              <a:rPr lang="en-US" dirty="0" smtClean="0">
+              <a:t>SV callers are highly discordant</a:t>
+            </a:r>
+          </a:p>
+          <a:p>
+            <a:r>
+              <a:rPr lang="en-US" dirty="0">
                 <a:cs typeface="Courier"/>
               </a:rPr>
-              <a:t>After SV calling, it's a good idea to genotype controls at discovered sites to eliminate false-positives (if you find a tumor SV in a control sample, then it's not tumor-specific)</a:t>
+              <a:t>Best strategy: run 2-3 callers and take a consensus of the results</a:t>
+            </a:r>
+          </a:p>
+          <a:p>
+            <a:r>
+              <a:rPr lang="en-US" dirty="0">
+                <a:cs typeface="Courier"/>
+              </a:rPr>
+              <a:t>We'll use SURVIVOR, a useful SV toolkit</a:t>
             </a:r>
           </a:p>
         </p:txBody>
@@ -5444,28 +5518,13 @@
     </p:spTree>
     <p:extLst>
       <p:ext uri="{BB962C8B-B14F-4D97-AF65-F5344CB8AC3E}">
-        <p14:creationId xmlns:p14="http://schemas.microsoft.com/office/powerpoint/2010/main" val="1723261155"/>
+        <p14:creationId xmlns:p14="http://schemas.microsoft.com/office/powerpoint/2010/main" val="3275573728"/>
       </p:ext>
     </p:extLst>
   </p:cSld>
   <p:clrMapOvr>
     <a:masterClrMapping/>
   </p:clrMapOvr>
-  <mc:AlternateContent xmlns:mc="http://schemas.openxmlformats.org/markup-compatibility/2006" xmlns:p14="http://schemas.microsoft.com/office/powerpoint/2010/main">
-    <mc:Choice Requires="p14">
-      <p:transition spd="slow" p14:dur="2000"/>
-    </mc:Choice>
-    <mc:Fallback xmlns="">
-      <p:transition xmlns:p14="http://schemas.microsoft.com/office/powerpoint/2010/main" spd="slow"/>
-    </mc:Fallback>
-  </mc:AlternateContent>
-  <p:timing>
-    <p:tnLst>
-      <p:par>
-        <p:cTn id="1" dur="indefinite" restart="never" nodeType="tmRoot"/>
-      </p:par>
-    </p:tnLst>
-  </p:timing>
 </p:sld>
 </file>
 
@@ -5529,7 +5588,7 @@
         </p:spPr>
         <p:txBody>
           <a:bodyPr>
-            <a:normAutofit/>
+            <a:normAutofit fontScale="70000" lnSpcReduction="20000"/>
           </a:bodyPr>
           <a:lstStyle/>
           <a:p>
@@ -5537,50 +5596,176 @@
               <a:buNone/>
             </a:pPr>
             <a:r>
-              <a:rPr lang="en-US" u="sng" dirty="0" smtClean="0">
+              <a:rPr lang="en-US" u="sng" dirty="0">
                 <a:cs typeface="Courier"/>
               </a:rPr>
-              <a:t>Exercise: Somatic SV Calling with Delly2</a:t>
+              <a:t>Exercise: Merge SV Calls</a:t>
             </a:r>
           </a:p>
           <a:p>
             <a:pPr marL="0" indent="0">
               <a:buNone/>
             </a:pPr>
-            <a:r>
-              <a:rPr lang="en-US" sz="2400" dirty="0" smtClean="0">
-                <a:latin typeface="Courier"/>
-                <a:cs typeface="Courier"/>
-              </a:rPr>
-              <a:t>$ </a:t>
-            </a:r>
             <a:r>
               <a:rPr lang="en-US" sz="2400" dirty="0">
                 <a:latin typeface="Courier"/>
                 <a:cs typeface="Courier"/>
               </a:rPr>
-              <a:t>for </a:t>
-            </a:r>
-            <a:r>
-              <a:rPr lang="en-US" sz="2400" dirty="0" smtClean="0">
-                <a:latin typeface="Courier"/>
-                <a:cs typeface="Courier"/>
-              </a:rPr>
-              <a:t>TYPE in </a:t>
-            </a:r>
+              <a:t># Consensus of SV calls from two programs</a:t>
+            </a:r>
+          </a:p>
+          <a:p>
+            <a:pPr marL="0" indent="0">
+              <a:buNone/>
+            </a:pPr>
             <a:r>
               <a:rPr lang="en-US" sz="2400" dirty="0">
                 <a:latin typeface="Courier"/>
                 <a:cs typeface="Courier"/>
               </a:rPr>
-              <a:t>DEL DUP INV </a:t>
-            </a:r>
-            <a:r>
-              <a:rPr lang="en-US" sz="2400" dirty="0" smtClean="0">
+              <a:t># Arguments are:</a:t>
+            </a:r>
+          </a:p>
+          <a:p>
+            <a:pPr marL="0" indent="0">
+              <a:buNone/>
+            </a:pPr>
+            <a:r>
+              <a:rPr lang="en-US" sz="2400" dirty="0">
                 <a:latin typeface="Courier"/>
                 <a:cs typeface="Courier"/>
               </a:rPr>
-              <a:t>BND ; do</a:t>
+              <a:t>#   file with list of </a:t>
+            </a:r>
+            <a:r>
+              <a:rPr lang="en-US" sz="2400" dirty="0" err="1">
+                <a:latin typeface="Courier"/>
+                <a:cs typeface="Courier"/>
+              </a:rPr>
+              <a:t>vcfs</a:t>
+            </a:r>
+            <a:r>
+              <a:rPr lang="en-US" sz="2400" dirty="0">
+                <a:latin typeface="Courier"/>
+                <a:cs typeface="Courier"/>
+              </a:rPr>
+              <a:t> (1 per line)</a:t>
+            </a:r>
+          </a:p>
+          <a:p>
+            <a:pPr marL="0" indent="0">
+              <a:buNone/>
+            </a:pPr>
+            <a:r>
+              <a:rPr lang="en-US" sz="2400" dirty="0">
+                <a:latin typeface="Courier"/>
+                <a:cs typeface="Courier"/>
+              </a:rPr>
+              <a:t>#   max distance for merging SVs</a:t>
+            </a:r>
+          </a:p>
+          <a:p>
+            <a:pPr marL="0" indent="0">
+              <a:buNone/>
+            </a:pPr>
+            <a:r>
+              <a:rPr lang="en-US" sz="2400" dirty="0">
+                <a:latin typeface="Courier"/>
+                <a:cs typeface="Courier"/>
+              </a:rPr>
+              <a:t>#   minimum callers required to support a SV</a:t>
+            </a:r>
+          </a:p>
+          <a:p>
+            <a:pPr marL="0" indent="0">
+              <a:buNone/>
+            </a:pPr>
+            <a:r>
+              <a:rPr lang="en-US" sz="2400" dirty="0">
+                <a:latin typeface="Courier"/>
+                <a:cs typeface="Courier"/>
+              </a:rPr>
+              <a:t>#   consider SV types</a:t>
+            </a:r>
+          </a:p>
+          <a:p>
+            <a:pPr marL="0" indent="0">
+              <a:buNone/>
+            </a:pPr>
+            <a:r>
+              <a:rPr lang="en-US" sz="2400" dirty="0">
+                <a:latin typeface="Courier"/>
+                <a:cs typeface="Courier"/>
+              </a:rPr>
+              <a:t>#   consider strand information</a:t>
+            </a:r>
+          </a:p>
+          <a:p>
+            <a:pPr marL="0" indent="0">
+              <a:buNone/>
+            </a:pPr>
+            <a:r>
+              <a:rPr lang="en-US" sz="2400" dirty="0">
+                <a:latin typeface="Courier"/>
+                <a:cs typeface="Courier"/>
+              </a:rPr>
+              <a:t>#   estimate distance based on SV size</a:t>
+            </a:r>
+          </a:p>
+          <a:p>
+            <a:pPr marL="0" indent="0">
+              <a:buNone/>
+            </a:pPr>
+            <a:r>
+              <a:rPr lang="en-US" sz="2400" dirty="0">
+                <a:latin typeface="Courier"/>
+                <a:cs typeface="Courier"/>
+              </a:rPr>
+              <a:t>#   &lt;ignored&gt;</a:t>
+            </a:r>
+          </a:p>
+          <a:p>
+            <a:pPr marL="0" indent="0">
+              <a:buNone/>
+            </a:pPr>
+            <a:r>
+              <a:rPr lang="en-US" sz="2400" dirty="0">
+                <a:latin typeface="Courier"/>
+                <a:cs typeface="Courier"/>
+              </a:rPr>
+              <a:t>#   output prefix</a:t>
+            </a:r>
+          </a:p>
+          <a:p>
+            <a:pPr marL="0" indent="0">
+              <a:buNone/>
+            </a:pPr>
+            <a:r>
+              <a:rPr lang="en-US" sz="2400" dirty="0">
+                <a:latin typeface="Courier"/>
+                <a:cs typeface="Courier"/>
+              </a:rPr>
+              <a:t># Manual:</a:t>
+            </a:r>
+          </a:p>
+          <a:p>
+            <a:pPr marL="0" indent="0">
+              <a:buNone/>
+            </a:pPr>
+            <a:r>
+              <a:rPr lang="en-US" sz="2400" dirty="0">
+                <a:latin typeface="Courier"/>
+                <a:cs typeface="Courier"/>
+              </a:rPr>
+              <a:t># </a:t>
+            </a:r>
+            <a:r>
+              <a:rPr lang="en-US" sz="2400" dirty="0">
+                <a:latin typeface="Courier"/>
+                <a:cs typeface="Courier"/>
+                <a:hlinkClick r:id="rId2"/>
+              </a:rPr>
+              <a:t>https://github.com/fritzsedlazeck/SURVIVOR/wiki/Methods</a:t>
             </a:r>
             <a:endParaRPr lang="en-US" sz="2400" dirty="0">
               <a:latin typeface="Courier"/>
@@ -5592,92 +5777,54 @@
               <a:buNone/>
             </a:pPr>
             <a:r>
-              <a:rPr lang="en-US" sz="2400" dirty="0" smtClean="0">
+              <a:rPr lang="en-US" sz="2400">
                 <a:latin typeface="Courier"/>
                 <a:cs typeface="Courier"/>
               </a:rPr>
-              <a:t>  </a:t>
-            </a:r>
-            <a:r>
-              <a:rPr lang="en-US" sz="2400" dirty="0" err="1" smtClean="0">
-                <a:latin typeface="Courier"/>
-                <a:cs typeface="Courier"/>
-              </a:rPr>
-              <a:t>delly</a:t>
-            </a:r>
-            <a:r>
-              <a:rPr lang="en-US" sz="2400" dirty="0" smtClean="0">
-                <a:latin typeface="Courier"/>
-                <a:cs typeface="Courier"/>
-              </a:rPr>
-              <a:t> </a:t>
-            </a:r>
+              <a:t># and-Parameter</a:t>
+            </a:r>
+            <a:endParaRPr lang="en-US" sz="2400" dirty="0">
+              <a:latin typeface="Courier"/>
+              <a:cs typeface="Courier"/>
+            </a:endParaRPr>
+          </a:p>
+          <a:p>
+            <a:pPr marL="0" indent="0">
+              <a:buNone/>
+            </a:pPr>
             <a:r>
               <a:rPr lang="en-US" sz="2400" dirty="0">
                 <a:latin typeface="Courier"/>
                 <a:cs typeface="Courier"/>
               </a:rPr>
-              <a:t>call -t </a:t>
-            </a:r>
-            <a:r>
-              <a:rPr lang="en-US" sz="2400" dirty="0" smtClean="0">
+              <a:t>$ SURVIVOR merge input/</a:t>
+            </a:r>
+            <a:r>
+              <a:rPr lang="en-US" sz="2400" dirty="0" err="1">
                 <a:latin typeface="Courier"/>
                 <a:cs typeface="Courier"/>
               </a:rPr>
-              <a:t>$TYPE \</a:t>
-            </a:r>
-          </a:p>
-          <a:p>
-            <a:pPr marL="0" indent="0">
-              <a:buNone/>
-            </a:pPr>
+              <a:t>sv</a:t>
+            </a:r>
             <a:r>
               <a:rPr lang="en-US" sz="2400" dirty="0">
                 <a:latin typeface="Courier"/>
                 <a:cs typeface="Courier"/>
               </a:rPr>
-              <a:t> </a:t>
-            </a:r>
-            <a:r>
-              <a:rPr lang="en-US" sz="2400" dirty="0" smtClean="0">
+              <a:t>/</a:t>
+            </a:r>
+            <a:r>
+              <a:rPr lang="en-US" sz="2400" dirty="0" err="1">
                 <a:latin typeface="Courier"/>
                 <a:cs typeface="Courier"/>
               </a:rPr>
-              <a:t>  -</a:t>
+              <a:t>sample_input</a:t>
             </a:r>
             <a:r>
               <a:rPr lang="en-US" sz="2400" dirty="0">
                 <a:latin typeface="Courier"/>
                 <a:cs typeface="Courier"/>
               </a:rPr>
-              <a:t>o output/</a:t>
-            </a:r>
-            <a:r>
-              <a:rPr lang="en-US" sz="2400" dirty="0" err="1" smtClean="0">
-                <a:latin typeface="Courier"/>
-                <a:cs typeface="Courier"/>
-              </a:rPr>
-              <a:t>sv</a:t>
-            </a:r>
-            <a:r>
-              <a:rPr lang="en-US" sz="2400" dirty="0" smtClean="0">
-                <a:latin typeface="Courier"/>
-                <a:cs typeface="Courier"/>
-              </a:rPr>
-              <a:t>_${TYPE}_</a:t>
-            </a:r>
-            <a:r>
-              <a:rPr lang="en-US" sz="2400" dirty="0" err="1" smtClean="0">
-                <a:latin typeface="Courier"/>
-                <a:cs typeface="Courier"/>
-              </a:rPr>
-              <a:t>somatic.bcf</a:t>
-            </a:r>
-            <a:r>
-              <a:rPr lang="en-US" sz="2400" dirty="0" smtClean="0">
-                <a:latin typeface="Courier"/>
-                <a:cs typeface="Courier"/>
-              </a:rPr>
               <a:t> \</a:t>
             </a:r>
           </a:p>
@@ -5685,66 +5832,19 @@
             <a:pPr marL="0" indent="0">
               <a:buNone/>
             </a:pPr>
-            <a:r>
-              <a:rPr lang="en-US" sz="2400" dirty="0" smtClean="0">
-                <a:latin typeface="Courier"/>
-                <a:cs typeface="Courier"/>
-              </a:rPr>
-              <a:t>   -</a:t>
-            </a:r>
             <a:r>
               <a:rPr lang="en-US" sz="2400" dirty="0">
                 <a:latin typeface="Courier"/>
                 <a:cs typeface="Courier"/>
               </a:rPr>
-              <a:t>g resources</a:t>
-            </a:r>
-            <a:r>
-              <a:rPr lang="en-US" sz="2400" dirty="0" smtClean="0">
-                <a:latin typeface="Courier"/>
-                <a:cs typeface="Courier"/>
-              </a:rPr>
-              <a:t>/human_g1k_v37.fasta \</a:t>
-            </a:r>
-          </a:p>
-          <a:p>
-            <a:pPr marL="0" indent="0">
-              <a:buNone/>
-            </a:pPr>
-            <a:r>
-              <a:rPr lang="en-US" sz="2400" dirty="0" smtClean="0">
-                <a:latin typeface="Courier"/>
-                <a:cs typeface="Courier"/>
-              </a:rPr>
-              <a:t>   -</a:t>
-            </a:r>
-            <a:r>
-              <a:rPr lang="en-US" sz="2400" dirty="0">
-                <a:latin typeface="Courier"/>
-                <a:cs typeface="Courier"/>
-              </a:rPr>
-              <a:t>x resources/</a:t>
+              <a:t>  1000 2 1 1 0 30 $OUTPUT/</a:t>
             </a:r>
             <a:r>
               <a:rPr lang="en-US" sz="2400" dirty="0" err="1">
                 <a:latin typeface="Courier"/>
                 <a:cs typeface="Courier"/>
               </a:rPr>
-              <a:t>sv_exclude_regions.txt</a:t>
-            </a:r>
-            <a:r>
-              <a:rPr lang="en-US" sz="2400" dirty="0">
-                <a:latin typeface="Courier"/>
-                <a:cs typeface="Courier"/>
-              </a:rPr>
-              <a:t> </a:t>
-            </a:r>
-            <a:r>
-              <a:rPr lang="en-US" sz="2400" dirty="0" smtClean="0">
-                <a:latin typeface="Courier"/>
-                <a:cs typeface="Courier"/>
-              </a:rPr>
-              <a:t>\</a:t>
+              <a:t>sample_merged.vcf</a:t>
             </a:r>
             <a:endParaRPr lang="en-US" sz="2400" dirty="0">
               <a:latin typeface="Courier"/>
@@ -5755,612 +5855,23 @@
             <a:pPr marL="0" indent="0">
               <a:buNone/>
             </a:pPr>
-            <a:r>
-              <a:rPr lang="en-US" sz="2400" dirty="0" smtClean="0">
-                <a:latin typeface="Courier"/>
-                <a:cs typeface="Courier"/>
-              </a:rPr>
-              <a:t>   input/somatic/</a:t>
-            </a:r>
-            <a:r>
-              <a:rPr lang="en-US" sz="2400" dirty="0" err="1" smtClean="0">
-                <a:latin typeface="Courier"/>
-                <a:cs typeface="Courier"/>
-              </a:rPr>
-              <a:t>tumor.bam</a:t>
-            </a:r>
-            <a:r>
-              <a:rPr lang="en-US" sz="2400" dirty="0" smtClean="0">
-                <a:latin typeface="Courier"/>
-                <a:cs typeface="Courier"/>
-              </a:rPr>
-              <a:t> \</a:t>
-            </a:r>
-          </a:p>
-          <a:p>
-            <a:pPr marL="0" indent="0">
-              <a:buNone/>
-            </a:pPr>
-            <a:r>
-              <a:rPr lang="en-US" sz="2400" dirty="0">
-                <a:latin typeface="Courier"/>
-                <a:cs typeface="Courier"/>
-              </a:rPr>
-              <a:t> </a:t>
-            </a:r>
-            <a:r>
-              <a:rPr lang="en-US" sz="2400" dirty="0" smtClean="0">
-                <a:latin typeface="Courier"/>
-                <a:cs typeface="Courier"/>
-              </a:rPr>
-              <a:t>  input/somatic/</a:t>
-            </a:r>
-            <a:r>
-              <a:rPr lang="en-US" sz="2400" dirty="0" err="1" smtClean="0">
-                <a:latin typeface="Courier"/>
-                <a:cs typeface="Courier"/>
-              </a:rPr>
-              <a:t>normal.bam</a:t>
-            </a:r>
             <a:endParaRPr lang="en-US" sz="2400" dirty="0">
               <a:latin typeface="Courier"/>
               <a:cs typeface="Courier"/>
             </a:endParaRPr>
           </a:p>
-          <a:p>
-            <a:pPr marL="0" indent="0">
-              <a:buNone/>
-            </a:pPr>
-            <a:r>
-              <a:rPr lang="en-US" sz="2400" dirty="0">
-                <a:latin typeface="Courier"/>
-                <a:cs typeface="Courier"/>
-              </a:rPr>
-              <a:t>d</a:t>
-            </a:r>
-            <a:r>
-              <a:rPr lang="en-US" sz="2400" dirty="0" smtClean="0">
-                <a:latin typeface="Courier"/>
-                <a:cs typeface="Courier"/>
-              </a:rPr>
-              <a:t>one</a:t>
-            </a:r>
-          </a:p>
-          <a:p>
-            <a:pPr marL="0" indent="0">
-              <a:buNone/>
-            </a:pPr>
-            <a:endParaRPr lang="en-US" sz="2400" dirty="0" smtClean="0">
-              <a:latin typeface="Courier"/>
-              <a:cs typeface="Courier"/>
-            </a:endParaRPr>
-          </a:p>
         </p:txBody>
       </p:sp>
     </p:spTree>
     <p:extLst>
       <p:ext uri="{BB962C8B-B14F-4D97-AF65-F5344CB8AC3E}">
-        <p14:creationId xmlns:p14="http://schemas.microsoft.com/office/powerpoint/2010/main" val="2645089739"/>
+        <p14:creationId xmlns:p14="http://schemas.microsoft.com/office/powerpoint/2010/main" val="3222398927"/>
       </p:ext>
     </p:extLst>
   </p:cSld>
   <p:clrMapOvr>
     <a:masterClrMapping/>
   </p:clrMapOvr>
-  <mc:AlternateContent xmlns:mc="http://schemas.openxmlformats.org/markup-compatibility/2006" xmlns:p14="http://schemas.microsoft.com/office/powerpoint/2010/main">
-    <mc:Choice Requires="p14">
-      <p:transition spd="slow" p14:dur="2000"/>
-    </mc:Choice>
-    <mc:Fallback xmlns="">
-      <p:transition xmlns:p14="http://schemas.microsoft.com/office/powerpoint/2010/main" spd="slow"/>
-    </mc:Fallback>
-  </mc:AlternateContent>
-  <p:timing>
-    <p:tnLst>
-      <p:par>
-        <p:cTn id="1" dur="indefinite" restart="never" nodeType="tmRoot"/>
-      </p:par>
-    </p:tnLst>
-  </p:timing>
-</p:sld>
-</file>
-
-<file path=ppt/slides/slide18.xml><?xml version="1.0" encoding="utf-8"?>
-<p:sld xmlns:a="http://schemas.openxmlformats.org/drawingml/2006/main" xmlns:r="http://schemas.openxmlformats.org/officeDocument/2006/relationships" xmlns:p="http://schemas.openxmlformats.org/presentationml/2006/main">
-  <p:cSld>
-    <p:spTree>
-      <p:nvGrpSpPr>
-        <p:cNvPr id="1" name=""/>
-        <p:cNvGrpSpPr/>
-        <p:nvPr/>
-      </p:nvGrpSpPr>
-      <p:grpSpPr>
-        <a:xfrm>
-          <a:off x="0" y="0"/>
-          <a:ext cx="0" cy="0"/>
-          <a:chOff x="0" y="0"/>
-          <a:chExt cx="0" cy="0"/>
-        </a:xfrm>
-      </p:grpSpPr>
-      <p:sp>
-        <p:nvSpPr>
-          <p:cNvPr id="2" name="Title 1"/>
-          <p:cNvSpPr>
-            <a:spLocks noGrp="1"/>
-          </p:cNvSpPr>
-          <p:nvPr>
-            <p:ph type="title"/>
-          </p:nvPr>
-        </p:nvSpPr>
-        <p:spPr/>
-        <p:txBody>
-          <a:bodyPr>
-            <a:normAutofit/>
-          </a:bodyPr>
-          <a:lstStyle/>
-          <a:p>
-            <a:pPr algn="ctr"/>
-            <a:r>
-              <a:rPr lang="en-US" dirty="0"/>
-              <a:t>SV CALLING</a:t>
-            </a:r>
-          </a:p>
-        </p:txBody>
-      </p:sp>
-      <p:sp>
-        <p:nvSpPr>
-          <p:cNvPr id="3" name="Content Placeholder 2"/>
-          <p:cNvSpPr>
-            <a:spLocks noGrp="1"/>
-          </p:cNvSpPr>
-          <p:nvPr>
-            <p:ph sz="quarter" idx="1"/>
-          </p:nvPr>
-        </p:nvSpPr>
-        <p:spPr>
-          <a:xfrm>
-            <a:off x="152400" y="1574800"/>
-            <a:ext cx="8864600" cy="5156200"/>
-          </a:xfrm>
-        </p:spPr>
-        <p:txBody>
-          <a:bodyPr>
-            <a:normAutofit/>
-          </a:bodyPr>
-          <a:lstStyle/>
-          <a:p>
-            <a:pPr marL="0" indent="0" algn="ctr">
-              <a:buNone/>
-            </a:pPr>
-            <a:r>
-              <a:rPr lang="en-US" u="sng" dirty="0" smtClean="0">
-                <a:cs typeface="Courier"/>
-              </a:rPr>
-              <a:t>Exercise: Somatic SV Calling with Delly2</a:t>
-            </a:r>
-          </a:p>
-          <a:p>
-            <a:pPr marL="0" indent="0">
-              <a:buNone/>
-            </a:pPr>
-            <a:r>
-              <a:rPr lang="en-US" sz="2400" dirty="0" smtClean="0">
-                <a:latin typeface="Courier"/>
-                <a:cs typeface="Courier"/>
-              </a:rPr>
-              <a:t># </a:t>
-            </a:r>
-            <a:r>
-              <a:rPr lang="en-US" sz="2400" dirty="0" err="1" smtClean="0">
-                <a:latin typeface="Courier"/>
-                <a:cs typeface="Courier"/>
-              </a:rPr>
-              <a:t>Regenotype</a:t>
-            </a:r>
-            <a:r>
-              <a:rPr lang="en-US" sz="2400" dirty="0" smtClean="0">
-                <a:latin typeface="Courier"/>
-                <a:cs typeface="Courier"/>
-              </a:rPr>
-              <a:t> controls</a:t>
-            </a:r>
-          </a:p>
-          <a:p>
-            <a:pPr marL="0" indent="0">
-              <a:buNone/>
-            </a:pPr>
-            <a:r>
-              <a:rPr lang="en-US" sz="2400" dirty="0" smtClean="0">
-                <a:latin typeface="Courier"/>
-                <a:cs typeface="Courier"/>
-              </a:rPr>
-              <a:t>$ </a:t>
-            </a:r>
-            <a:r>
-              <a:rPr lang="en-US" sz="2400" dirty="0" err="1" smtClean="0">
-                <a:latin typeface="Courier"/>
-                <a:cs typeface="Courier"/>
-              </a:rPr>
-              <a:t>delly</a:t>
-            </a:r>
-            <a:r>
-              <a:rPr lang="en-US" sz="2400" dirty="0" smtClean="0">
-                <a:latin typeface="Courier"/>
-                <a:cs typeface="Courier"/>
-              </a:rPr>
-              <a:t> </a:t>
-            </a:r>
-            <a:r>
-              <a:rPr lang="en-US" sz="2400" dirty="0">
-                <a:latin typeface="Courier"/>
-                <a:cs typeface="Courier"/>
-              </a:rPr>
-              <a:t>call -t </a:t>
-            </a:r>
-            <a:r>
-              <a:rPr lang="en-US" sz="2400" dirty="0" smtClean="0">
-                <a:latin typeface="Courier"/>
-                <a:cs typeface="Courier"/>
-              </a:rPr>
-              <a:t>DEL -</a:t>
-            </a:r>
-            <a:r>
-              <a:rPr lang="en-US" sz="2400" dirty="0">
-                <a:latin typeface="Courier"/>
-                <a:cs typeface="Courier"/>
-              </a:rPr>
-              <a:t>o output</a:t>
-            </a:r>
-            <a:r>
-              <a:rPr lang="en-US" sz="2400" dirty="0" smtClean="0">
-                <a:latin typeface="Courier"/>
-                <a:cs typeface="Courier"/>
-              </a:rPr>
-              <a:t>/</a:t>
-            </a:r>
-            <a:r>
-              <a:rPr lang="en-US" sz="2400" dirty="0" err="1" smtClean="0">
-                <a:latin typeface="Courier"/>
-                <a:cs typeface="Courier"/>
-              </a:rPr>
-              <a:t>ctrl.bcf</a:t>
-            </a:r>
-            <a:r>
-              <a:rPr lang="en-US" sz="2400" dirty="0" smtClean="0">
-                <a:latin typeface="Courier"/>
-                <a:cs typeface="Courier"/>
-              </a:rPr>
-              <a:t> \</a:t>
-            </a:r>
-          </a:p>
-          <a:p>
-            <a:pPr marL="0" indent="0">
-              <a:buNone/>
-            </a:pPr>
-            <a:r>
-              <a:rPr lang="en-US" sz="2400" dirty="0" smtClean="0">
-                <a:latin typeface="Courier"/>
-                <a:cs typeface="Courier"/>
-              </a:rPr>
-              <a:t>   -</a:t>
-            </a:r>
-            <a:r>
-              <a:rPr lang="en-US" sz="2400" dirty="0">
-                <a:latin typeface="Courier"/>
-                <a:cs typeface="Courier"/>
-              </a:rPr>
-              <a:t>g resources</a:t>
-            </a:r>
-            <a:r>
-              <a:rPr lang="en-US" sz="2400" dirty="0" smtClean="0">
-                <a:latin typeface="Courier"/>
-                <a:cs typeface="Courier"/>
-              </a:rPr>
-              <a:t>/human_g1k_v37.fasta \</a:t>
-            </a:r>
-          </a:p>
-          <a:p>
-            <a:pPr marL="0" indent="0">
-              <a:buNone/>
-            </a:pPr>
-            <a:r>
-              <a:rPr lang="en-US" sz="2400" dirty="0" smtClean="0">
-                <a:latin typeface="Courier"/>
-                <a:cs typeface="Courier"/>
-              </a:rPr>
-              <a:t>   -</a:t>
-            </a:r>
-            <a:r>
-              <a:rPr lang="en-US" sz="2400" dirty="0">
-                <a:latin typeface="Courier"/>
-                <a:cs typeface="Courier"/>
-              </a:rPr>
-              <a:t>x resources/</a:t>
-            </a:r>
-            <a:r>
-              <a:rPr lang="en-US" sz="2400" dirty="0" err="1">
-                <a:latin typeface="Courier"/>
-                <a:cs typeface="Courier"/>
-              </a:rPr>
-              <a:t>sv_exclude_regions.txt</a:t>
-            </a:r>
-            <a:r>
-              <a:rPr lang="en-US" sz="2400" dirty="0">
-                <a:latin typeface="Courier"/>
-                <a:cs typeface="Courier"/>
-              </a:rPr>
-              <a:t> </a:t>
-            </a:r>
-            <a:r>
-              <a:rPr lang="en-US" sz="2400" dirty="0" smtClean="0">
-                <a:latin typeface="Courier"/>
-                <a:cs typeface="Courier"/>
-              </a:rPr>
-              <a:t>\</a:t>
-            </a:r>
-            <a:endParaRPr lang="en-US" sz="2400" dirty="0">
-              <a:latin typeface="Courier"/>
-              <a:cs typeface="Courier"/>
-            </a:endParaRPr>
-          </a:p>
-          <a:p>
-            <a:pPr marL="0" indent="0">
-              <a:buNone/>
-            </a:pPr>
-            <a:r>
-              <a:rPr lang="en-US" sz="2400" dirty="0" smtClean="0">
-                <a:latin typeface="Courier"/>
-                <a:cs typeface="Courier"/>
-              </a:rPr>
-              <a:t>   -v output/</a:t>
-            </a:r>
-            <a:r>
-              <a:rPr lang="en-US" sz="2400" dirty="0" err="1" smtClean="0">
-                <a:latin typeface="Courier"/>
-                <a:cs typeface="Courier"/>
-              </a:rPr>
-              <a:t>sv_DEL_somatic.bcf</a:t>
-            </a:r>
-            <a:r>
-              <a:rPr lang="en-US" sz="2400" dirty="0" smtClean="0">
-                <a:latin typeface="Courier"/>
-                <a:cs typeface="Courier"/>
-              </a:rPr>
-              <a:t> \</a:t>
-            </a:r>
-          </a:p>
-          <a:p>
-            <a:pPr marL="0" indent="0">
-              <a:buNone/>
-            </a:pPr>
-            <a:r>
-              <a:rPr lang="en-US" sz="2400" dirty="0" smtClean="0">
-                <a:latin typeface="Courier"/>
-                <a:cs typeface="Courier"/>
-              </a:rPr>
-              <a:t>  input/</a:t>
-            </a:r>
-            <a:r>
-              <a:rPr lang="en-US" sz="2400" dirty="0" err="1" smtClean="0">
-                <a:latin typeface="Courier"/>
-                <a:cs typeface="Courier"/>
-              </a:rPr>
-              <a:t>sv</a:t>
-            </a:r>
-            <a:r>
-              <a:rPr lang="en-US" sz="2400" dirty="0" smtClean="0">
-                <a:latin typeface="Courier"/>
-                <a:cs typeface="Courier"/>
-              </a:rPr>
-              <a:t>/</a:t>
-            </a:r>
-            <a:r>
-              <a:rPr lang="en-US" sz="2400" dirty="0" err="1" smtClean="0">
-                <a:latin typeface="Courier"/>
-                <a:cs typeface="Courier"/>
-              </a:rPr>
-              <a:t>somatic_control.bam</a:t>
-            </a:r>
-            <a:endParaRPr lang="en-US" sz="2400" dirty="0">
-              <a:latin typeface="Courier"/>
-              <a:cs typeface="Courier"/>
-            </a:endParaRPr>
-          </a:p>
-          <a:p>
-            <a:pPr marL="0" indent="0">
-              <a:buNone/>
-            </a:pPr>
-            <a:endParaRPr lang="en-US" sz="2400" dirty="0" smtClean="0">
-              <a:latin typeface="Courier"/>
-              <a:cs typeface="Courier"/>
-            </a:endParaRPr>
-          </a:p>
-          <a:p>
-            <a:pPr marL="0" indent="0">
-              <a:buNone/>
-            </a:pPr>
-            <a:endParaRPr lang="en-US" sz="2400" dirty="0" smtClean="0">
-              <a:latin typeface="Courier"/>
-              <a:cs typeface="Courier"/>
-            </a:endParaRPr>
-          </a:p>
-        </p:txBody>
-      </p:sp>
-    </p:spTree>
-    <p:extLst>
-      <p:ext uri="{BB962C8B-B14F-4D97-AF65-F5344CB8AC3E}">
-        <p14:creationId xmlns:p14="http://schemas.microsoft.com/office/powerpoint/2010/main" val="958116545"/>
-      </p:ext>
-    </p:extLst>
-  </p:cSld>
-  <p:clrMapOvr>
-    <a:masterClrMapping/>
-  </p:clrMapOvr>
-  <mc:AlternateContent xmlns:mc="http://schemas.openxmlformats.org/markup-compatibility/2006" xmlns:p14="http://schemas.microsoft.com/office/powerpoint/2010/main">
-    <mc:Choice Requires="p14">
-      <p:transition spd="slow" p14:dur="2000"/>
-    </mc:Choice>
-    <mc:Fallback xmlns="">
-      <p:transition xmlns:p14="http://schemas.microsoft.com/office/powerpoint/2010/main" spd="slow"/>
-    </mc:Fallback>
-  </mc:AlternateContent>
-  <p:timing>
-    <p:tnLst>
-      <p:par>
-        <p:cTn id="1" dur="indefinite" restart="never" nodeType="tmRoot"/>
-      </p:par>
-    </p:tnLst>
-  </p:timing>
-</p:sld>
-</file>
-
-<file path=ppt/slides/slide19.xml><?xml version="1.0" encoding="utf-8"?>
-<p:sld xmlns:a="http://schemas.openxmlformats.org/drawingml/2006/main" xmlns:r="http://schemas.openxmlformats.org/officeDocument/2006/relationships" xmlns:p="http://schemas.openxmlformats.org/presentationml/2006/main">
-  <p:cSld>
-    <p:spTree>
-      <p:nvGrpSpPr>
-        <p:cNvPr id="1" name=""/>
-        <p:cNvGrpSpPr/>
-        <p:nvPr/>
-      </p:nvGrpSpPr>
-      <p:grpSpPr>
-        <a:xfrm>
-          <a:off x="0" y="0"/>
-          <a:ext cx="0" cy="0"/>
-          <a:chOff x="0" y="0"/>
-          <a:chExt cx="0" cy="0"/>
-        </a:xfrm>
-      </p:grpSpPr>
-      <p:sp>
-        <p:nvSpPr>
-          <p:cNvPr id="2" name="Title 1"/>
-          <p:cNvSpPr>
-            <a:spLocks noGrp="1"/>
-          </p:cNvSpPr>
-          <p:nvPr>
-            <p:ph type="title"/>
-          </p:nvPr>
-        </p:nvSpPr>
-        <p:spPr/>
-        <p:txBody>
-          <a:bodyPr>
-            <a:normAutofit/>
-          </a:bodyPr>
-          <a:lstStyle/>
-          <a:p>
-            <a:pPr algn="ctr"/>
-            <a:r>
-              <a:rPr lang="en-US" dirty="0"/>
-              <a:t>SV CALLING</a:t>
-            </a:r>
-          </a:p>
-        </p:txBody>
-      </p:sp>
-      <p:sp>
-        <p:nvSpPr>
-          <p:cNvPr id="3" name="Content Placeholder 2"/>
-          <p:cNvSpPr>
-            <a:spLocks noGrp="1"/>
-          </p:cNvSpPr>
-          <p:nvPr>
-            <p:ph sz="quarter" idx="1"/>
-          </p:nvPr>
-        </p:nvSpPr>
-        <p:spPr>
-          <a:xfrm>
-            <a:off x="152400" y="1574800"/>
-            <a:ext cx="8864600" cy="5156200"/>
-          </a:xfrm>
-        </p:spPr>
-        <p:txBody>
-          <a:bodyPr>
-            <a:normAutofit/>
-          </a:bodyPr>
-          <a:lstStyle/>
-          <a:p>
-            <a:pPr marL="0" indent="0" algn="ctr">
-              <a:buNone/>
-            </a:pPr>
-            <a:r>
-              <a:rPr lang="en-US" u="sng" dirty="0" smtClean="0">
-                <a:cs typeface="Courier"/>
-              </a:rPr>
-              <a:t>Comprehensive CNV Calling</a:t>
-            </a:r>
-          </a:p>
-          <a:p>
-            <a:r>
-              <a:rPr lang="en-US" dirty="0" smtClean="0">
-                <a:cs typeface="Courier"/>
-              </a:rPr>
-              <a:t>SV Callers detect segmental duplications</a:t>
-            </a:r>
-          </a:p>
-          <a:p>
-            <a:r>
-              <a:rPr lang="en-US" dirty="0">
-                <a:cs typeface="Courier"/>
-              </a:rPr>
-              <a:t>H</a:t>
-            </a:r>
-            <a:r>
-              <a:rPr lang="en-US" dirty="0" smtClean="0">
-                <a:cs typeface="Courier"/>
-              </a:rPr>
-              <a:t>owever, in cancer, very large (even whole-chromosome) gains and losses can occur; SV callers may not detect these</a:t>
-            </a:r>
-          </a:p>
-        </p:txBody>
-      </p:sp>
-      <p:pic>
-        <p:nvPicPr>
-          <p:cNvPr id="7" name="Picture 6"/>
-          <p:cNvPicPr>
-            <a:picLocks noChangeAspect="1"/>
-          </p:cNvPicPr>
-          <p:nvPr/>
-        </p:nvPicPr>
-        <p:blipFill>
-          <a:blip r:embed="rId2"/>
-          <a:stretch>
-            <a:fillRect/>
-          </a:stretch>
-        </p:blipFill>
-        <p:spPr>
-          <a:xfrm>
-            <a:off x="355600" y="4445000"/>
-            <a:ext cx="8432800" cy="1727200"/>
-          </a:xfrm>
-          <a:prstGeom prst="rect">
-            <a:avLst/>
-          </a:prstGeom>
-        </p:spPr>
-      </p:pic>
-    </p:spTree>
-    <p:extLst>
-      <p:ext uri="{BB962C8B-B14F-4D97-AF65-F5344CB8AC3E}">
-        <p14:creationId xmlns:p14="http://schemas.microsoft.com/office/powerpoint/2010/main" val="1126825173"/>
-      </p:ext>
-    </p:extLst>
-  </p:cSld>
-  <p:clrMapOvr>
-    <a:masterClrMapping/>
-  </p:clrMapOvr>
-  <mc:AlternateContent xmlns:mc="http://schemas.openxmlformats.org/markup-compatibility/2006" xmlns:p14="http://schemas.microsoft.com/office/powerpoint/2010/main">
-    <mc:Choice Requires="p14">
-      <p:transition spd="slow" p14:dur="2000"/>
-    </mc:Choice>
-    <mc:Fallback xmlns="">
-      <p:transition xmlns:p14="http://schemas.microsoft.com/office/powerpoint/2010/main" spd="slow"/>
-    </mc:Fallback>
-  </mc:AlternateContent>
-  <p:timing>
-    <p:tnLst>
-      <p:par>
-        <p:cTn id="1" dur="indefinite" restart="never" nodeType="tmRoot"/>
-      </p:par>
-    </p:tnLst>
-  </p:timing>
 </p:sld>
 </file>
 
@@ -6400,10 +5911,9 @@
           <a:p>
             <a:pPr algn="ctr"/>
             <a:r>
-              <a:rPr lang="en-US" dirty="0" smtClean="0"/>
+              <a:rPr lang="en-US" dirty="0"/>
               <a:t>VARIANT CALLING</a:t>
             </a:r>
-            <a:endParaRPr lang="en-US" dirty="0"/>
           </a:p>
         </p:txBody>
       </p:sp>
@@ -6433,65 +5943,65 @@
               <a:buNone/>
             </a:pPr>
             <a:r>
-              <a:rPr lang="en-US" u="sng" dirty="0" smtClean="0"/>
+              <a:rPr lang="en-US" u="sng" dirty="0"/>
               <a:t>Types of Variants</a:t>
             </a:r>
           </a:p>
           <a:p>
             <a:r>
-              <a:rPr lang="en-US" dirty="0" smtClean="0"/>
+              <a:rPr lang="en-US" dirty="0"/>
               <a:t>SNP: Single Nucleotide Polymorphism</a:t>
             </a:r>
           </a:p>
           <a:p>
             <a:r>
-              <a:rPr lang="en-US" dirty="0" smtClean="0"/>
+              <a:rPr lang="en-US" dirty="0"/>
               <a:t>Small insertions and deletions (</a:t>
             </a:r>
             <a:r>
-              <a:rPr lang="en-US" dirty="0" err="1" smtClean="0"/>
+              <a:rPr lang="en-US" dirty="0" err="1"/>
               <a:t>indels</a:t>
             </a:r>
             <a:r>
-              <a:rPr lang="en-US" dirty="0" smtClean="0"/>
+              <a:rPr lang="en-US" dirty="0"/>
               <a:t>)</a:t>
             </a:r>
           </a:p>
           <a:p>
             <a:r>
-              <a:rPr lang="en-US" dirty="0" smtClean="0"/>
+              <a:rPr lang="en-US" dirty="0"/>
               <a:t>Large (&gt;100 bp) Structural Variants (SVs)</a:t>
             </a:r>
           </a:p>
           <a:p>
             <a:pPr lvl="1"/>
             <a:r>
-              <a:rPr lang="en-US" dirty="0" smtClean="0"/>
+              <a:rPr lang="en-US" dirty="0"/>
               <a:t>Copy-variable: Duplications, Deletions</a:t>
             </a:r>
           </a:p>
           <a:p>
             <a:pPr lvl="1"/>
             <a:r>
-              <a:rPr lang="en-US" dirty="0" smtClean="0"/>
+              <a:rPr lang="en-US" dirty="0"/>
               <a:t>Copy-neutral: Inversions, Translocations</a:t>
             </a:r>
           </a:p>
           <a:p>
             <a:pPr lvl="1"/>
             <a:r>
-              <a:rPr lang="en-US" dirty="0" smtClean="0"/>
+              <a:rPr lang="en-US" dirty="0"/>
               <a:t>Complex combinations of events</a:t>
             </a:r>
           </a:p>
           <a:p>
             <a:r>
-              <a:rPr lang="en-US" dirty="0" smtClean="0"/>
+              <a:rPr lang="en-US" dirty="0"/>
               <a:t>Germline versus somatic</a:t>
             </a:r>
           </a:p>
           <a:p>
-            <a:endParaRPr lang="en-US" dirty="0" smtClean="0"/>
+            <a:endParaRPr lang="en-US" dirty="0"/>
           </a:p>
         </p:txBody>
       </p:sp>
@@ -6505,632 +6015,6 @@
   <p:clrMapOvr>
     <a:masterClrMapping/>
   </p:clrMapOvr>
-  <mc:AlternateContent xmlns:mc="http://schemas.openxmlformats.org/markup-compatibility/2006" xmlns:p14="http://schemas.microsoft.com/office/powerpoint/2010/main">
-    <mc:Choice Requires="p14">
-      <p:transition spd="slow" p14:dur="2000"/>
-    </mc:Choice>
-    <mc:Fallback xmlns="">
-      <p:transition xmlns:p14="http://schemas.microsoft.com/office/powerpoint/2010/main" spd="slow"/>
-    </mc:Fallback>
-  </mc:AlternateContent>
-  <p:timing>
-    <p:tnLst>
-      <p:par>
-        <p:cTn id="1" dur="indefinite" restart="never" nodeType="tmRoot"/>
-      </p:par>
-    </p:tnLst>
-  </p:timing>
-</p:sld>
-</file>
-
-<file path=ppt/slides/slide20.xml><?xml version="1.0" encoding="utf-8"?>
-<p:sld xmlns:a="http://schemas.openxmlformats.org/drawingml/2006/main" xmlns:r="http://schemas.openxmlformats.org/officeDocument/2006/relationships" xmlns:p="http://schemas.openxmlformats.org/presentationml/2006/main">
-  <p:cSld>
-    <p:spTree>
-      <p:nvGrpSpPr>
-        <p:cNvPr id="1" name=""/>
-        <p:cNvGrpSpPr/>
-        <p:nvPr/>
-      </p:nvGrpSpPr>
-      <p:grpSpPr>
-        <a:xfrm>
-          <a:off x="0" y="0"/>
-          <a:ext cx="0" cy="0"/>
-          <a:chOff x="0" y="0"/>
-          <a:chExt cx="0" cy="0"/>
-        </a:xfrm>
-      </p:grpSpPr>
-      <p:sp>
-        <p:nvSpPr>
-          <p:cNvPr id="2" name="Title 1"/>
-          <p:cNvSpPr>
-            <a:spLocks noGrp="1"/>
-          </p:cNvSpPr>
-          <p:nvPr>
-            <p:ph type="title"/>
-          </p:nvPr>
-        </p:nvSpPr>
-        <p:spPr/>
-        <p:txBody>
-          <a:bodyPr>
-            <a:normAutofit/>
-          </a:bodyPr>
-          <a:lstStyle/>
-          <a:p>
-            <a:pPr algn="ctr"/>
-            <a:r>
-              <a:rPr lang="en-US" dirty="0"/>
-              <a:t>SV CALLING</a:t>
-            </a:r>
-          </a:p>
-        </p:txBody>
-      </p:sp>
-      <p:sp>
-        <p:nvSpPr>
-          <p:cNvPr id="3" name="Content Placeholder 2"/>
-          <p:cNvSpPr>
-            <a:spLocks noGrp="1"/>
-          </p:cNvSpPr>
-          <p:nvPr>
-            <p:ph sz="quarter" idx="1"/>
-          </p:nvPr>
-        </p:nvSpPr>
-        <p:spPr>
-          <a:xfrm>
-            <a:off x="152400" y="1574800"/>
-            <a:ext cx="8864600" cy="5156200"/>
-          </a:xfrm>
-        </p:spPr>
-        <p:txBody>
-          <a:bodyPr>
-            <a:normAutofit/>
-          </a:bodyPr>
-          <a:lstStyle/>
-          <a:p>
-            <a:pPr marL="0" indent="0" algn="ctr">
-              <a:buNone/>
-            </a:pPr>
-            <a:r>
-              <a:rPr lang="en-US" u="sng" dirty="0" smtClean="0">
-                <a:cs typeface="Courier"/>
-              </a:rPr>
-              <a:t>Comprehensive CNV Calling</a:t>
-            </a:r>
-          </a:p>
-          <a:p>
-            <a:r>
-              <a:rPr lang="en-US" dirty="0" smtClean="0">
-                <a:cs typeface="Courier"/>
-              </a:rPr>
-              <a:t>CNV callers first estimate the mean genome coverage, then scan in windows to identify regions that are significantly above/below average</a:t>
-            </a:r>
-          </a:p>
-          <a:p>
-            <a:r>
-              <a:rPr lang="en-US" dirty="0" smtClean="0">
-                <a:cs typeface="Courier"/>
-              </a:rPr>
-              <a:t>This is a time-consuming process that can't be run on a small subset of the genome; thus not well suited to our workshop</a:t>
-            </a:r>
-          </a:p>
-          <a:p>
-            <a:r>
-              <a:rPr lang="en-US" dirty="0" smtClean="0">
-                <a:cs typeface="Courier"/>
-              </a:rPr>
-              <a:t>Canvas</a:t>
-            </a:r>
-            <a:r>
-              <a:rPr lang="en-US" dirty="0">
-                <a:cs typeface="Courier"/>
-              </a:rPr>
-              <a:t> </a:t>
-            </a:r>
-            <a:r>
-              <a:rPr lang="en-US" dirty="0" smtClean="0">
-                <a:cs typeface="Courier"/>
-              </a:rPr>
-              <a:t>is a CNV caller from Illumina; example usage in the cookbook</a:t>
-            </a:r>
-          </a:p>
-        </p:txBody>
-      </p:sp>
-    </p:spTree>
-    <p:extLst>
-      <p:ext uri="{BB962C8B-B14F-4D97-AF65-F5344CB8AC3E}">
-        <p14:creationId xmlns:p14="http://schemas.microsoft.com/office/powerpoint/2010/main" val="2227003280"/>
-      </p:ext>
-    </p:extLst>
-  </p:cSld>
-  <p:clrMapOvr>
-    <a:masterClrMapping/>
-  </p:clrMapOvr>
-  <mc:AlternateContent xmlns:mc="http://schemas.openxmlformats.org/markup-compatibility/2006" xmlns:p14="http://schemas.microsoft.com/office/powerpoint/2010/main">
-    <mc:Choice Requires="p14">
-      <p:transition spd="slow" p14:dur="2000"/>
-    </mc:Choice>
-    <mc:Fallback xmlns="">
-      <p:transition xmlns:p14="http://schemas.microsoft.com/office/powerpoint/2010/main" spd="slow"/>
-    </mc:Fallback>
-  </mc:AlternateContent>
-  <p:timing>
-    <p:tnLst>
-      <p:par>
-        <p:cTn id="1" dur="indefinite" restart="never" nodeType="tmRoot"/>
-      </p:par>
-    </p:tnLst>
-  </p:timing>
-</p:sld>
-</file>
-
-<file path=ppt/slides/slide21.xml><?xml version="1.0" encoding="utf-8"?>
-<p:sld xmlns:a="http://schemas.openxmlformats.org/drawingml/2006/main" xmlns:r="http://schemas.openxmlformats.org/officeDocument/2006/relationships" xmlns:p="http://schemas.openxmlformats.org/presentationml/2006/main">
-  <p:cSld>
-    <p:spTree>
-      <p:nvGrpSpPr>
-        <p:cNvPr id="1" name=""/>
-        <p:cNvGrpSpPr/>
-        <p:nvPr/>
-      </p:nvGrpSpPr>
-      <p:grpSpPr>
-        <a:xfrm>
-          <a:off x="0" y="0"/>
-          <a:ext cx="0" cy="0"/>
-          <a:chOff x="0" y="0"/>
-          <a:chExt cx="0" cy="0"/>
-        </a:xfrm>
-      </p:grpSpPr>
-      <p:sp>
-        <p:nvSpPr>
-          <p:cNvPr id="2" name="Title 1"/>
-          <p:cNvSpPr>
-            <a:spLocks noGrp="1"/>
-          </p:cNvSpPr>
-          <p:nvPr>
-            <p:ph type="title"/>
-          </p:nvPr>
-        </p:nvSpPr>
-        <p:spPr/>
-        <p:txBody>
-          <a:bodyPr>
-            <a:normAutofit/>
-          </a:bodyPr>
-          <a:lstStyle/>
-          <a:p>
-            <a:pPr algn="ctr"/>
-            <a:r>
-              <a:rPr lang="en-US" dirty="0"/>
-              <a:t>SV </a:t>
-            </a:r>
-            <a:r>
-              <a:rPr lang="en-US" dirty="0" smtClean="0"/>
-              <a:t>CALLING</a:t>
-            </a:r>
-            <a:endParaRPr lang="en-US" dirty="0"/>
-          </a:p>
-        </p:txBody>
-      </p:sp>
-      <p:sp>
-        <p:nvSpPr>
-          <p:cNvPr id="3" name="Content Placeholder 2"/>
-          <p:cNvSpPr>
-            <a:spLocks noGrp="1"/>
-          </p:cNvSpPr>
-          <p:nvPr>
-            <p:ph sz="quarter" idx="1"/>
-          </p:nvPr>
-        </p:nvSpPr>
-        <p:spPr>
-          <a:xfrm>
-            <a:off x="152400" y="1574800"/>
-            <a:ext cx="8864600" cy="5156200"/>
-          </a:xfrm>
-        </p:spPr>
-        <p:txBody>
-          <a:bodyPr>
-            <a:normAutofit/>
-          </a:bodyPr>
-          <a:lstStyle/>
-          <a:p>
-            <a:pPr marL="0" indent="0" algn="ctr">
-              <a:buNone/>
-            </a:pPr>
-            <a:r>
-              <a:rPr lang="en-US" u="sng" dirty="0" smtClean="0">
-                <a:cs typeface="Courier"/>
-              </a:rPr>
-              <a:t>Merging SV Calls</a:t>
-            </a:r>
-          </a:p>
-          <a:p>
-            <a:r>
-              <a:rPr lang="en-US" dirty="0" smtClean="0">
-                <a:cs typeface="Courier"/>
-              </a:rPr>
-              <a:t>SV callers are highly discordant</a:t>
-            </a:r>
-          </a:p>
-          <a:p>
-            <a:r>
-              <a:rPr lang="en-US" dirty="0" smtClean="0">
-                <a:cs typeface="Courier"/>
-              </a:rPr>
-              <a:t>Best strategy: run 2-3 callers and take a consensus of the results</a:t>
-            </a:r>
-          </a:p>
-          <a:p>
-            <a:r>
-              <a:rPr lang="en-US" dirty="0" smtClean="0">
-                <a:cs typeface="Courier"/>
-              </a:rPr>
-              <a:t>We'll use SURVIVOR, a useful SV toolkit</a:t>
-            </a:r>
-          </a:p>
-        </p:txBody>
-      </p:sp>
-    </p:spTree>
-    <p:extLst>
-      <p:ext uri="{BB962C8B-B14F-4D97-AF65-F5344CB8AC3E}">
-        <p14:creationId xmlns:p14="http://schemas.microsoft.com/office/powerpoint/2010/main" val="3275573728"/>
-      </p:ext>
-    </p:extLst>
-  </p:cSld>
-  <p:clrMapOvr>
-    <a:masterClrMapping/>
-  </p:clrMapOvr>
-  <mc:AlternateContent xmlns:mc="http://schemas.openxmlformats.org/markup-compatibility/2006" xmlns:p14="http://schemas.microsoft.com/office/powerpoint/2010/main">
-    <mc:Choice Requires="p14">
-      <p:transition spd="slow" p14:dur="2000"/>
-    </mc:Choice>
-    <mc:Fallback xmlns="">
-      <p:transition xmlns:p14="http://schemas.microsoft.com/office/powerpoint/2010/main" spd="slow"/>
-    </mc:Fallback>
-  </mc:AlternateContent>
-  <p:timing>
-    <p:tnLst>
-      <p:par>
-        <p:cTn id="1" dur="indefinite" restart="never" nodeType="tmRoot"/>
-      </p:par>
-    </p:tnLst>
-  </p:timing>
-</p:sld>
-</file>
-
-<file path=ppt/slides/slide22.xml><?xml version="1.0" encoding="utf-8"?>
-<p:sld xmlns:a="http://schemas.openxmlformats.org/drawingml/2006/main" xmlns:r="http://schemas.openxmlformats.org/officeDocument/2006/relationships" xmlns:p="http://schemas.openxmlformats.org/presentationml/2006/main">
-  <p:cSld>
-    <p:spTree>
-      <p:nvGrpSpPr>
-        <p:cNvPr id="1" name=""/>
-        <p:cNvGrpSpPr/>
-        <p:nvPr/>
-      </p:nvGrpSpPr>
-      <p:grpSpPr>
-        <a:xfrm>
-          <a:off x="0" y="0"/>
-          <a:ext cx="0" cy="0"/>
-          <a:chOff x="0" y="0"/>
-          <a:chExt cx="0" cy="0"/>
-        </a:xfrm>
-      </p:grpSpPr>
-      <p:sp>
-        <p:nvSpPr>
-          <p:cNvPr id="2" name="Title 1"/>
-          <p:cNvSpPr>
-            <a:spLocks noGrp="1"/>
-          </p:cNvSpPr>
-          <p:nvPr>
-            <p:ph type="title"/>
-          </p:nvPr>
-        </p:nvSpPr>
-        <p:spPr/>
-        <p:txBody>
-          <a:bodyPr>
-            <a:normAutofit/>
-          </a:bodyPr>
-          <a:lstStyle/>
-          <a:p>
-            <a:pPr algn="ctr"/>
-            <a:r>
-              <a:rPr lang="en-US" dirty="0"/>
-              <a:t>SV CALLING</a:t>
-            </a:r>
-          </a:p>
-        </p:txBody>
-      </p:sp>
-      <p:sp>
-        <p:nvSpPr>
-          <p:cNvPr id="3" name="Content Placeholder 2"/>
-          <p:cNvSpPr>
-            <a:spLocks noGrp="1"/>
-          </p:cNvSpPr>
-          <p:nvPr>
-            <p:ph sz="quarter" idx="1"/>
-          </p:nvPr>
-        </p:nvSpPr>
-        <p:spPr>
-          <a:xfrm>
-            <a:off x="152400" y="1574800"/>
-            <a:ext cx="8864600" cy="5156200"/>
-          </a:xfrm>
-        </p:spPr>
-        <p:txBody>
-          <a:bodyPr>
-            <a:normAutofit fontScale="92500" lnSpcReduction="20000"/>
-          </a:bodyPr>
-          <a:lstStyle/>
-          <a:p>
-            <a:pPr marL="0" indent="0" algn="ctr">
-              <a:buNone/>
-            </a:pPr>
-            <a:r>
-              <a:rPr lang="en-US" u="sng" dirty="0" smtClean="0">
-                <a:cs typeface="Courier"/>
-              </a:rPr>
-              <a:t>Exercise: Merge SV Calls</a:t>
-            </a:r>
-          </a:p>
-          <a:p>
-            <a:pPr marL="0" indent="0">
-              <a:buNone/>
-            </a:pPr>
-            <a:r>
-              <a:rPr lang="en-US" sz="2400" dirty="0" smtClean="0">
-                <a:latin typeface="Courier"/>
-                <a:cs typeface="Courier"/>
-              </a:rPr>
-              <a:t># Consensus of SV calls from two programs</a:t>
-            </a:r>
-          </a:p>
-          <a:p>
-            <a:pPr marL="0" indent="0">
-              <a:buNone/>
-            </a:pPr>
-            <a:r>
-              <a:rPr lang="en-US" sz="2400" dirty="0" smtClean="0">
-                <a:latin typeface="Courier"/>
-                <a:cs typeface="Courier"/>
-              </a:rPr>
-              <a:t># Arguments are:</a:t>
-            </a:r>
-          </a:p>
-          <a:p>
-            <a:pPr marL="0" indent="0">
-              <a:buNone/>
-            </a:pPr>
-            <a:r>
-              <a:rPr lang="en-US" sz="2400" dirty="0" smtClean="0">
-                <a:latin typeface="Courier"/>
-                <a:cs typeface="Courier"/>
-              </a:rPr>
-              <a:t>#   file with list of </a:t>
-            </a:r>
-            <a:r>
-              <a:rPr lang="en-US" sz="2400" dirty="0" err="1" smtClean="0">
-                <a:latin typeface="Courier"/>
-                <a:cs typeface="Courier"/>
-              </a:rPr>
-              <a:t>vcfs</a:t>
-            </a:r>
-            <a:r>
-              <a:rPr lang="en-US" sz="2400" dirty="0" smtClean="0">
-                <a:latin typeface="Courier"/>
-                <a:cs typeface="Courier"/>
-              </a:rPr>
-              <a:t> (1 per line)</a:t>
-            </a:r>
-          </a:p>
-          <a:p>
-            <a:pPr marL="0" indent="0">
-              <a:buNone/>
-            </a:pPr>
-            <a:r>
-              <a:rPr lang="en-US" sz="2400" dirty="0" smtClean="0">
-                <a:latin typeface="Courier"/>
-                <a:cs typeface="Courier"/>
-              </a:rPr>
-              <a:t>#   max distance for merging SVs</a:t>
-            </a:r>
-          </a:p>
-          <a:p>
-            <a:pPr marL="0" indent="0">
-              <a:buNone/>
-            </a:pPr>
-            <a:r>
-              <a:rPr lang="en-US" sz="2400" dirty="0" smtClean="0">
-                <a:latin typeface="Courier"/>
-                <a:cs typeface="Courier"/>
-              </a:rPr>
-              <a:t>#   minimum callers required to support a SV</a:t>
-            </a:r>
-          </a:p>
-          <a:p>
-            <a:pPr marL="0" indent="0">
-              <a:buNone/>
-            </a:pPr>
-            <a:r>
-              <a:rPr lang="en-US" sz="2400" dirty="0" smtClean="0">
-                <a:latin typeface="Courier"/>
-                <a:cs typeface="Courier"/>
-              </a:rPr>
-              <a:t>#   consider SV types</a:t>
-            </a:r>
-          </a:p>
-          <a:p>
-            <a:pPr marL="0" indent="0">
-              <a:buNone/>
-            </a:pPr>
-            <a:r>
-              <a:rPr lang="en-US" sz="2400" dirty="0" smtClean="0">
-                <a:latin typeface="Courier"/>
-                <a:cs typeface="Courier"/>
-              </a:rPr>
-              <a:t>#   consider strand information</a:t>
-            </a:r>
-          </a:p>
-          <a:p>
-            <a:pPr marL="0" indent="0">
-              <a:buNone/>
-            </a:pPr>
-            <a:r>
-              <a:rPr lang="en-US" sz="2400" dirty="0" smtClean="0">
-                <a:latin typeface="Courier"/>
-                <a:cs typeface="Courier"/>
-              </a:rPr>
-              <a:t>#   estimate distance based on SV size</a:t>
-            </a:r>
-          </a:p>
-          <a:p>
-            <a:pPr marL="0" indent="0">
-              <a:buNone/>
-            </a:pPr>
-            <a:r>
-              <a:rPr lang="en-US" sz="2400" dirty="0" smtClean="0">
-                <a:latin typeface="Courier"/>
-                <a:cs typeface="Courier"/>
-              </a:rPr>
-              <a:t>#   &lt;ignored&gt;</a:t>
-            </a:r>
-          </a:p>
-          <a:p>
-            <a:pPr marL="0" indent="0">
-              <a:buNone/>
-            </a:pPr>
-            <a:r>
-              <a:rPr lang="en-US" sz="2400" dirty="0" smtClean="0">
-                <a:latin typeface="Courier"/>
-                <a:cs typeface="Courier"/>
-              </a:rPr>
-              <a:t>#   output prefix</a:t>
-            </a:r>
-          </a:p>
-          <a:p>
-            <a:pPr marL="0" indent="0">
-              <a:buNone/>
-            </a:pPr>
-            <a:r>
-              <a:rPr lang="en-US" sz="2400" dirty="0">
-                <a:latin typeface="Courier"/>
-                <a:cs typeface="Courier"/>
-              </a:rPr>
-              <a:t>$ </a:t>
-            </a:r>
-            <a:r>
-              <a:rPr lang="en-US" sz="2400" dirty="0" smtClean="0">
-                <a:latin typeface="Courier"/>
-                <a:cs typeface="Courier"/>
-              </a:rPr>
-              <a:t>survivor 5 input/</a:t>
-            </a:r>
-            <a:r>
-              <a:rPr lang="en-US" sz="2400" dirty="0" err="1" smtClean="0">
-                <a:latin typeface="Courier"/>
-                <a:cs typeface="Courier"/>
-              </a:rPr>
-              <a:t>sv</a:t>
-            </a:r>
-            <a:r>
-              <a:rPr lang="en-US" sz="2400" dirty="0" smtClean="0">
-                <a:latin typeface="Courier"/>
-                <a:cs typeface="Courier"/>
-              </a:rPr>
-              <a:t>/</a:t>
-            </a:r>
-            <a:r>
-              <a:rPr lang="en-US" sz="2400" dirty="0" err="1" smtClean="0">
-                <a:latin typeface="Courier"/>
-                <a:cs typeface="Courier"/>
-              </a:rPr>
-              <a:t>sample_input</a:t>
-            </a:r>
-            <a:r>
-              <a:rPr lang="en-US" sz="2400" dirty="0" smtClean="0">
-                <a:latin typeface="Courier"/>
-                <a:cs typeface="Courier"/>
-              </a:rPr>
-              <a:t> \</a:t>
-            </a:r>
-          </a:p>
-          <a:p>
-            <a:pPr marL="0" indent="0">
-              <a:buNone/>
-            </a:pPr>
-            <a:r>
-              <a:rPr lang="en-US" sz="2400" dirty="0">
-                <a:latin typeface="Courier"/>
-                <a:cs typeface="Courier"/>
-              </a:rPr>
-              <a:t> </a:t>
-            </a:r>
-            <a:r>
-              <a:rPr lang="en-US" sz="2400" dirty="0" smtClean="0">
-                <a:latin typeface="Courier"/>
-                <a:cs typeface="Courier"/>
-              </a:rPr>
-              <a:t> 1000 </a:t>
-            </a:r>
-            <a:r>
-              <a:rPr lang="en-US" sz="2400" dirty="0">
-                <a:latin typeface="Courier"/>
-                <a:cs typeface="Courier"/>
-              </a:rPr>
-              <a:t>2 1 1 0</a:t>
-            </a:r>
-            <a:r>
-              <a:rPr lang="en-US" sz="2400" dirty="0" smtClean="0">
-                <a:latin typeface="Courier"/>
-                <a:cs typeface="Courier"/>
-              </a:rPr>
-              <a:t> 30 output/</a:t>
-            </a:r>
-            <a:r>
-              <a:rPr lang="en-US" sz="2400" dirty="0" err="1" smtClean="0">
-                <a:latin typeface="Courier"/>
-                <a:cs typeface="Courier"/>
-              </a:rPr>
-              <a:t>sample_merged.vcf</a:t>
-            </a:r>
-            <a:endParaRPr lang="en-US" sz="2400" dirty="0" smtClean="0">
-              <a:latin typeface="Courier"/>
-              <a:cs typeface="Courier"/>
-            </a:endParaRPr>
-          </a:p>
-          <a:p>
-            <a:pPr marL="0" indent="0">
-              <a:buNone/>
-            </a:pPr>
-            <a:endParaRPr lang="en-US" sz="2400" dirty="0" smtClean="0">
-              <a:latin typeface="Courier"/>
-              <a:cs typeface="Courier"/>
-            </a:endParaRPr>
-          </a:p>
-        </p:txBody>
-      </p:sp>
-    </p:spTree>
-    <p:extLst>
-      <p:ext uri="{BB962C8B-B14F-4D97-AF65-F5344CB8AC3E}">
-        <p14:creationId xmlns:p14="http://schemas.microsoft.com/office/powerpoint/2010/main" val="3222398927"/>
-      </p:ext>
-    </p:extLst>
-  </p:cSld>
-  <p:clrMapOvr>
-    <a:masterClrMapping/>
-  </p:clrMapOvr>
-  <mc:AlternateContent xmlns:mc="http://schemas.openxmlformats.org/markup-compatibility/2006" xmlns:p14="http://schemas.microsoft.com/office/powerpoint/2010/main">
-    <mc:Choice Requires="p14">
-      <p:transition spd="slow" p14:dur="2000"/>
-    </mc:Choice>
-    <mc:Fallback xmlns="">
-      <p:transition xmlns:p14="http://schemas.microsoft.com/office/powerpoint/2010/main" spd="slow"/>
-    </mc:Fallback>
-  </mc:AlternateContent>
-  <p:timing>
-    <p:tnLst>
-      <p:par>
-        <p:cTn id="1" dur="indefinite" restart="never" nodeType="tmRoot"/>
-      </p:par>
-    </p:tnLst>
-  </p:timing>
 </p:sld>
 </file>
 
@@ -7170,10 +6054,9 @@
           <a:p>
             <a:pPr algn="ctr"/>
             <a:r>
-              <a:rPr lang="en-US" dirty="0" smtClean="0"/>
+              <a:rPr lang="en-US" dirty="0"/>
               <a:t>SV CALLING</a:t>
             </a:r>
-            <a:endParaRPr lang="en-US" dirty="0"/>
           </a:p>
         </p:txBody>
       </p:sp>
@@ -7211,21 +6094,6 @@
   <p:clrMapOvr>
     <a:masterClrMapping/>
   </p:clrMapOvr>
-  <mc:AlternateContent xmlns:mc="http://schemas.openxmlformats.org/markup-compatibility/2006" xmlns:p14="http://schemas.microsoft.com/office/powerpoint/2010/main">
-    <mc:Choice Requires="p14">
-      <p:transition spd="slow" p14:dur="2000"/>
-    </mc:Choice>
-    <mc:Fallback xmlns="">
-      <p:transition xmlns:p14="http://schemas.microsoft.com/office/powerpoint/2010/main" spd="slow"/>
-    </mc:Fallback>
-  </mc:AlternateContent>
-  <p:timing>
-    <p:tnLst>
-      <p:par>
-        <p:cTn id="1" dur="indefinite" restart="never" nodeType="tmRoot"/>
-      </p:par>
-    </p:tnLst>
-  </p:timing>
 </p:sld>
 </file>
 
@@ -7265,10 +6133,9 @@
           <a:p>
             <a:pPr algn="ctr"/>
             <a:r>
-              <a:rPr lang="en-US" dirty="0" smtClean="0"/>
+              <a:rPr lang="en-US" dirty="0"/>
               <a:t>SV CALLING</a:t>
             </a:r>
-            <a:endParaRPr lang="en-US" dirty="0"/>
           </a:p>
         </p:txBody>
       </p:sp>
@@ -7298,45 +6165,45 @@
               <a:buNone/>
             </a:pPr>
             <a:r>
-              <a:rPr lang="en-US" u="sng" dirty="0" smtClean="0"/>
+              <a:rPr lang="en-US" u="sng" dirty="0"/>
               <a:t>Importance</a:t>
             </a:r>
           </a:p>
           <a:p>
             <a:r>
-              <a:rPr lang="en-US" dirty="0" smtClean="0"/>
+              <a:rPr lang="en-US" dirty="0"/>
               <a:t>Account for &lt; 1% of variants</a:t>
             </a:r>
           </a:p>
           <a:p>
             <a:r>
-              <a:rPr lang="en-US" dirty="0" smtClean="0"/>
+              <a:rPr lang="en-US" dirty="0"/>
               <a:t>In terms of bp, are responsible for a larger share of differences between genomes than are SNPs and </a:t>
             </a:r>
             <a:r>
-              <a:rPr lang="en-US" dirty="0" err="1" smtClean="0"/>
+              <a:rPr lang="en-US" dirty="0" err="1"/>
               <a:t>indels</a:t>
             </a:r>
             <a:r>
-              <a:rPr lang="en-US" dirty="0" smtClean="0"/>
+              <a:rPr lang="en-US" dirty="0"/>
               <a:t> combined</a:t>
             </a:r>
           </a:p>
           <a:p>
             <a:r>
-              <a:rPr lang="en-US" dirty="0" smtClean="0"/>
+              <a:rPr lang="en-US" dirty="0"/>
               <a:t>Many genes subject to loss/gain; most are redundant, but some are associated with disease</a:t>
             </a:r>
           </a:p>
           <a:p>
             <a:r>
-              <a:rPr lang="en-US" dirty="0" smtClean="0"/>
+              <a:rPr lang="en-US" dirty="0"/>
               <a:t>Translocations can also cause loss or gain of function; can lead to mono/trisomy in offspring</a:t>
             </a:r>
           </a:p>
           <a:p>
             <a:r>
-              <a:rPr lang="en-US" dirty="0" smtClean="0"/>
+              <a:rPr lang="en-US" dirty="0"/>
               <a:t>SV is commonly associated with cancer</a:t>
             </a:r>
           </a:p>
@@ -7352,21 +6219,6 @@
   <p:clrMapOvr>
     <a:masterClrMapping/>
   </p:clrMapOvr>
-  <mc:AlternateContent xmlns:mc="http://schemas.openxmlformats.org/markup-compatibility/2006" xmlns:p14="http://schemas.microsoft.com/office/powerpoint/2010/main">
-    <mc:Choice Requires="p14">
-      <p:transition spd="slow" p14:dur="2000"/>
-    </mc:Choice>
-    <mc:Fallback xmlns="">
-      <p:transition xmlns:p14="http://schemas.microsoft.com/office/powerpoint/2010/main" spd="slow"/>
-    </mc:Fallback>
-  </mc:AlternateContent>
-  <p:timing>
-    <p:tnLst>
-      <p:par>
-        <p:cTn id="1" dur="indefinite" restart="never" nodeType="tmRoot"/>
-      </p:par>
-    </p:tnLst>
-  </p:timing>
 </p:sld>
 </file>
 
@@ -7406,10 +6258,9 @@
           <a:p>
             <a:pPr algn="ctr"/>
             <a:r>
-              <a:rPr lang="en-US" dirty="0" smtClean="0"/>
+              <a:rPr lang="en-US" dirty="0"/>
               <a:t>SV CALLING</a:t>
             </a:r>
-            <a:endParaRPr lang="en-US" dirty="0"/>
           </a:p>
         </p:txBody>
       </p:sp>
@@ -7439,14 +6290,13 @@
               <a:buNone/>
             </a:pPr>
             <a:r>
-              <a:rPr lang="en-US" u="sng" dirty="0" smtClean="0"/>
+              <a:rPr lang="en-US" u="sng" dirty="0"/>
               <a:t>Detection</a:t>
             </a:r>
-            <a:endParaRPr lang="en-US" u="sng" dirty="0"/>
-          </a:p>
-          <a:p>
-            <a:r>
-              <a:rPr lang="en-US" dirty="0" smtClean="0"/>
+          </a:p>
+          <a:p>
+            <a:r>
+              <a:rPr lang="en-US" dirty="0"/>
               <a:t>SVs are by definition longer than Illumina read lengths (hundreds to millions of bp)</a:t>
             </a:r>
           </a:p>
@@ -7460,35 +6310,22 @@
             <a:pPr lvl="1"/>
             <a:r>
               <a:rPr lang="en-US" dirty="0"/>
-              <a:t>Paired-end </a:t>
-            </a:r>
-            <a:r>
-              <a:rPr lang="en-US" dirty="0" smtClean="0"/>
-              <a:t>Illumina</a:t>
+              <a:t>Paired-end Illumina</a:t>
             </a:r>
           </a:p>
           <a:p>
             <a:pPr lvl="2"/>
             <a:r>
-              <a:rPr lang="en-US" dirty="0" smtClean="0"/>
-              <a:t>Reads can span </a:t>
-            </a:r>
-            <a:r>
-              <a:rPr lang="en-US" dirty="0"/>
-              <a:t>SV </a:t>
-            </a:r>
-            <a:r>
-              <a:rPr lang="en-US" dirty="0" smtClean="0"/>
-              <a:t>boundaries</a:t>
+              <a:rPr lang="en-US" dirty="0"/>
+              <a:t>Reads can span SV boundaries</a:t>
             </a:r>
           </a:p>
           <a:p>
             <a:pPr lvl="2"/>
             <a:r>
-              <a:rPr lang="en-US" dirty="0" smtClean="0"/>
-              <a:t>Discordant reads indicate deletions</a:t>
-            </a:r>
-            <a:endParaRPr lang="en-US" dirty="0"/>
+              <a:rPr lang="en-US" dirty="0"/>
+              <a:t>Discordant reads indicate deletions or translocations</a:t>
+            </a:r>
           </a:p>
           <a:p>
             <a:pPr lvl="2"/>
@@ -7501,13 +6338,8 @@
             <a:pPr lvl="1"/>
             <a:r>
               <a:rPr lang="en-US" dirty="0"/>
-              <a:t>Long read </a:t>
-            </a:r>
-            <a:r>
-              <a:rPr lang="en-US" dirty="0" smtClean="0"/>
-              <a:t>technologies</a:t>
-            </a:r>
-            <a:endParaRPr lang="en-US" dirty="0"/>
+              <a:t>Long read technologies</a:t>
+            </a:r>
           </a:p>
           <a:p>
             <a:pPr lvl="1"/>
@@ -7523,7 +6355,6 @@
               <a:rPr lang="en-US" dirty="0"/>
               <a:t>)</a:t>
             </a:r>
-            <a:endParaRPr lang="en-US" dirty="0" smtClean="0"/>
           </a:p>
         </p:txBody>
       </p:sp>
@@ -7537,21 +6368,6 @@
   <p:clrMapOvr>
     <a:masterClrMapping/>
   </p:clrMapOvr>
-  <mc:AlternateContent xmlns:mc="http://schemas.openxmlformats.org/markup-compatibility/2006" xmlns:p14="http://schemas.microsoft.com/office/powerpoint/2010/main">
-    <mc:Choice Requires="p14">
-      <p:transition spd="slow" p14:dur="2000"/>
-    </mc:Choice>
-    <mc:Fallback xmlns="">
-      <p:transition xmlns:p14="http://schemas.microsoft.com/office/powerpoint/2010/main" spd="slow"/>
-    </mc:Fallback>
-  </mc:AlternateContent>
-  <p:timing>
-    <p:tnLst>
-      <p:par>
-        <p:cTn id="1" dur="indefinite" restart="never" nodeType="tmRoot"/>
-      </p:par>
-    </p:tnLst>
-  </p:timing>
 </p:sld>
 </file>
 
@@ -7589,10 +6405,9 @@
           <a:p>
             <a:pPr algn="ctr"/>
             <a:r>
-              <a:rPr lang="en-US" dirty="0" smtClean="0"/>
+              <a:rPr lang="en-US" dirty="0"/>
               <a:t>LONG READ SEQUENCING</a:t>
             </a:r>
-            <a:endParaRPr lang="en-US" dirty="0"/>
           </a:p>
         </p:txBody>
       </p:sp>
@@ -7622,108 +6437,95 @@
               <a:buNone/>
             </a:pPr>
             <a:r>
-              <a:rPr lang="en-US" u="sng" dirty="0" smtClean="0"/>
+              <a:rPr lang="en-US" u="sng" dirty="0"/>
               <a:t>Benefits</a:t>
             </a:r>
           </a:p>
           <a:p>
             <a:r>
-              <a:rPr lang="en-US" dirty="0" err="1" smtClean="0"/>
+              <a:rPr lang="en-US" dirty="0" err="1"/>
               <a:t>PacBio</a:t>
             </a:r>
             <a:r>
-              <a:rPr lang="en-US" dirty="0" smtClean="0"/>
+              <a:rPr lang="en-US" dirty="0"/>
               <a:t> and </a:t>
             </a:r>
             <a:r>
-              <a:rPr lang="en-US" dirty="0" err="1" smtClean="0"/>
+              <a:rPr lang="en-US" dirty="0" err="1"/>
               <a:t>Nanopore</a:t>
             </a:r>
             <a:r>
-              <a:rPr lang="en-US" dirty="0" smtClean="0"/>
+              <a:rPr lang="en-US" dirty="0"/>
               <a:t> can generate reads of 10kb and longer (average is more in the 1-5 kb range)</a:t>
             </a:r>
           </a:p>
           <a:p>
             <a:r>
-              <a:rPr lang="en-US" dirty="0" err="1" smtClean="0"/>
+              <a:rPr lang="en-US" dirty="0" err="1"/>
               <a:t>PacBio</a:t>
             </a:r>
             <a:r>
-              <a:rPr lang="en-US" dirty="0" smtClean="0"/>
+              <a:rPr lang="en-US" dirty="0"/>
               <a:t> increasingly used to:</a:t>
             </a:r>
           </a:p>
           <a:p>
             <a:pPr lvl="1"/>
             <a:r>
-              <a:rPr lang="en-US" dirty="0" smtClean="0"/>
-              <a:t>Detect/resolve “</a:t>
-            </a:r>
-            <a:r>
-              <a:rPr lang="en-US" dirty="0"/>
-              <a:t>difficult” </a:t>
-            </a:r>
-            <a:r>
-              <a:rPr lang="en-US" dirty="0" smtClean="0"/>
-              <a:t>regions</a:t>
+              <a:rPr lang="en-US" dirty="0"/>
+              <a:t>Detect/resolve “difficult” regions</a:t>
             </a:r>
           </a:p>
           <a:p>
             <a:pPr lvl="1"/>
             <a:r>
-              <a:rPr lang="en-US" dirty="0" smtClean="0"/>
+              <a:rPr lang="en-US" dirty="0"/>
               <a:t>Assemble genomes of non-model organisms</a:t>
             </a:r>
-            <a:endParaRPr lang="en-US" dirty="0"/>
-          </a:p>
-          <a:p>
-            <a:r>
-              <a:rPr lang="en-US" dirty="0" err="1" smtClean="0"/>
+          </a:p>
+          <a:p>
+            <a:r>
+              <a:rPr lang="en-US" dirty="0" err="1"/>
               <a:t>Nanopore</a:t>
             </a:r>
             <a:r>
-              <a:rPr lang="en-US" dirty="0" smtClean="0"/>
+              <a:rPr lang="en-US" dirty="0"/>
               <a:t> is compact, “real time” – increasingly used “in the field”</a:t>
             </a:r>
           </a:p>
           <a:p>
             <a:r>
-              <a:rPr lang="en-US" dirty="0" smtClean="0"/>
+              <a:rPr lang="en-US" dirty="0"/>
               <a:t>Can detect DNA modifications (</a:t>
             </a:r>
             <a:r>
-              <a:rPr lang="en-US" i="1" dirty="0" smtClean="0"/>
+              <a:rPr lang="en-US" i="1" dirty="0"/>
               <a:t>e.g. </a:t>
             </a:r>
             <a:r>
               <a:rPr lang="en-US" dirty="0"/>
-              <a:t>m</a:t>
-            </a:r>
-            <a:r>
-              <a:rPr lang="en-US" dirty="0" smtClean="0"/>
-              <a:t>ethylation)</a:t>
-            </a:r>
-          </a:p>
-          <a:p>
-            <a:r>
-              <a:rPr lang="en-US" dirty="0" smtClean="0"/>
-              <a:t>Soon will be possible to sequence RNA directly (</a:t>
-            </a:r>
-            <a:r>
-              <a:rPr lang="en-US" i="1" dirty="0" smtClean="0"/>
+              <a:t>methylation)</a:t>
+            </a:r>
+          </a:p>
+          <a:p>
+            <a:r>
+              <a:rPr lang="en-US" dirty="0"/>
+              <a:t>Can sequence RNA directly (</a:t>
+            </a:r>
+            <a:r>
+              <a:rPr lang="en-US" i="1" dirty="0"/>
               <a:t>i.e. </a:t>
             </a:r>
             <a:r>
-              <a:rPr lang="en-US" dirty="0" smtClean="0"/>
+              <a:rPr lang="en-US" dirty="0"/>
               <a:t>without </a:t>
             </a:r>
             <a:r>
-              <a:rPr lang="en-US" dirty="0" err="1" smtClean="0"/>
+              <a:rPr lang="en-US" dirty="0" err="1"/>
               <a:t>cDNA</a:t>
             </a:r>
             <a:r>
-              <a:rPr lang="en-US" dirty="0" smtClean="0"/>
+              <a:rPr lang="en-US" dirty="0"/>
               <a:t> conversion)</a:t>
             </a:r>
           </a:p>
@@ -7742,21 +6544,6 @@
   <p:clrMapOvr>
     <a:masterClrMapping/>
   </p:clrMapOvr>
-  <mc:AlternateContent xmlns:mc="http://schemas.openxmlformats.org/markup-compatibility/2006" xmlns:p14="http://schemas.microsoft.com/office/powerpoint/2010/main">
-    <mc:Choice Requires="p14">
-      <p:transition spd="slow" p14:dur="2000"/>
-    </mc:Choice>
-    <mc:Fallback xmlns="">
-      <p:transition xmlns:p14="http://schemas.microsoft.com/office/powerpoint/2010/main" spd="slow"/>
-    </mc:Fallback>
-  </mc:AlternateContent>
-  <p:timing>
-    <p:tnLst>
-      <p:par>
-        <p:cTn id="1" dur="indefinite" restart="never" nodeType="tmRoot"/>
-      </p:par>
-    </p:tnLst>
-  </p:timing>
 </p:sld>
 </file>
 
@@ -7819,43 +6606,39 @@
               <a:buNone/>
             </a:pPr>
             <a:r>
-              <a:rPr lang="en-US" u="sng" dirty="0" smtClean="0"/>
+              <a:rPr lang="en-US" u="sng" dirty="0"/>
               <a:t>(Current) Drawbacks</a:t>
             </a:r>
           </a:p>
           <a:p>
             <a:r>
-              <a:rPr lang="en-US" dirty="0" smtClean="0"/>
+              <a:rPr lang="en-US" dirty="0"/>
               <a:t>More expensive (but rapidly dropping)</a:t>
             </a:r>
           </a:p>
           <a:p>
             <a:r>
-              <a:rPr lang="en-US" dirty="0" smtClean="0"/>
+              <a:rPr lang="en-US" dirty="0"/>
               <a:t>Higher error rates; however:</a:t>
             </a:r>
           </a:p>
           <a:p>
             <a:pPr lvl="1"/>
             <a:r>
-              <a:rPr lang="en-US" dirty="0" smtClean="0"/>
+              <a:rPr lang="en-US" dirty="0"/>
               <a:t>These are also rapidly dropping</a:t>
             </a:r>
           </a:p>
           <a:p>
             <a:pPr lvl="1"/>
             <a:r>
-              <a:rPr lang="en-US" dirty="0" err="1" smtClean="0"/>
-              <a:t>PacBio</a:t>
-            </a:r>
-            <a:r>
-              <a:rPr lang="en-US" dirty="0" smtClean="0"/>
-              <a:t> errors are random and thus correctable; software-corrected accuracy &gt; 99%</a:t>
-            </a:r>
-          </a:p>
-          <a:p>
-            <a:r>
-              <a:rPr lang="en-US" dirty="0" smtClean="0"/>
+              <a:rPr lang="en-US" dirty="0"/>
+              <a:t>Errors are random and thus correctable for germline or metagenomics sequencing; software-corrected accuracy &gt; 99%</a:t>
+            </a:r>
+          </a:p>
+          <a:p>
+            <a:r>
+              <a:rPr lang="en-US" dirty="0"/>
               <a:t>Less tool support (but rapidly increasing)</a:t>
             </a:r>
           </a:p>
@@ -7875,21 +6658,6 @@
   <p:clrMapOvr>
     <a:masterClrMapping/>
   </p:clrMapOvr>
-  <mc:AlternateContent xmlns:mc="http://schemas.openxmlformats.org/markup-compatibility/2006" xmlns:p14="http://schemas.microsoft.com/office/powerpoint/2010/main">
-    <mc:Choice Requires="p14">
-      <p:transition spd="slow" p14:dur="2000"/>
-    </mc:Choice>
-    <mc:Fallback xmlns="">
-      <p:transition xmlns:p14="http://schemas.microsoft.com/office/powerpoint/2010/main" spd="slow"/>
-    </mc:Fallback>
-  </mc:AlternateContent>
-  <p:timing>
-    <p:tnLst>
-      <p:par>
-        <p:cTn id="1" dur="indefinite" restart="never" nodeType="tmRoot"/>
-      </p:par>
-    </p:tnLst>
-  </p:timing>
 </p:sld>
 </file>
 
@@ -7956,7 +6724,7 @@
               <a:buNone/>
             </a:pPr>
             <a:r>
-              <a:rPr lang="en-US" u="sng" dirty="0" smtClean="0"/>
+              <a:rPr lang="en-US" u="sng" dirty="0"/>
               <a:t>Synthetic Long Reads</a:t>
             </a:r>
           </a:p>
@@ -7965,7 +6733,7 @@
               <a:buSzPct val="100000"/>
             </a:pPr>
             <a:r>
-              <a:rPr lang="en-US" dirty="0" smtClean="0"/>
+              <a:rPr lang="en-US" dirty="0"/>
               <a:t>Paired-end sequencing of long inserts</a:t>
             </a:r>
           </a:p>
@@ -7974,7 +6742,7 @@
               <a:buSzPct val="100000"/>
             </a:pPr>
             <a:r>
-              <a:rPr lang="en-US" dirty="0" smtClean="0"/>
+              <a:rPr lang="en-US" dirty="0"/>
               <a:t>Used for:</a:t>
             </a:r>
           </a:p>
@@ -7983,7 +6751,7 @@
               <a:buSzPct val="100000"/>
             </a:pPr>
             <a:r>
-              <a:rPr lang="en-US" dirty="0" smtClean="0"/>
+              <a:rPr lang="en-US" dirty="0"/>
               <a:t>Cheaper genome assembly</a:t>
             </a:r>
           </a:p>
@@ -7992,15 +6760,15 @@
               <a:buSzPct val="100000"/>
             </a:pPr>
             <a:r>
-              <a:rPr lang="en-US" dirty="0" smtClean="0"/>
+              <a:rPr lang="en-US" dirty="0"/>
               <a:t>Genome phasing (</a:t>
             </a:r>
             <a:r>
-              <a:rPr lang="en-US" i="1" dirty="0" smtClean="0"/>
+              <a:rPr lang="en-US" i="1" dirty="0"/>
               <a:t>i.e. </a:t>
             </a:r>
             <a:r>
-              <a:rPr lang="en-US" dirty="0" smtClean="0"/>
+              <a:rPr lang="en-US" dirty="0"/>
               <a:t>resolving haplotypes)</a:t>
             </a:r>
           </a:p>
@@ -8009,7 +6777,7 @@
               <a:buSzPct val="100000"/>
             </a:pPr>
             <a:r>
-              <a:rPr lang="en-US" dirty="0" smtClean="0"/>
+              <a:rPr lang="en-US" dirty="0"/>
               <a:t>Resolving large structural variants</a:t>
             </a:r>
           </a:p>
@@ -8018,7 +6786,7 @@
               <a:buSzPct val="100000"/>
             </a:pPr>
             <a:r>
-              <a:rPr lang="en-US" dirty="0" smtClean="0"/>
+              <a:rPr lang="en-US" dirty="0"/>
               <a:t>Three options:</a:t>
             </a:r>
           </a:p>
@@ -8027,37 +6795,37 @@
               <a:buSzPct val="100000"/>
             </a:pPr>
             <a:r>
-              <a:rPr lang="en-US" dirty="0" smtClean="0"/>
+              <a:rPr lang="en-US" dirty="0"/>
               <a:t>Manual: </a:t>
             </a:r>
             <a:r>
-              <a:rPr lang="en-US" dirty="0" err="1" smtClean="0"/>
+              <a:rPr lang="en-US" dirty="0" err="1"/>
               <a:t>TruSeq</a:t>
             </a:r>
             <a:r>
-              <a:rPr lang="en-US" dirty="0" smtClean="0"/>
+              <a:rPr lang="en-US" dirty="0"/>
               <a:t> long-read, </a:t>
             </a:r>
             <a:r>
-              <a:rPr lang="en-US" dirty="0" err="1" smtClean="0"/>
+              <a:rPr lang="en-US" dirty="0" err="1"/>
               <a:t>Nextera</a:t>
             </a:r>
             <a:r>
-              <a:rPr lang="en-US" dirty="0" smtClean="0"/>
+              <a:rPr lang="en-US" dirty="0"/>
               <a:t> mate-pair, </a:t>
             </a:r>
             <a:r>
-              <a:rPr lang="en-US" dirty="0" err="1" smtClean="0"/>
+              <a:rPr lang="en-US" dirty="0" err="1"/>
               <a:t>HiC</a:t>
             </a:r>
-            <a:endParaRPr lang="en-US" dirty="0" smtClean="0"/>
+            <a:endParaRPr lang="en-US" dirty="0"/>
           </a:p>
           <a:p>
             <a:pPr lvl="1">
               <a:buSzPct val="100000"/>
             </a:pPr>
             <a:r>
-              <a:rPr lang="en-US" dirty="0" smtClean="0"/>
+              <a:rPr lang="en-US" dirty="0"/>
               <a:t>Automated: 10X Chromium</a:t>
             </a:r>
           </a:p>
@@ -8066,10 +6834,9 @@
               <a:buSzPct val="100000"/>
             </a:pPr>
             <a:r>
-              <a:rPr lang="en-US" dirty="0" smtClean="0"/>
+              <a:rPr lang="en-US" dirty="0"/>
               <a:t>Outsourced: Dovetail Genomics</a:t>
             </a:r>
-            <a:endParaRPr lang="en-US" dirty="0"/>
           </a:p>
         </p:txBody>
       </p:sp>
@@ -8083,21 +6850,6 @@
   <p:clrMapOvr>
     <a:masterClrMapping/>
   </p:clrMapOvr>
-  <mc:AlternateContent xmlns:mc="http://schemas.openxmlformats.org/markup-compatibility/2006" xmlns:p14="http://schemas.microsoft.com/office/powerpoint/2010/main">
-    <mc:Choice Requires="p14">
-      <p:transition spd="slow" p14:dur="2000"/>
-    </mc:Choice>
-    <mc:Fallback xmlns="">
-      <p:transition xmlns:p14="http://schemas.microsoft.com/office/powerpoint/2010/main" spd="slow"/>
-    </mc:Fallback>
-  </mc:AlternateContent>
-  <p:timing>
-    <p:tnLst>
-      <p:par>
-        <p:cTn id="1" dur="indefinite" restart="never" nodeType="tmRoot"/>
-      </p:par>
-    </p:tnLst>
-  </p:timing>
 </p:sld>
 </file>
 
@@ -8137,10 +6889,9 @@
           <a:p>
             <a:pPr algn="ctr"/>
             <a:r>
-              <a:rPr lang="en-US" dirty="0" smtClean="0"/>
+              <a:rPr lang="en-US" dirty="0"/>
               <a:t>SV CALLING</a:t>
             </a:r>
-            <a:endParaRPr lang="en-US" dirty="0"/>
           </a:p>
         </p:txBody>
       </p:sp>
@@ -8170,41 +6921,41 @@
               <a:buNone/>
             </a:pPr>
             <a:r>
-              <a:rPr lang="en-US" u="sng" dirty="0" smtClean="0"/>
+              <a:rPr lang="en-US" u="sng" dirty="0"/>
               <a:t>Detection</a:t>
             </a:r>
-            <a:endParaRPr lang="en-US" dirty="0" smtClean="0"/>
-          </a:p>
-          <a:p>
-            <a:r>
-              <a:rPr lang="en-US" dirty="0" smtClean="0"/>
+            <a:endParaRPr lang="en-US" dirty="0"/>
+          </a:p>
+          <a:p>
+            <a:r>
+              <a:rPr lang="en-US" dirty="0"/>
               <a:t>Depends on several factors:</a:t>
             </a:r>
           </a:p>
           <a:p>
             <a:pPr lvl="1"/>
             <a:r>
-              <a:rPr lang="en-US" dirty="0" smtClean="0"/>
+              <a:rPr lang="en-US" dirty="0"/>
               <a:t>Duplications: size, age, number of copies</a:t>
             </a:r>
           </a:p>
           <a:p>
             <a:pPr lvl="1"/>
             <a:r>
-              <a:rPr lang="en-US" dirty="0" smtClean="0"/>
+              <a:rPr lang="en-US" dirty="0"/>
               <a:t>Deletions: size, hemi- or homozygous, uniqueness of deleted sequence</a:t>
             </a:r>
           </a:p>
           <a:p>
             <a:pPr lvl="1"/>
             <a:r>
-              <a:rPr lang="en-US" dirty="0" smtClean="0"/>
+              <a:rPr lang="en-US" dirty="0"/>
               <a:t>Translocations and inversions: number of reads spanning breakpoint(s), ability of aligner to map split reads</a:t>
             </a:r>
           </a:p>
           <a:p>
             <a:r>
-              <a:rPr lang="en-US" dirty="0" smtClean="0"/>
+              <a:rPr lang="en-US" dirty="0"/>
               <a:t>GATK and other small variant callers won't detect SVs; specialized tools are required</a:t>
             </a:r>
           </a:p>
@@ -8220,21 +6971,6 @@
   <p:clrMapOvr>
     <a:masterClrMapping/>
   </p:clrMapOvr>
-  <mc:AlternateContent xmlns:mc="http://schemas.openxmlformats.org/markup-compatibility/2006" xmlns:p14="http://schemas.microsoft.com/office/powerpoint/2010/main">
-    <mc:Choice Requires="p14">
-      <p:transition spd="slow" p14:dur="2000"/>
-    </mc:Choice>
-    <mc:Fallback xmlns="">
-      <p:transition xmlns:p14="http://schemas.microsoft.com/office/powerpoint/2010/main" spd="slow"/>
-    </mc:Fallback>
-  </mc:AlternateContent>
-  <p:timing>
-    <p:tnLst>
-      <p:par>
-        <p:cTn id="1" dur="indefinite" restart="never" nodeType="tmRoot"/>
-      </p:par>
-    </p:tnLst>
-  </p:timing>
 </p:sld>
 </file>
 
@@ -8514,6 +7250,301 @@
 </file>
 
 <file path=ppt/theme/theme2.xml><?xml version="1.0" encoding="utf-8"?>
+<a:theme xmlns:a="http://schemas.openxmlformats.org/drawingml/2006/main" name="Office Theme">
+  <a:themeElements>
+    <a:clrScheme name="Office">
+      <a:dk1>
+        <a:sysClr val="windowText" lastClr="000000"/>
+      </a:dk1>
+      <a:lt1>
+        <a:sysClr val="window" lastClr="FFFFFF"/>
+      </a:lt1>
+      <a:dk2>
+        <a:srgbClr val="44546A"/>
+      </a:dk2>
+      <a:lt2>
+        <a:srgbClr val="E7E6E6"/>
+      </a:lt2>
+      <a:accent1>
+        <a:srgbClr val="4472C4"/>
+      </a:accent1>
+      <a:accent2>
+        <a:srgbClr val="ED7D31"/>
+      </a:accent2>
+      <a:accent3>
+        <a:srgbClr val="A5A5A5"/>
+      </a:accent3>
+      <a:accent4>
+        <a:srgbClr val="FFC000"/>
+      </a:accent4>
+      <a:accent5>
+        <a:srgbClr val="5B9BD5"/>
+      </a:accent5>
+      <a:accent6>
+        <a:srgbClr val="70AD47"/>
+      </a:accent6>
+      <a:hlink>
+        <a:srgbClr val="0563C1"/>
+      </a:hlink>
+      <a:folHlink>
+        <a:srgbClr val="954F72"/>
+      </a:folHlink>
+    </a:clrScheme>
+    <a:fontScheme name="Office">
+      <a:majorFont>
+        <a:latin typeface="Calibri Light" panose="020F0302020204030204"/>
+        <a:ea typeface=""/>
+        <a:cs typeface=""/>
+        <a:font script="Jpan" typeface="游ゴシック Light"/>
+        <a:font script="Hang" typeface="맑은 고딕"/>
+        <a:font script="Hans" typeface="等线 Light"/>
+        <a:font script="Hant" typeface="新細明體"/>
+        <a:font script="Arab" typeface="Times New Roman"/>
+        <a:font script="Hebr" typeface="Times New Roman"/>
+        <a:font script="Thai" typeface="Angsana New"/>
+        <a:font script="Ethi" typeface="Nyala"/>
+        <a:font script="Beng" typeface="Vrinda"/>
+        <a:font script="Gujr" typeface="Shruti"/>
+        <a:font script="Khmr" typeface="MoolBoran"/>
+        <a:font script="Knda" typeface="Tunga"/>
+        <a:font script="Guru" typeface="Raavi"/>
+        <a:font script="Cans" typeface="Euphemia"/>
+        <a:font script="Cher" typeface="Plantagenet Cherokee"/>
+        <a:font script="Yiii" typeface="Microsoft Yi Baiti"/>
+        <a:font script="Tibt" typeface="Microsoft Himalaya"/>
+        <a:font script="Thaa" typeface="MV Boli"/>
+        <a:font script="Deva" typeface="Mangal"/>
+        <a:font script="Telu" typeface="Gautami"/>
+        <a:font script="Taml" typeface="Latha"/>
+        <a:font script="Syrc" typeface="Estrangelo Edessa"/>
+        <a:font script="Orya" typeface="Kalinga"/>
+        <a:font script="Mlym" typeface="Kartika"/>
+        <a:font script="Laoo" typeface="DokChampa"/>
+        <a:font script="Sinh" typeface="Iskoola Pota"/>
+        <a:font script="Mong" typeface="Mongolian Baiti"/>
+        <a:font script="Viet" typeface="Times New Roman"/>
+        <a:font script="Uigh" typeface="Microsoft Uighur"/>
+        <a:font script="Geor" typeface="Sylfaen"/>
+        <a:font script="Armn" typeface="Arial"/>
+        <a:font script="Bugi" typeface="Leelawadee UI"/>
+        <a:font script="Bopo" typeface="Microsoft JhengHei"/>
+        <a:font script="Java" typeface="Javanese Text"/>
+        <a:font script="Lisu" typeface="Segoe UI"/>
+        <a:font script="Mymr" typeface="Myanmar Text"/>
+        <a:font script="Nkoo" typeface="Ebrima"/>
+        <a:font script="Olck" typeface="Nirmala UI"/>
+        <a:font script="Osma" typeface="Ebrima"/>
+        <a:font script="Phag" typeface="Phagspa"/>
+        <a:font script="Syrn" typeface="Estrangelo Edessa"/>
+        <a:font script="Syrj" typeface="Estrangelo Edessa"/>
+        <a:font script="Syre" typeface="Estrangelo Edessa"/>
+        <a:font script="Sora" typeface="Nirmala UI"/>
+        <a:font script="Tale" typeface="Microsoft Tai Le"/>
+        <a:font script="Talu" typeface="Microsoft New Tai Lue"/>
+        <a:font script="Tfng" typeface="Ebrima"/>
+      </a:majorFont>
+      <a:minorFont>
+        <a:latin typeface="Calibri" panose="020F0502020204030204"/>
+        <a:ea typeface=""/>
+        <a:cs typeface=""/>
+        <a:font script="Jpan" typeface="游ゴシック"/>
+        <a:font script="Hang" typeface="맑은 고딕"/>
+        <a:font script="Hans" typeface="等线"/>
+        <a:font script="Hant" typeface="新細明體"/>
+        <a:font script="Arab" typeface="Arial"/>
+        <a:font script="Hebr" typeface="Arial"/>
+        <a:font script="Thai" typeface="Cordia New"/>
+        <a:font script="Ethi" typeface="Nyala"/>
+        <a:font script="Beng" typeface="Vrinda"/>
+        <a:font script="Gujr" typeface="Shruti"/>
+        <a:font script="Khmr" typeface="DaunPenh"/>
+        <a:font script="Knda" typeface="Tunga"/>
+        <a:font script="Guru" typeface="Raavi"/>
+        <a:font script="Cans" typeface="Euphemia"/>
+        <a:font script="Cher" typeface="Plantagenet Cherokee"/>
+        <a:font script="Yiii" typeface="Microsoft Yi Baiti"/>
+        <a:font script="Tibt" typeface="Microsoft Himalaya"/>
+        <a:font script="Thaa" typeface="MV Boli"/>
+        <a:font script="Deva" typeface="Mangal"/>
+        <a:font script="Telu" typeface="Gautami"/>
+        <a:font script="Taml" typeface="Latha"/>
+        <a:font script="Syrc" typeface="Estrangelo Edessa"/>
+        <a:font script="Orya" typeface="Kalinga"/>
+        <a:font script="Mlym" typeface="Kartika"/>
+        <a:font script="Laoo" typeface="DokChampa"/>
+        <a:font script="Sinh" typeface="Iskoola Pota"/>
+        <a:font script="Mong" typeface="Mongolian Baiti"/>
+        <a:font script="Viet" typeface="Arial"/>
+        <a:font script="Uigh" typeface="Microsoft Uighur"/>
+        <a:font script="Geor" typeface="Sylfaen"/>
+        <a:font script="Armn" typeface="Arial"/>
+        <a:font script="Bugi" typeface="Leelawadee UI"/>
+        <a:font script="Bopo" typeface="Microsoft JhengHei"/>
+        <a:font script="Java" typeface="Javanese Text"/>
+        <a:font script="Lisu" typeface="Segoe UI"/>
+        <a:font script="Mymr" typeface="Myanmar Text"/>
+        <a:font script="Nkoo" typeface="Ebrima"/>
+        <a:font script="Olck" typeface="Nirmala UI"/>
+        <a:font script="Osma" typeface="Ebrima"/>
+        <a:font script="Phag" typeface="Phagspa"/>
+        <a:font script="Syrn" typeface="Estrangelo Edessa"/>
+        <a:font script="Syrj" typeface="Estrangelo Edessa"/>
+        <a:font script="Syre" typeface="Estrangelo Edessa"/>
+        <a:font script="Sora" typeface="Nirmala UI"/>
+        <a:font script="Tale" typeface="Microsoft Tai Le"/>
+        <a:font script="Talu" typeface="Microsoft New Tai Lue"/>
+        <a:font script="Tfng" typeface="Ebrima"/>
+      </a:minorFont>
+    </a:fontScheme>
+    <a:fmtScheme name="Office">
+      <a:fillStyleLst>
+        <a:solidFill>
+          <a:schemeClr val="phClr"/>
+        </a:solidFill>
+        <a:gradFill rotWithShape="1">
+          <a:gsLst>
+            <a:gs pos="0">
+              <a:schemeClr val="phClr">
+                <a:lumMod val="110000"/>
+                <a:satMod val="105000"/>
+                <a:tint val="67000"/>
+              </a:schemeClr>
+            </a:gs>
+            <a:gs pos="50000">
+              <a:schemeClr val="phClr">
+                <a:lumMod val="105000"/>
+                <a:satMod val="103000"/>
+                <a:tint val="73000"/>
+              </a:schemeClr>
+            </a:gs>
+            <a:gs pos="100000">
+              <a:schemeClr val="phClr">
+                <a:lumMod val="105000"/>
+                <a:satMod val="109000"/>
+                <a:tint val="81000"/>
+              </a:schemeClr>
+            </a:gs>
+          </a:gsLst>
+          <a:lin ang="5400000" scaled="0"/>
+        </a:gradFill>
+        <a:gradFill rotWithShape="1">
+          <a:gsLst>
+            <a:gs pos="0">
+              <a:schemeClr val="phClr">
+                <a:satMod val="103000"/>
+                <a:lumMod val="102000"/>
+                <a:tint val="94000"/>
+              </a:schemeClr>
+            </a:gs>
+            <a:gs pos="50000">
+              <a:schemeClr val="phClr">
+                <a:satMod val="110000"/>
+                <a:lumMod val="100000"/>
+                <a:shade val="100000"/>
+              </a:schemeClr>
+            </a:gs>
+            <a:gs pos="100000">
+              <a:schemeClr val="phClr">
+                <a:lumMod val="99000"/>
+                <a:satMod val="120000"/>
+                <a:shade val="78000"/>
+              </a:schemeClr>
+            </a:gs>
+          </a:gsLst>
+          <a:lin ang="5400000" scaled="0"/>
+        </a:gradFill>
+      </a:fillStyleLst>
+      <a:lnStyleLst>
+        <a:ln w="6350" cap="flat" cmpd="sng" algn="ctr">
+          <a:solidFill>
+            <a:schemeClr val="phClr"/>
+          </a:solidFill>
+          <a:prstDash val="solid"/>
+          <a:miter lim="800000"/>
+        </a:ln>
+        <a:ln w="12700" cap="flat" cmpd="sng" algn="ctr">
+          <a:solidFill>
+            <a:schemeClr val="phClr"/>
+          </a:solidFill>
+          <a:prstDash val="solid"/>
+          <a:miter lim="800000"/>
+        </a:ln>
+        <a:ln w="19050" cap="flat" cmpd="sng" algn="ctr">
+          <a:solidFill>
+            <a:schemeClr val="phClr"/>
+          </a:solidFill>
+          <a:prstDash val="solid"/>
+          <a:miter lim="800000"/>
+        </a:ln>
+      </a:lnStyleLst>
+      <a:effectStyleLst>
+        <a:effectStyle>
+          <a:effectLst/>
+        </a:effectStyle>
+        <a:effectStyle>
+          <a:effectLst/>
+        </a:effectStyle>
+        <a:effectStyle>
+          <a:effectLst>
+            <a:outerShdw blurRad="57150" dist="19050" dir="5400000" algn="ctr" rotWithShape="0">
+              <a:srgbClr val="000000">
+                <a:alpha val="63000"/>
+              </a:srgbClr>
+            </a:outerShdw>
+          </a:effectLst>
+        </a:effectStyle>
+      </a:effectStyleLst>
+      <a:bgFillStyleLst>
+        <a:solidFill>
+          <a:schemeClr val="phClr"/>
+        </a:solidFill>
+        <a:solidFill>
+          <a:schemeClr val="phClr">
+            <a:tint val="95000"/>
+            <a:satMod val="170000"/>
+          </a:schemeClr>
+        </a:solidFill>
+        <a:gradFill rotWithShape="1">
+          <a:gsLst>
+            <a:gs pos="0">
+              <a:schemeClr val="phClr">
+                <a:tint val="93000"/>
+                <a:satMod val="150000"/>
+                <a:shade val="98000"/>
+                <a:lumMod val="102000"/>
+              </a:schemeClr>
+            </a:gs>
+            <a:gs pos="50000">
+              <a:schemeClr val="phClr">
+                <a:tint val="98000"/>
+                <a:satMod val="130000"/>
+                <a:shade val="90000"/>
+                <a:lumMod val="103000"/>
+              </a:schemeClr>
+            </a:gs>
+            <a:gs pos="100000">
+              <a:schemeClr val="phClr">
+                <a:shade val="63000"/>
+                <a:satMod val="120000"/>
+              </a:schemeClr>
+            </a:gs>
+          </a:gsLst>
+          <a:lin ang="5400000" scaled="0"/>
+        </a:gradFill>
+      </a:bgFillStyleLst>
+    </a:fmtScheme>
+  </a:themeElements>
+  <a:objectDefaults/>
+  <a:extraClrSchemeLst/>
+  <a:extLst>
+    <a:ext uri="{05A4C25C-085E-4340-85A3-A5531E510DB2}">
+      <thm15:themeFamily xmlns:thm15="http://schemas.microsoft.com/office/thememl/2012/main" name="Office Theme" id="{62F939B6-93AF-4DB8-9C6B-D6C7DFDC589F}" vid="{4A3C46E8-61CC-4603-A589-7422A47A8E4A}"/>
+    </a:ext>
+  </a:extLst>
+</a:theme>
+</file>
+
+<file path=ppt/theme/theme3.xml><?xml version="1.0" encoding="utf-8"?>
 <a:theme xmlns:a="http://schemas.openxmlformats.org/drawingml/2006/main" name="Office Theme">
   <a:themeElements>
     <a:clrScheme name="Office">
